--- a/data/assets/talks/2020-05/SIGHPC-EduChpt-slides-CertForumWkshp2020.pptx
+++ b/data/assets/talks/2020-05/SIGHPC-EduChpt-slides-CertForumWkshp2020.pptx
@@ -5,7 +5,7 @@
     <p:sldMasterId id="2147483655" r:id="rId1"/>
   </p:sldMasterIdLst>
   <p:notesMasterIdLst>
-    <p:notesMasterId r:id="rId15"/>
+    <p:notesMasterId r:id="rId20"/>
   </p:notesMasterIdLst>
   <p:sldIdLst>
     <p:sldId id="256" r:id="rId2"/>
@@ -17,10 +17,15 @@
     <p:sldId id="267" r:id="rId8"/>
     <p:sldId id="268" r:id="rId9"/>
     <p:sldId id="269" r:id="rId10"/>
-    <p:sldId id="270" r:id="rId11"/>
-    <p:sldId id="271" r:id="rId12"/>
-    <p:sldId id="261" r:id="rId13"/>
-    <p:sldId id="264" r:id="rId14"/>
+    <p:sldId id="273" r:id="rId11"/>
+    <p:sldId id="274" r:id="rId12"/>
+    <p:sldId id="275" r:id="rId13"/>
+    <p:sldId id="276" r:id="rId14"/>
+    <p:sldId id="270" r:id="rId15"/>
+    <p:sldId id="271" r:id="rId16"/>
+    <p:sldId id="277" r:id="rId17"/>
+    <p:sldId id="261" r:id="rId18"/>
+    <p:sldId id="264" r:id="rId19"/>
   </p:sldIdLst>
   <p:sldSz cx="9144000" cy="5143500" type="screen16x9"/>
   <p:notesSz cx="6858000" cy="9144000"/>
@@ -121,7 +126,7 @@
   </p:defaultTextStyle>
   <p:extLst>
     <p:ext uri="{EFAFB233-063F-42B5-8137-9DF3F51BA10A}">
-      <p15:sldGuideLst xmlns:p15="http://schemas.microsoft.com/office/powerpoint/2012/main" xmlns="">
+      <p15:sldGuideLst xmlns="" xmlns:p15="http://schemas.microsoft.com/office/powerpoint/2012/main">
         <p15:guide id="1" orient="horz" pos="1620" userDrawn="1">
           <p15:clr>
             <a:srgbClr val="A4A3A4"/>
@@ -607,7 +612,7 @@
           <p:cNvPr id="9" name="TextBox 8">
             <a:extLst>
               <a:ext uri="{FF2B5EF4-FFF2-40B4-BE49-F238E27FC236}">
-                <a16:creationId xmlns:a16="http://schemas.microsoft.com/office/drawing/2014/main" xmlns="" id="{3BA59CB6-E1C3-4546-96FA-2A3DC335A33B}"/>
+                <a16:creationId xmlns="" xmlns:a16="http://schemas.microsoft.com/office/drawing/2014/main" id="{3BA59CB6-E1C3-4546-96FA-2A3DC335A33B}"/>
               </a:ext>
             </a:extLst>
           </p:cNvPr>
@@ -3023,7 +3028,7 @@
           <p:cNvPr id="7" name="Picture 6" descr="SIGHPC-education-logo-social.png">
             <a:extLst>
               <a:ext uri="{FF2B5EF4-FFF2-40B4-BE49-F238E27FC236}">
-                <a16:creationId xmlns:a16="http://schemas.microsoft.com/office/drawing/2014/main" xmlns="" id="{FC156C34-A091-D64D-AFE8-B9D09194CBF3}"/>
+                <a16:creationId xmlns="" xmlns:a16="http://schemas.microsoft.com/office/drawing/2014/main" id="{FC156C34-A091-D64D-AFE8-B9D09194CBF3}"/>
               </a:ext>
             </a:extLst>
           </p:cNvPr>
@@ -3059,7 +3064,7 @@
           <p:cNvPr id="8" name="TextBox 7">
             <a:extLst>
               <a:ext uri="{FF2B5EF4-FFF2-40B4-BE49-F238E27FC236}">
-                <a16:creationId xmlns:a16="http://schemas.microsoft.com/office/drawing/2014/main" xmlns="" id="{F9A208A9-F221-C346-93E3-FF5B320260F4}"/>
+                <a16:creationId xmlns="" xmlns:a16="http://schemas.microsoft.com/office/drawing/2014/main" id="{F9A208A9-F221-C346-93E3-FF5B320260F4}"/>
               </a:ext>
             </a:extLst>
           </p:cNvPr>
@@ -3425,7 +3430,7 @@
           <p:cNvPr id="2" name="Title 1">
             <a:extLst>
               <a:ext uri="{FF2B5EF4-FFF2-40B4-BE49-F238E27FC236}">
-                <a16:creationId xmlns:a16="http://schemas.microsoft.com/office/drawing/2014/main" xmlns="" id="{CD0A631E-C9DB-6C4A-8AF4-104F2AE62B0C}"/>
+                <a16:creationId xmlns="" xmlns:a16="http://schemas.microsoft.com/office/drawing/2014/main" id="{CD0A631E-C9DB-6C4A-8AF4-104F2AE62B0C}"/>
               </a:ext>
             </a:extLst>
           </p:cNvPr>
@@ -3467,8 +3472,8 @@
         </p:nvSpPr>
         <p:spPr>
           <a:xfrm>
-            <a:off x="1023732" y="2264205"/>
-            <a:ext cx="6858000" cy="1241822"/>
+            <a:off x="812800" y="2293210"/>
+            <a:ext cx="7434692" cy="2248310"/>
           </a:xfrm>
         </p:spPr>
         <p:txBody>
@@ -3483,7 +3488,7 @@
                   <a:srgbClr val="002060"/>
                 </a:solidFill>
               </a:rPr>
-              <a:t>Julie Mullen</a:t>
+              <a:t>Julie </a:t>
             </a:r>
             <a:r>
               <a:rPr lang="en-US" sz="2400" b="1" dirty="0" smtClean="0">
@@ -3491,8 +3496,45 @@
                   <a:srgbClr val="002060"/>
                 </a:solidFill>
               </a:rPr>
-              <a:t> </a:t>
-            </a:r>
+              <a:t>Mullen</a:t>
+            </a:r>
+            <a:r>
+              <a:rPr lang="en-US" sz="2400" b="1" baseline="30000" dirty="0" smtClean="0">
+                <a:solidFill>
+                  <a:srgbClr val="002060"/>
+                </a:solidFill>
+              </a:rPr>
+              <a:t>1</a:t>
+            </a:r>
+            <a:r>
+              <a:rPr lang="en-US" sz="2400" b="1" dirty="0" smtClean="0">
+                <a:solidFill>
+                  <a:srgbClr val="002060"/>
+                </a:solidFill>
+              </a:rPr>
+              <a:t>, MIT Lincoln Laboratory and David </a:t>
+            </a:r>
+            <a:r>
+              <a:rPr lang="en-US" sz="2400" b="1" dirty="0" err="1" smtClean="0">
+                <a:solidFill>
+                  <a:srgbClr val="002060"/>
+                </a:solidFill>
+              </a:rPr>
+              <a:t>Henty</a:t>
+            </a:r>
+            <a:r>
+              <a:rPr lang="en-US" sz="2400" b="1" dirty="0" smtClean="0">
+                <a:solidFill>
+                  <a:srgbClr val="002060"/>
+                </a:solidFill>
+              </a:rPr>
+              <a:t> EPCC, University of Edinburgh</a:t>
+            </a:r>
+            <a:endParaRPr lang="en-US" sz="2400" b="1" dirty="0" smtClean="0">
+              <a:solidFill>
+                <a:srgbClr val="002060"/>
+              </a:solidFill>
+            </a:endParaRPr>
           </a:p>
           <a:p>
             <a:r>
@@ -3509,7 +3551,15 @@
                   <a:srgbClr val="002060"/>
                 </a:solidFill>
               </a:rPr>
-              <a:t>-Chair, </a:t>
+              <a:t>-</a:t>
+            </a:r>
+            <a:r>
+              <a:rPr lang="en-US" sz="2400" b="1" dirty="0" smtClean="0">
+                <a:solidFill>
+                  <a:srgbClr val="002060"/>
+                </a:solidFill>
+              </a:rPr>
+              <a:t>Chairs, </a:t>
             </a:r>
             <a:r>
               <a:rPr lang="en-US" sz="2400" b="1" dirty="0" err="1" smtClean="0">
@@ -3554,12 +3604,28 @@
               <a:t> </a:t>
             </a:r>
             <a:r>
-              <a:rPr lang="en-US" sz="2400" b="1" dirty="0" err="1" smtClean="0">
+              <a:rPr lang="en-US" sz="2400" b="1" dirty="0" smtClean="0">
                 <a:solidFill>
                   <a:srgbClr val="002060"/>
                 </a:solidFill>
               </a:rPr>
               <a:t>Filinger</a:t>
+            </a:r>
+            <a:r>
+              <a:rPr lang="en-US" sz="2400" b="1" baseline="30000" dirty="0">
+                <a:solidFill>
+                  <a:srgbClr val="002060"/>
+                </a:solidFill>
+              </a:rPr>
+              <a:t>2</a:t>
+            </a:r>
+            <a:r>
+              <a:rPr lang="en-US" sz="2400" b="1" dirty="0" smtClean="0">
+                <a:solidFill>
+                  <a:srgbClr val="002060"/>
+                </a:solidFill>
+              </a:rPr>
+              <a:t>, EPCC, University of Edinburgh</a:t>
             </a:r>
             <a:endParaRPr lang="en-US" sz="2400" b="1" dirty="0" smtClean="0">
               <a:solidFill>
@@ -3590,8 +3656,18 @@
                   <a:srgbClr val="002060"/>
                 </a:solidFill>
               </a:rPr>
-              <a:t>, Outreach Committee</a:t>
-            </a:r>
+              <a:t>, Outreach </a:t>
+            </a:r>
+            <a:r>
+              <a:rPr lang="en-US" sz="2400" b="1" dirty="0" smtClean="0">
+                <a:solidFill>
+                  <a:srgbClr val="002060"/>
+                </a:solidFill>
+              </a:rPr>
+              <a:t>Committee</a:t>
+            </a:r>
+          </a:p>
+          <a:p>
             <a:endParaRPr lang="en-US" sz="2400" b="1" dirty="0">
               <a:solidFill>
                 <a:srgbClr val="002060"/>
@@ -3605,10 +3681,45 @@
               </a:solidFill>
             </a:endParaRPr>
           </a:p>
-          <a:p>
-            <a:endParaRPr lang="en-US" sz="2400" b="1" dirty="0">
+        </p:txBody>
+      </p:sp>
+      <p:sp>
+        <p:nvSpPr>
+          <p:cNvPr id="4" name="TextBox 3"/>
+          <p:cNvSpPr txBox="1"/>
+          <p:nvPr/>
+        </p:nvSpPr>
+        <p:spPr>
+          <a:xfrm>
+            <a:off x="4231173" y="4581686"/>
+            <a:ext cx="3650559" cy="307777"/>
+          </a:xfrm>
+          <a:prstGeom prst="rect">
+            <a:avLst/>
+          </a:prstGeom>
+          <a:noFill/>
+        </p:spPr>
+        <p:txBody>
+          <a:bodyPr wrap="none" rtlCol="0">
+            <a:spAutoFit/>
+          </a:bodyPr>
+          <a:lstStyle/>
+          <a:p>
+            <a:r>
+              <a:rPr lang="en-US" sz="1400" b="1" dirty="0" smtClean="0">
+                <a:solidFill>
+                  <a:schemeClr val="accent1">
+                    <a:lumMod val="50000"/>
+                  </a:schemeClr>
+                </a:solidFill>
+              </a:rPr>
+              <a:t>1:Presenter EU-US, 2:Presenter EU-Asia-Pacific </a:t>
+            </a:r>
+            <a:endParaRPr lang="en-US" sz="1400" b="1" dirty="0">
               <a:solidFill>
-                <a:srgbClr val="002060"/>
+                <a:schemeClr val="accent1">
+                  <a:lumMod val="50000"/>
+                </a:schemeClr>
               </a:solidFill>
             </a:endParaRPr>
           </a:p>
@@ -3670,8 +3781,27 @@
           <a:p>
             <a:pPr algn="ctr"/>
             <a:r>
+              <a:rPr lang="en-US" b="1" dirty="0"/>
+              <a:t>Common Auto-graded Question Formats: </a:t>
+            </a:r>
+            <a:br>
+              <a:rPr lang="en-US" b="1" dirty="0"/>
+            </a:br>
+            <a:r>
+              <a:rPr lang="en-US" b="1" dirty="0"/>
+              <a:t>Example </a:t>
+            </a:r>
+            <a:r>
               <a:rPr lang="en-US" b="1" dirty="0" smtClean="0"/>
-              <a:t>How do we ask the student more detailed questions?</a:t>
+              <a:t>2: </a:t>
+            </a:r>
+            <a:r>
+              <a:rPr lang="en-US" b="1" dirty="0" err="1"/>
+              <a:t>S</a:t>
+            </a:r>
+            <a:r>
+              <a:rPr lang="en-US" b="1" dirty="0" err="1" smtClean="0"/>
+              <a:t>ocrative.com</a:t>
             </a:r>
             <a:endParaRPr lang="en-US" b="1" dirty="0"/>
           </a:p>
@@ -3679,97 +3809,331 @@
       </p:sp>
       <p:sp>
         <p:nvSpPr>
-          <p:cNvPr id="3" name="Content Placeholder 2"/>
-          <p:cNvSpPr>
-            <a:spLocks noGrp="1"/>
-          </p:cNvSpPr>
+          <p:cNvPr id="5" name="Content Placeholder 2"/>
+          <p:cNvSpPr txBox="1">
+            <a:spLocks/>
+          </p:cNvSpPr>
+          <p:nvPr/>
+        </p:nvSpPr>
+        <p:spPr>
+          <a:xfrm>
+            <a:off x="628651" y="1369219"/>
+            <a:ext cx="3457698" cy="3263504"/>
+          </a:xfrm>
+          <a:prstGeom prst="rect">
+            <a:avLst/>
+          </a:prstGeom>
+        </p:spPr>
+        <p:txBody>
+          <a:bodyPr vert="horz" lIns="91440" tIns="45720" rIns="91440" bIns="45720" rtlCol="0">
+            <a:normAutofit lnSpcReduction="10000"/>
+          </a:bodyPr>
+          <a:lstStyle>
+            <a:lvl1pPr marL="171450" indent="-171450" algn="l" defTabSz="685800" rtl="0" eaLnBrk="1" latinLnBrk="0" hangingPunct="1">
+              <a:lnSpc>
+                <a:spcPct val="90000"/>
+              </a:lnSpc>
+              <a:spcBef>
+                <a:spcPts val="750"/>
+              </a:spcBef>
+              <a:buFont typeface="Arial" panose="020B0604020202020204" pitchFamily="34" charset="0"/>
+              <a:buChar char="•"/>
+              <a:defRPr sz="2100" kern="1200">
+                <a:solidFill>
+                  <a:schemeClr val="tx1"/>
+                </a:solidFill>
+                <a:latin typeface="+mn-lt"/>
+                <a:ea typeface="+mn-ea"/>
+                <a:cs typeface="+mn-cs"/>
+              </a:defRPr>
+            </a:lvl1pPr>
+            <a:lvl2pPr marL="514350" indent="-171450" algn="l" defTabSz="685800" rtl="0" eaLnBrk="1" latinLnBrk="0" hangingPunct="1">
+              <a:lnSpc>
+                <a:spcPct val="90000"/>
+              </a:lnSpc>
+              <a:spcBef>
+                <a:spcPts val="375"/>
+              </a:spcBef>
+              <a:buFont typeface="Arial" panose="020B0604020202020204" pitchFamily="34" charset="0"/>
+              <a:buChar char="•"/>
+              <a:defRPr sz="1800" kern="1200">
+                <a:solidFill>
+                  <a:schemeClr val="tx1"/>
+                </a:solidFill>
+                <a:latin typeface="+mn-lt"/>
+                <a:ea typeface="+mn-ea"/>
+                <a:cs typeface="+mn-cs"/>
+              </a:defRPr>
+            </a:lvl2pPr>
+            <a:lvl3pPr marL="857250" indent="-171450" algn="l" defTabSz="685800" rtl="0" eaLnBrk="1" latinLnBrk="0" hangingPunct="1">
+              <a:lnSpc>
+                <a:spcPct val="90000"/>
+              </a:lnSpc>
+              <a:spcBef>
+                <a:spcPts val="375"/>
+              </a:spcBef>
+              <a:buFont typeface="Arial" panose="020B0604020202020204" pitchFamily="34" charset="0"/>
+              <a:buChar char="•"/>
+              <a:defRPr sz="1500" kern="1200">
+                <a:solidFill>
+                  <a:schemeClr val="tx1"/>
+                </a:solidFill>
+                <a:latin typeface="+mn-lt"/>
+                <a:ea typeface="+mn-ea"/>
+                <a:cs typeface="+mn-cs"/>
+              </a:defRPr>
+            </a:lvl3pPr>
+            <a:lvl4pPr marL="1200150" indent="-171450" algn="l" defTabSz="685800" rtl="0" eaLnBrk="1" latinLnBrk="0" hangingPunct="1">
+              <a:lnSpc>
+                <a:spcPct val="90000"/>
+              </a:lnSpc>
+              <a:spcBef>
+                <a:spcPts val="375"/>
+              </a:spcBef>
+              <a:buFont typeface="Arial" panose="020B0604020202020204" pitchFamily="34" charset="0"/>
+              <a:buChar char="•"/>
+              <a:defRPr sz="1350" kern="1200">
+                <a:solidFill>
+                  <a:schemeClr val="tx1"/>
+                </a:solidFill>
+                <a:latin typeface="+mn-lt"/>
+                <a:ea typeface="+mn-ea"/>
+                <a:cs typeface="+mn-cs"/>
+              </a:defRPr>
+            </a:lvl4pPr>
+            <a:lvl5pPr marL="1543050" indent="-171450" algn="l" defTabSz="685800" rtl="0" eaLnBrk="1" latinLnBrk="0" hangingPunct="1">
+              <a:lnSpc>
+                <a:spcPct val="90000"/>
+              </a:lnSpc>
+              <a:spcBef>
+                <a:spcPts val="375"/>
+              </a:spcBef>
+              <a:buFont typeface="Arial" panose="020B0604020202020204" pitchFamily="34" charset="0"/>
+              <a:buChar char="•"/>
+              <a:defRPr sz="1350" kern="1200">
+                <a:solidFill>
+                  <a:schemeClr val="tx1"/>
+                </a:solidFill>
+                <a:latin typeface="+mn-lt"/>
+                <a:ea typeface="+mn-ea"/>
+                <a:cs typeface="+mn-cs"/>
+              </a:defRPr>
+            </a:lvl5pPr>
+            <a:lvl6pPr marL="1885950" indent="-171450" algn="l" defTabSz="685800" rtl="0" eaLnBrk="1" latinLnBrk="0" hangingPunct="1">
+              <a:lnSpc>
+                <a:spcPct val="90000"/>
+              </a:lnSpc>
+              <a:spcBef>
+                <a:spcPts val="375"/>
+              </a:spcBef>
+              <a:buFont typeface="Arial" panose="020B0604020202020204" pitchFamily="34" charset="0"/>
+              <a:buChar char="•"/>
+              <a:defRPr sz="1350" kern="1200">
+                <a:solidFill>
+                  <a:schemeClr val="tx1"/>
+                </a:solidFill>
+                <a:latin typeface="+mn-lt"/>
+                <a:ea typeface="+mn-ea"/>
+                <a:cs typeface="+mn-cs"/>
+              </a:defRPr>
+            </a:lvl6pPr>
+            <a:lvl7pPr marL="2228850" indent="-171450" algn="l" defTabSz="685800" rtl="0" eaLnBrk="1" latinLnBrk="0" hangingPunct="1">
+              <a:lnSpc>
+                <a:spcPct val="90000"/>
+              </a:lnSpc>
+              <a:spcBef>
+                <a:spcPts val="375"/>
+              </a:spcBef>
+              <a:buFont typeface="Arial" panose="020B0604020202020204" pitchFamily="34" charset="0"/>
+              <a:buChar char="•"/>
+              <a:defRPr sz="1350" kern="1200">
+                <a:solidFill>
+                  <a:schemeClr val="tx1"/>
+                </a:solidFill>
+                <a:latin typeface="+mn-lt"/>
+                <a:ea typeface="+mn-ea"/>
+                <a:cs typeface="+mn-cs"/>
+              </a:defRPr>
+            </a:lvl7pPr>
+            <a:lvl8pPr marL="2571750" indent="-171450" algn="l" defTabSz="685800" rtl="0" eaLnBrk="1" latinLnBrk="0" hangingPunct="1">
+              <a:lnSpc>
+                <a:spcPct val="90000"/>
+              </a:lnSpc>
+              <a:spcBef>
+                <a:spcPts val="375"/>
+              </a:spcBef>
+              <a:buFont typeface="Arial" panose="020B0604020202020204" pitchFamily="34" charset="0"/>
+              <a:buChar char="•"/>
+              <a:defRPr sz="1350" kern="1200">
+                <a:solidFill>
+                  <a:schemeClr val="tx1"/>
+                </a:solidFill>
+                <a:latin typeface="+mn-lt"/>
+                <a:ea typeface="+mn-ea"/>
+                <a:cs typeface="+mn-cs"/>
+              </a:defRPr>
+            </a:lvl8pPr>
+            <a:lvl9pPr marL="2914650" indent="-171450" algn="l" defTabSz="685800" rtl="0" eaLnBrk="1" latinLnBrk="0" hangingPunct="1">
+              <a:lnSpc>
+                <a:spcPct val="90000"/>
+              </a:lnSpc>
+              <a:spcBef>
+                <a:spcPts val="375"/>
+              </a:spcBef>
+              <a:buFont typeface="Arial" panose="020B0604020202020204" pitchFamily="34" charset="0"/>
+              <a:buChar char="•"/>
+              <a:defRPr sz="1350" kern="1200">
+                <a:solidFill>
+                  <a:schemeClr val="tx1"/>
+                </a:solidFill>
+                <a:latin typeface="+mn-lt"/>
+                <a:ea typeface="+mn-ea"/>
+                <a:cs typeface="+mn-cs"/>
+              </a:defRPr>
+            </a:lvl9pPr>
+          </a:lstStyle>
+          <a:p>
+            <a:r>
+              <a:rPr lang="en-US" dirty="0"/>
+              <a:t>Typically used “real-time” at EPCC during a face-to-face or online classroom lesson</a:t>
+            </a:r>
+          </a:p>
+          <a:p>
+            <a:pPr lvl="1"/>
+            <a:r>
+              <a:rPr lang="en-US" dirty="0"/>
+              <a:t>Multiple Choice</a:t>
+            </a:r>
+          </a:p>
+          <a:p>
+            <a:pPr lvl="1"/>
+            <a:r>
+              <a:rPr lang="en-US" dirty="0"/>
+              <a:t>True/False</a:t>
+            </a:r>
+          </a:p>
+          <a:p>
+            <a:pPr lvl="1"/>
+            <a:r>
+              <a:rPr lang="en-US" dirty="0"/>
+              <a:t>Multiple Answer</a:t>
+            </a:r>
+          </a:p>
+          <a:p>
+            <a:pPr lvl="1"/>
+            <a:r>
+              <a:rPr lang="en-US" dirty="0"/>
+              <a:t>Free text</a:t>
+            </a:r>
+          </a:p>
+          <a:p>
+            <a:pPr lvl="1"/>
+            <a:endParaRPr lang="en-US" dirty="0"/>
+          </a:p>
+          <a:p>
+            <a:r>
+              <a:rPr lang="en-US" dirty="0"/>
+              <a:t>Checks key concepts have been understood</a:t>
+            </a:r>
+          </a:p>
+          <a:p>
+            <a:pPr lvl="1"/>
+            <a:r>
+              <a:rPr lang="en-US" dirty="0"/>
+              <a:t>promotes discussion</a:t>
+            </a:r>
+          </a:p>
+        </p:txBody>
+      </p:sp>
+      <p:pic>
+        <p:nvPicPr>
+          <p:cNvPr id="8" name="Content Placeholder 7" descr="A screenshot of a computer&#10;&#10;Description automatically generated">
+            <a:extLst>
+              <a:ext uri="{FF2B5EF4-FFF2-40B4-BE49-F238E27FC236}">
+                <a16:creationId xmlns:a16="http://schemas.microsoft.com/office/drawing/2014/main" xmlns="" id="{D0E0C22E-7BC2-4A53-B76C-10901E5DAC21}"/>
+              </a:ext>
+            </a:extLst>
+          </p:cNvPr>
+          <p:cNvPicPr>
+            <a:picLocks noGrp="1" noChangeAspect="1"/>
+          </p:cNvPicPr>
           <p:nvPr>
             <p:ph idx="1"/>
           </p:nvPr>
-        </p:nvSpPr>
-        <p:spPr/>
-        <p:txBody>
-          <a:bodyPr>
-            <a:normAutofit/>
-          </a:bodyPr>
-          <a:lstStyle/>
-          <a:p>
-            <a:r>
-              <a:rPr lang="en-US" dirty="0" smtClean="0"/>
-              <a:t>Given: I have a directory with hundreds of files.  I need</a:t>
-            </a:r>
-          </a:p>
-          <a:p>
-            <a:pPr lvl="1"/>
-            <a:r>
-              <a:rPr lang="en-US" dirty="0" smtClean="0"/>
-              <a:t>A single file, </a:t>
-            </a:r>
-            <a:r>
-              <a:rPr lang="en-US" dirty="0" err="1" smtClean="0"/>
-              <a:t>files_to_process</a:t>
-            </a:r>
-            <a:r>
-              <a:rPr lang="en-US" dirty="0" smtClean="0"/>
-              <a:t>,  that includes all of the file names</a:t>
-            </a:r>
-          </a:p>
-          <a:p>
-            <a:pPr lvl="1"/>
-            <a:r>
-              <a:rPr lang="en-US" dirty="0" smtClean="0"/>
-              <a:t>N = number of filenames in </a:t>
-            </a:r>
-            <a:r>
-              <a:rPr lang="en-US" dirty="0" err="1" smtClean="0"/>
-              <a:t>files_to_process</a:t>
-            </a:r>
-            <a:endParaRPr lang="en-US" dirty="0" smtClean="0"/>
-          </a:p>
-          <a:p>
-            <a:r>
-              <a:rPr lang="en-US" dirty="0" smtClean="0"/>
-              <a:t>This is a standard operation that Data Scientists need to do on our system in order to process their data concurrently, taking advantage of the parallel system</a:t>
-            </a:r>
-          </a:p>
-          <a:p>
-            <a:r>
-              <a:rPr lang="en-US" dirty="0" smtClean="0"/>
-              <a:t>One solution is to use </a:t>
-            </a:r>
-            <a:r>
-              <a:rPr lang="en-US" dirty="0" err="1" smtClean="0"/>
-              <a:t>egrep</a:t>
-            </a:r>
-            <a:r>
-              <a:rPr lang="en-US" dirty="0"/>
-              <a:t> </a:t>
-            </a:r>
-            <a:r>
-              <a:rPr lang="en-US" dirty="0" smtClean="0"/>
-              <a:t>and </a:t>
-            </a:r>
-            <a:r>
-              <a:rPr lang="en-US" dirty="0" err="1" smtClean="0"/>
-              <a:t>wc</a:t>
-            </a:r>
-            <a:r>
-              <a:rPr lang="en-US" dirty="0" smtClean="0"/>
-              <a:t>, with some piping</a:t>
-            </a:r>
-          </a:p>
-          <a:p>
-            <a:r>
-              <a:rPr lang="en-US" dirty="0" smtClean="0"/>
-              <a:t>How do I craft a problem that accepts and auto-grades an expression?</a:t>
-            </a:r>
-          </a:p>
-        </p:txBody>
-      </p:sp>
+        </p:nvPicPr>
+        <p:blipFill rotWithShape="1">
+          <a:blip r:embed="rId2">
+            <a:extLst>
+              <a:ext uri="{28A0092B-C50C-407E-A947-70E740481C1C}">
+                <a14:useLocalDpi xmlns:a14="http://schemas.microsoft.com/office/drawing/2010/main" val="0"/>
+              </a:ext>
+            </a:extLst>
+          </a:blip>
+          <a:srcRect l="166" t="14409" r="2454" b="1147"/>
+          <a:stretch/>
+        </p:blipFill>
+        <p:spPr>
+          <a:xfrm>
+            <a:off x="4086349" y="1388269"/>
+            <a:ext cx="4572000" cy="2736000"/>
+          </a:xfrm>
+          <a:ln w="12700" cmpd="sng">
+            <a:solidFill>
+              <a:schemeClr val="bg2">
+                <a:lumMod val="25000"/>
+              </a:schemeClr>
+            </a:solidFill>
+          </a:ln>
+          <a:effectLst>
+            <a:outerShdw blurRad="50800" dist="38100" dir="2700000" algn="tl" rotWithShape="0">
+              <a:prstClr val="black">
+                <a:alpha val="40000"/>
+              </a:prstClr>
+            </a:outerShdw>
+          </a:effectLst>
+        </p:spPr>
+      </p:pic>
+      <p:pic>
+        <p:nvPicPr>
+          <p:cNvPr id="3" name="Picture 2" descr="socrativeLogo.png"/>
+          <p:cNvPicPr>
+            <a:picLocks noChangeAspect="1"/>
+          </p:cNvPicPr>
+          <p:nvPr/>
+        </p:nvPicPr>
+        <p:blipFill>
+          <a:blip r:embed="rId3">
+            <a:extLst>
+              <a:ext uri="{28A0092B-C50C-407E-A947-70E740481C1C}">
+                <a14:useLocalDpi xmlns:a14="http://schemas.microsoft.com/office/drawing/2010/main" val="0"/>
+              </a:ext>
+            </a:extLst>
+          </a:blip>
+          <a:stretch>
+            <a:fillRect/>
+          </a:stretch>
+        </p:blipFill>
+        <p:spPr>
+          <a:xfrm>
+            <a:off x="5689600" y="3885534"/>
+            <a:ext cx="1525270" cy="972064"/>
+          </a:xfrm>
+          <a:prstGeom prst="rect">
+            <a:avLst/>
+          </a:prstGeom>
+          <a:ln w="12700" cmpd="sng">
+            <a:solidFill>
+              <a:schemeClr val="bg2">
+                <a:lumMod val="50000"/>
+              </a:schemeClr>
+            </a:solidFill>
+          </a:ln>
+        </p:spPr>
+      </p:pic>
     </p:spTree>
     <p:extLst>
       <p:ext uri="{BB962C8B-B14F-4D97-AF65-F5344CB8AC3E}">
-        <p14:creationId xmlns:p14="http://schemas.microsoft.com/office/powerpoint/2010/main" val="1790193766"/>
+        <p14:creationId xmlns:p14="http://schemas.microsoft.com/office/powerpoint/2010/main" val="2607631704"/>
       </p:ext>
     </p:extLst>
   </p:cSld>
@@ -3805,147 +4169,10 @@
       </p:grpSpPr>
       <p:sp>
         <p:nvSpPr>
-          <p:cNvPr id="2" name="Title 1"/>
-          <p:cNvSpPr>
-            <a:spLocks noGrp="1"/>
-          </p:cNvSpPr>
-          <p:nvPr>
-            <p:ph type="title"/>
-          </p:nvPr>
-        </p:nvSpPr>
-        <p:spPr/>
-        <p:txBody>
-          <a:bodyPr/>
-          <a:lstStyle/>
-          <a:p>
-            <a:pPr algn="ctr"/>
-            <a:r>
-              <a:rPr lang="en-US" b="1" dirty="0" smtClean="0"/>
-              <a:t>Discussion</a:t>
-            </a:r>
-            <a:endParaRPr lang="en-US" b="1" dirty="0"/>
-          </a:p>
-        </p:txBody>
-      </p:sp>
-      <p:sp>
-        <p:nvSpPr>
-          <p:cNvPr id="3" name="Content Placeholder 2"/>
-          <p:cNvSpPr>
-            <a:spLocks noGrp="1"/>
-          </p:cNvSpPr>
-          <p:nvPr>
-            <p:ph idx="1"/>
-          </p:nvPr>
-        </p:nvSpPr>
-        <p:spPr/>
-        <p:txBody>
-          <a:bodyPr>
-            <a:normAutofit lnSpcReduction="10000"/>
-          </a:bodyPr>
-          <a:lstStyle/>
-          <a:p>
-            <a:r>
-              <a:rPr lang="en-US" dirty="0" smtClean="0"/>
-              <a:t>What forms of problems need to be included in order for students to show mastery?  </a:t>
-            </a:r>
-          </a:p>
-          <a:p>
-            <a:r>
-              <a:rPr lang="en-US" dirty="0" smtClean="0"/>
-              <a:t>What types of questions are Hiring Managers concerned about?</a:t>
-            </a:r>
-            <a:endParaRPr lang="en-US" dirty="0"/>
-          </a:p>
-          <a:p>
-            <a:r>
-              <a:rPr lang="en-US" dirty="0" smtClean="0"/>
-              <a:t>Where do these questions and problems live?</a:t>
-            </a:r>
-          </a:p>
-          <a:p>
-            <a:r>
-              <a:rPr lang="en-US" dirty="0" smtClean="0"/>
-              <a:t>What is the process for getting permission to submit questions?</a:t>
-            </a:r>
-          </a:p>
-          <a:p>
-            <a:r>
-              <a:rPr lang="en-US" dirty="0" smtClean="0"/>
-              <a:t>How do we find out what questions already exist in the Library?</a:t>
-            </a:r>
-          </a:p>
-          <a:p>
-            <a:r>
-              <a:rPr lang="en-US" dirty="0" smtClean="0"/>
-              <a:t>How do we find out what the final question looks like for a student?</a:t>
-            </a:r>
-          </a:p>
-          <a:p>
-            <a:r>
-              <a:rPr lang="en-US" dirty="0" smtClean="0"/>
-              <a:t>Is there a solution that explains the correct answer?</a:t>
-            </a:r>
-          </a:p>
-          <a:p>
-            <a:r>
-              <a:rPr lang="en-US" dirty="0" smtClean="0"/>
-              <a:t>What is the process for reviewing and testing the Test Library?</a:t>
-            </a:r>
-          </a:p>
-          <a:p>
-            <a:endParaRPr lang="en-US" dirty="0" smtClean="0"/>
-          </a:p>
-          <a:p>
-            <a:endParaRPr lang="en-US" dirty="0" smtClean="0"/>
-          </a:p>
-          <a:p>
-            <a:endParaRPr lang="en-US" dirty="0" smtClean="0"/>
-          </a:p>
-        </p:txBody>
-      </p:sp>
-    </p:spTree>
-    <p:extLst>
-      <p:ext uri="{BB962C8B-B14F-4D97-AF65-F5344CB8AC3E}">
-        <p14:creationId xmlns:p14="http://schemas.microsoft.com/office/powerpoint/2010/main" val="2664606688"/>
-      </p:ext>
-    </p:extLst>
-  </p:cSld>
-  <p:clrMapOvr>
-    <a:masterClrMapping/>
-  </p:clrMapOvr>
-  <p:timing>
-    <p:tnLst>
-      <p:par>
-        <p:cTn xmlns:p14="http://schemas.microsoft.com/office/powerpoint/2010/main" id="1" dur="indefinite" restart="never" nodeType="tmRoot"/>
-      </p:par>
-    </p:tnLst>
-  </p:timing>
-</p:sld>
-</file>
-
-<file path=ppt/slides/slide12.xml><?xml version="1.0" encoding="utf-8"?>
-<p:sld xmlns:a="http://schemas.openxmlformats.org/drawingml/2006/main" xmlns:r="http://schemas.openxmlformats.org/officeDocument/2006/relationships" xmlns:p="http://schemas.openxmlformats.org/presentationml/2006/main">
-  <p:cSld>
-    <p:spTree>
-      <p:nvGrpSpPr>
-        <p:cNvPr id="1" name=""/>
-        <p:cNvGrpSpPr/>
-        <p:nvPr/>
-      </p:nvGrpSpPr>
-      <p:grpSpPr>
-        <a:xfrm>
-          <a:off x="0" y="0"/>
-          <a:ext cx="0" cy="0"/>
-          <a:chOff x="0" y="0"/>
-          <a:chExt cx="0" cy="0"/>
-        </a:xfrm>
-      </p:grpSpPr>
-      <p:sp>
-        <p:nvSpPr>
           <p:cNvPr id="2" name="Title 1">
             <a:extLst>
               <a:ext uri="{FF2B5EF4-FFF2-40B4-BE49-F238E27FC236}">
-                <a16:creationId xmlns:a16="http://schemas.microsoft.com/office/drawing/2014/main" xmlns="" id="{79686D71-73FB-D94A-B32A-9BE3DB9BB42C}"/>
+                <a16:creationId xmlns:a16="http://schemas.microsoft.com/office/drawing/2014/main" xmlns="" id="{2C80062A-3B13-4C91-AE7C-CDB5686D9BD3}"/>
               </a:ext>
             </a:extLst>
           </p:cNvPr>
@@ -3963,1380 +4190,27 @@
           <a:p>
             <a:pPr algn="ctr"/>
             <a:r>
-              <a:rPr lang="en-US" b="1" dirty="0"/>
-              <a:t>How Can You Help?</a:t>
-            </a:r>
-          </a:p>
-        </p:txBody>
-      </p:sp>
-      <p:sp>
-        <p:nvSpPr>
-          <p:cNvPr id="3" name="Content Placeholder 2">
+              <a:rPr lang="en-GB" b="1" dirty="0"/>
+              <a:t>Socrative also provides summary answers</a:t>
+            </a:r>
+          </a:p>
+        </p:txBody>
+      </p:sp>
+      <p:pic>
+        <p:nvPicPr>
+          <p:cNvPr id="5" name="Content Placeholder 4" descr="A screenshot of a cell phone&#10;&#10;Description automatically generated">
             <a:extLst>
               <a:ext uri="{FF2B5EF4-FFF2-40B4-BE49-F238E27FC236}">
-                <a16:creationId xmlns:a16="http://schemas.microsoft.com/office/drawing/2014/main" xmlns="" id="{521C9C55-DA00-744C-A728-8BCD3148DB49}"/>
+                <a16:creationId xmlns:a16="http://schemas.microsoft.com/office/drawing/2014/main" xmlns="" id="{F944E66A-72EA-4CF3-9E3D-5CE167293E3E}"/>
               </a:ext>
             </a:extLst>
           </p:cNvPr>
-          <p:cNvSpPr>
-            <a:spLocks noGrp="1"/>
-          </p:cNvSpPr>
+          <p:cNvPicPr>
+            <a:picLocks noGrp="1" noChangeAspect="1"/>
+          </p:cNvPicPr>
           <p:nvPr>
             <p:ph idx="1"/>
           </p:nvPr>
-        </p:nvSpPr>
-        <p:spPr>
-          <a:xfrm>
-            <a:off x="628650" y="1148878"/>
-            <a:ext cx="7700341" cy="3263504"/>
-          </a:xfrm>
-        </p:spPr>
-        <p:txBody>
-          <a:bodyPr>
-            <a:normAutofit/>
-          </a:bodyPr>
-          <a:lstStyle/>
-          <a:p>
-            <a:r>
-              <a:rPr lang="en-US" sz="2400" dirty="0"/>
-              <a:t>Be a leader </a:t>
-            </a:r>
-          </a:p>
-          <a:p>
-            <a:pPr lvl="1"/>
-            <a:r>
-              <a:rPr lang="en-US" sz="2000" dirty="0"/>
-              <a:t>Join one of the committees and share your expertise.</a:t>
-            </a:r>
-          </a:p>
-          <a:p>
-            <a:pPr lvl="1"/>
-            <a:r>
-              <a:rPr lang="en-US" sz="2000" dirty="0"/>
-              <a:t>Submit your name for one of the officer positions.</a:t>
-            </a:r>
-          </a:p>
-          <a:p>
-            <a:r>
-              <a:rPr lang="en-US" sz="2400" dirty="0"/>
-              <a:t>Be a contributor</a:t>
-            </a:r>
-          </a:p>
-          <a:p>
-            <a:pPr lvl="1"/>
-            <a:r>
-              <a:rPr lang="en-US" sz="2000" dirty="0"/>
-              <a:t>You have important ideas, techniques, and approaches that need publicity – write a blog post.</a:t>
-            </a:r>
-          </a:p>
-          <a:p>
-            <a:pPr lvl="1"/>
-            <a:r>
-              <a:rPr lang="en-US" sz="2000" dirty="0"/>
-              <a:t>You have great training materials - send us the links.</a:t>
-            </a:r>
-          </a:p>
-          <a:p>
-            <a:pPr lvl="1"/>
-            <a:r>
-              <a:rPr lang="en-US" sz="2000" dirty="0"/>
-              <a:t>Got an important announcement related to HPC education or training? Send email and the officers will disseminate if approved.</a:t>
-            </a:r>
-          </a:p>
-        </p:txBody>
-      </p:sp>
-      <p:sp useBgFill="1">
-        <p:nvSpPr>
-          <p:cNvPr id="5" name="TextBox 4">
-            <a:extLst>
-              <a:ext uri="{FF2B5EF4-FFF2-40B4-BE49-F238E27FC236}">
-                <a16:creationId xmlns:a16="http://schemas.microsoft.com/office/drawing/2014/main" xmlns="" id="{FC3499E5-DA34-0241-A433-D075F1A60F53}"/>
-              </a:ext>
-            </a:extLst>
-          </p:cNvPr>
-          <p:cNvSpPr txBox="1"/>
-          <p:nvPr/>
-        </p:nvSpPr>
-        <p:spPr>
-          <a:xfrm>
-            <a:off x="417443" y="4532244"/>
-            <a:ext cx="3995531" cy="369332"/>
-          </a:xfrm>
-          <a:prstGeom prst="rect">
-            <a:avLst/>
-          </a:prstGeom>
-        </p:spPr>
-        <p:txBody>
-          <a:bodyPr wrap="square" rtlCol="0">
-            <a:spAutoFit/>
-          </a:bodyPr>
-          <a:lstStyle/>
-          <a:p>
-            <a:pPr lvl="1"/>
-            <a:r>
-              <a:rPr lang="en-US" dirty="0">
-                <a:hlinkClick r:id="rId2"/>
-              </a:rPr>
-              <a:t>https://sighpceducation.acm.org</a:t>
-            </a:r>
-            <a:endParaRPr lang="en-US" dirty="0"/>
-          </a:p>
-        </p:txBody>
-      </p:sp>
-    </p:spTree>
-    <p:extLst>
-      <p:ext uri="{BB962C8B-B14F-4D97-AF65-F5344CB8AC3E}">
-        <p14:creationId xmlns:p14="http://schemas.microsoft.com/office/powerpoint/2010/main" val="1466455472"/>
-      </p:ext>
-    </p:extLst>
-  </p:cSld>
-  <p:clrMapOvr>
-    <a:masterClrMapping/>
-  </p:clrMapOvr>
-  <p:timing>
-    <p:tnLst>
-      <p:par>
-        <p:cTn xmlns:p14="http://schemas.microsoft.com/office/powerpoint/2010/main" id="1" dur="indefinite" restart="never" nodeType="tmRoot"/>
-      </p:par>
-    </p:tnLst>
-  </p:timing>
-</p:sld>
-</file>
-
-<file path=ppt/slides/slide13.xml><?xml version="1.0" encoding="utf-8"?>
-<p:sld xmlns:a="http://schemas.openxmlformats.org/drawingml/2006/main" xmlns:r="http://schemas.openxmlformats.org/officeDocument/2006/relationships" xmlns:p="http://schemas.openxmlformats.org/presentationml/2006/main">
-  <p:cSld>
-    <p:spTree>
-      <p:nvGrpSpPr>
-        <p:cNvPr id="1" name=""/>
-        <p:cNvGrpSpPr/>
-        <p:nvPr/>
-      </p:nvGrpSpPr>
-      <p:grpSpPr>
-        <a:xfrm>
-          <a:off x="0" y="0"/>
-          <a:ext cx="0" cy="0"/>
-          <a:chOff x="0" y="0"/>
-          <a:chExt cx="0" cy="0"/>
-        </a:xfrm>
-      </p:grpSpPr>
-      <p:sp>
-        <p:nvSpPr>
-          <p:cNvPr id="2" name="Title 1">
-            <a:extLst>
-              <a:ext uri="{FF2B5EF4-FFF2-40B4-BE49-F238E27FC236}">
-                <a16:creationId xmlns:a16="http://schemas.microsoft.com/office/drawing/2014/main" xmlns="" id="{79686D71-73FB-D94A-B32A-9BE3DB9BB42C}"/>
-              </a:ext>
-            </a:extLst>
-          </p:cNvPr>
-          <p:cNvSpPr>
-            <a:spLocks noGrp="1"/>
-          </p:cNvSpPr>
-          <p:nvPr>
-            <p:ph type="title"/>
-          </p:nvPr>
-        </p:nvSpPr>
-        <p:spPr/>
-        <p:txBody>
-          <a:bodyPr/>
-          <a:lstStyle/>
-          <a:p>
-            <a:pPr algn="ctr"/>
-            <a:r>
-              <a:rPr lang="en-US" b="1" dirty="0"/>
-              <a:t>Journal of Computational Science Education</a:t>
-            </a:r>
-          </a:p>
-        </p:txBody>
-      </p:sp>
-      <p:sp>
-        <p:nvSpPr>
-          <p:cNvPr id="3" name="Content Placeholder 2">
-            <a:extLst>
-              <a:ext uri="{FF2B5EF4-FFF2-40B4-BE49-F238E27FC236}">
-                <a16:creationId xmlns:a16="http://schemas.microsoft.com/office/drawing/2014/main" xmlns="" id="{521C9C55-DA00-744C-A728-8BCD3148DB49}"/>
-              </a:ext>
-            </a:extLst>
-          </p:cNvPr>
-          <p:cNvSpPr>
-            <a:spLocks noGrp="1"/>
-          </p:cNvSpPr>
-          <p:nvPr>
-            <p:ph idx="1"/>
-          </p:nvPr>
-        </p:nvSpPr>
-        <p:spPr>
-          <a:xfrm>
-            <a:off x="628650" y="1148878"/>
-            <a:ext cx="7700341" cy="3263504"/>
-          </a:xfrm>
-        </p:spPr>
-        <p:txBody>
-          <a:bodyPr>
-            <a:normAutofit/>
-          </a:bodyPr>
-          <a:lstStyle/>
-          <a:p>
-            <a:r>
-              <a:rPr lang="en-US" dirty="0" smtClean="0"/>
-              <a:t>Open</a:t>
-            </a:r>
-            <a:r>
-              <a:rPr lang="en-US" dirty="0"/>
-              <a:t>, online journal</a:t>
-            </a:r>
-          </a:p>
-          <a:p>
-            <a:r>
-              <a:rPr lang="en-US" dirty="0"/>
-              <a:t>Refereed articles on broad set of computational science education topics</a:t>
-            </a:r>
-          </a:p>
-          <a:p>
-            <a:pPr lvl="1"/>
-            <a:r>
-              <a:rPr lang="en-US" dirty="0"/>
-              <a:t>Articles on computational science instructional materials and projects and research on the efficacy of instruction with computational science</a:t>
-            </a:r>
-          </a:p>
-          <a:p>
-            <a:pPr lvl="1"/>
-            <a:r>
-              <a:rPr lang="en-US" dirty="0"/>
-              <a:t>Student articles detailing their experiences in computational science internships and research experiences</a:t>
-            </a:r>
-          </a:p>
-          <a:p>
-            <a:r>
-              <a:rPr lang="en-US" dirty="0"/>
-              <a:t>Become a reviewer! Sign up on our </a:t>
-            </a:r>
-            <a:r>
-              <a:rPr lang="en-US" dirty="0" smtClean="0"/>
-              <a:t>website: </a:t>
-            </a:r>
-            <a:r>
-              <a:rPr lang="en-US" dirty="0" err="1" smtClean="0"/>
-              <a:t>www.jocse.org</a:t>
-            </a:r>
-            <a:endParaRPr lang="en-US" dirty="0"/>
-          </a:p>
-        </p:txBody>
-      </p:sp>
-      <p:sp useBgFill="1">
-        <p:nvSpPr>
-          <p:cNvPr id="5" name="TextBox 4">
-            <a:extLst>
-              <a:ext uri="{FF2B5EF4-FFF2-40B4-BE49-F238E27FC236}">
-                <a16:creationId xmlns:a16="http://schemas.microsoft.com/office/drawing/2014/main" xmlns="" id="{FC3499E5-DA34-0241-A433-D075F1A60F53}"/>
-              </a:ext>
-            </a:extLst>
-          </p:cNvPr>
-          <p:cNvSpPr txBox="1"/>
-          <p:nvPr/>
-        </p:nvSpPr>
-        <p:spPr>
-          <a:xfrm>
-            <a:off x="417443" y="4532244"/>
-            <a:ext cx="3995531" cy="369332"/>
-          </a:xfrm>
-          <a:prstGeom prst="rect">
-            <a:avLst/>
-          </a:prstGeom>
-        </p:spPr>
-        <p:txBody>
-          <a:bodyPr wrap="square" rtlCol="0">
-            <a:spAutoFit/>
-          </a:bodyPr>
-          <a:lstStyle/>
-          <a:p>
-            <a:pPr lvl="1"/>
-            <a:r>
-              <a:rPr lang="en-US" dirty="0">
-                <a:hlinkClick r:id="rId2"/>
-              </a:rPr>
-              <a:t>https://sighpceducation.acm.org</a:t>
-            </a:r>
-            <a:endParaRPr lang="en-US" dirty="0"/>
-          </a:p>
-        </p:txBody>
-      </p:sp>
-    </p:spTree>
-    <p:extLst>
-      <p:ext uri="{BB962C8B-B14F-4D97-AF65-F5344CB8AC3E}">
-        <p14:creationId xmlns:p14="http://schemas.microsoft.com/office/powerpoint/2010/main" val="907982902"/>
-      </p:ext>
-    </p:extLst>
-  </p:cSld>
-  <p:clrMapOvr>
-    <a:masterClrMapping/>
-  </p:clrMapOvr>
-</p:sld>
-</file>
-
-<file path=ppt/slides/slide2.xml><?xml version="1.0" encoding="utf-8"?>
-<p:sld xmlns:a="http://schemas.openxmlformats.org/drawingml/2006/main" xmlns:r="http://schemas.openxmlformats.org/officeDocument/2006/relationships" xmlns:p="http://schemas.openxmlformats.org/presentationml/2006/main">
-  <p:cSld>
-    <p:spTree>
-      <p:nvGrpSpPr>
-        <p:cNvPr id="1" name=""/>
-        <p:cNvGrpSpPr/>
-        <p:nvPr/>
-      </p:nvGrpSpPr>
-      <p:grpSpPr>
-        <a:xfrm>
-          <a:off x="0" y="0"/>
-          <a:ext cx="0" cy="0"/>
-          <a:chOff x="0" y="0"/>
-          <a:chExt cx="0" cy="0"/>
-        </a:xfrm>
-      </p:grpSpPr>
-      <p:sp>
-        <p:nvSpPr>
-          <p:cNvPr id="2" name="Title 1">
-            <a:extLst>
-              <a:ext uri="{FF2B5EF4-FFF2-40B4-BE49-F238E27FC236}">
-                <a16:creationId xmlns:a16="http://schemas.microsoft.com/office/drawing/2014/main" xmlns="" id="{49968877-B0DA-9F49-B301-85C8BEF322E1}"/>
-              </a:ext>
-            </a:extLst>
-          </p:cNvPr>
-          <p:cNvSpPr>
-            <a:spLocks noGrp="1"/>
-          </p:cNvSpPr>
-          <p:nvPr>
-            <p:ph type="title"/>
-          </p:nvPr>
-        </p:nvSpPr>
-        <p:spPr/>
-        <p:txBody>
-          <a:bodyPr/>
-          <a:lstStyle/>
-          <a:p>
-            <a:pPr algn="ctr"/>
-            <a:r>
-              <a:rPr lang="en-US" b="1" dirty="0"/>
-              <a:t>SIG HPC Education – The Activities</a:t>
-            </a:r>
-            <a:r>
-              <a:rPr lang="en-US" dirty="0"/>
-              <a:t/>
-            </a:r>
-            <a:br>
-              <a:rPr lang="en-US" dirty="0"/>
-            </a:br>
-            <a:r>
-              <a:rPr lang="en-US" sz="2100" i="1" dirty="0"/>
-              <a:t>Committees are at work on</a:t>
-            </a:r>
-            <a:r>
-              <a:rPr lang="mr-IN" sz="2100" i="1" dirty="0"/>
-              <a:t>…</a:t>
-            </a:r>
-            <a:endParaRPr lang="en-US" sz="2100" i="1" dirty="0"/>
-          </a:p>
-        </p:txBody>
-      </p:sp>
-      <p:sp>
-        <p:nvSpPr>
-          <p:cNvPr id="3" name="Content Placeholder 2">
-            <a:extLst>
-              <a:ext uri="{FF2B5EF4-FFF2-40B4-BE49-F238E27FC236}">
-                <a16:creationId xmlns:a16="http://schemas.microsoft.com/office/drawing/2014/main" xmlns="" id="{F5C65BEA-377B-8B4A-B9CF-1042B586E05C}"/>
-              </a:ext>
-            </a:extLst>
-          </p:cNvPr>
-          <p:cNvSpPr>
-            <a:spLocks noGrp="1"/>
-          </p:cNvSpPr>
-          <p:nvPr>
-            <p:ph idx="1"/>
-          </p:nvPr>
-        </p:nvSpPr>
-        <p:spPr>
-          <a:xfrm>
-            <a:off x="628650" y="1140078"/>
-            <a:ext cx="7521437" cy="3364706"/>
-          </a:xfrm>
-        </p:spPr>
-        <p:txBody>
-          <a:bodyPr>
-            <a:normAutofit fontScale="92500" lnSpcReduction="10000"/>
-          </a:bodyPr>
-          <a:lstStyle/>
-          <a:p>
-            <a:pPr marL="0" indent="0">
-              <a:buNone/>
-            </a:pPr>
-            <a:r>
-              <a:rPr lang="en-US" dirty="0"/>
-              <a:t>Workshops: </a:t>
-            </a:r>
-          </a:p>
-          <a:p>
-            <a:pPr lvl="1"/>
-            <a:r>
-              <a:rPr lang="en-US" dirty="0"/>
-              <a:t>coordinating and managing in-person and virtual events to bring together the community to discuss topics of interest</a:t>
-            </a:r>
-          </a:p>
-          <a:p>
-            <a:pPr marL="0" indent="0">
-              <a:buNone/>
-            </a:pPr>
-            <a:r>
-              <a:rPr lang="en-US" dirty="0"/>
-              <a:t>Computational Science Education: </a:t>
-            </a:r>
-          </a:p>
-          <a:p>
-            <a:pPr lvl="1"/>
-            <a:r>
-              <a:rPr lang="en-US" dirty="0"/>
-              <a:t>developing strategies to incorporate and/or enhance computational science education at all levels of education </a:t>
-            </a:r>
-          </a:p>
-          <a:p>
-            <a:pPr marL="0" indent="0">
-              <a:buNone/>
-            </a:pPr>
-            <a:r>
-              <a:rPr lang="en-US" dirty="0" smtClean="0"/>
-              <a:t>Education Content</a:t>
-            </a:r>
-            <a:r>
-              <a:rPr lang="en-US" dirty="0" smtClean="0"/>
-              <a:t>:</a:t>
-            </a:r>
-            <a:endParaRPr lang="en-US" dirty="0"/>
-          </a:p>
-          <a:p>
-            <a:pPr lvl="1"/>
-            <a:r>
-              <a:rPr lang="en-US" dirty="0"/>
-              <a:t>curating lists of available education and training materials for HPC and computational science skills.</a:t>
-            </a:r>
-          </a:p>
-          <a:p>
-            <a:pPr marL="0" indent="0">
-              <a:buNone/>
-            </a:pPr>
-            <a:r>
-              <a:rPr lang="en-US" dirty="0"/>
-              <a:t>Outreach: </a:t>
-            </a:r>
-          </a:p>
-          <a:p>
-            <a:pPr lvl="1"/>
-            <a:r>
-              <a:rPr lang="en-US" dirty="0"/>
-              <a:t>distributing information about the activities of the chapter, including advertising workshops, recruiting webinar speakers and blog entries.</a:t>
-            </a:r>
-          </a:p>
-        </p:txBody>
-      </p:sp>
-      <p:sp useBgFill="1">
-        <p:nvSpPr>
-          <p:cNvPr id="4" name="TextBox 3">
-            <a:extLst>
-              <a:ext uri="{FF2B5EF4-FFF2-40B4-BE49-F238E27FC236}">
-                <a16:creationId xmlns:a16="http://schemas.microsoft.com/office/drawing/2014/main" xmlns="" id="{03B49153-30A1-9040-BC7B-9CB1AD735519}"/>
-              </a:ext>
-            </a:extLst>
-          </p:cNvPr>
-          <p:cNvSpPr txBox="1"/>
-          <p:nvPr/>
-        </p:nvSpPr>
-        <p:spPr>
-          <a:xfrm>
-            <a:off x="417443" y="4532244"/>
-            <a:ext cx="3995531" cy="369332"/>
-          </a:xfrm>
-          <a:prstGeom prst="rect">
-            <a:avLst/>
-          </a:prstGeom>
-        </p:spPr>
-        <p:txBody>
-          <a:bodyPr wrap="square" rtlCol="0">
-            <a:spAutoFit/>
-          </a:bodyPr>
-          <a:lstStyle/>
-          <a:p>
-            <a:pPr lvl="1"/>
-            <a:r>
-              <a:rPr lang="en-US" dirty="0">
-                <a:hlinkClick r:id="rId2"/>
-              </a:rPr>
-              <a:t>https://sighpceducation.acm.org</a:t>
-            </a:r>
-            <a:endParaRPr lang="en-US" dirty="0"/>
-          </a:p>
-        </p:txBody>
-      </p:sp>
-    </p:spTree>
-    <p:extLst>
-      <p:ext uri="{BB962C8B-B14F-4D97-AF65-F5344CB8AC3E}">
-        <p14:creationId xmlns:p14="http://schemas.microsoft.com/office/powerpoint/2010/main" val="2139085900"/>
-      </p:ext>
-    </p:extLst>
-  </p:cSld>
-  <p:clrMapOvr>
-    <a:masterClrMapping/>
-  </p:clrMapOvr>
-  <p:timing>
-    <p:tnLst>
-      <p:par>
-        <p:cTn xmlns:p14="http://schemas.microsoft.com/office/powerpoint/2010/main" id="1" dur="indefinite" restart="never" nodeType="tmRoot"/>
-      </p:par>
-    </p:tnLst>
-  </p:timing>
-</p:sld>
-</file>
-
-<file path=ppt/slides/slide3.xml><?xml version="1.0" encoding="utf-8"?>
-<p:sld xmlns:a="http://schemas.openxmlformats.org/drawingml/2006/main" xmlns:r="http://schemas.openxmlformats.org/officeDocument/2006/relationships" xmlns:p="http://schemas.openxmlformats.org/presentationml/2006/main">
-  <p:cSld>
-    <p:spTree>
-      <p:nvGrpSpPr>
-        <p:cNvPr id="1" name=""/>
-        <p:cNvGrpSpPr/>
-        <p:nvPr/>
-      </p:nvGrpSpPr>
-      <p:grpSpPr>
-        <a:xfrm>
-          <a:off x="0" y="0"/>
-          <a:ext cx="0" cy="0"/>
-          <a:chOff x="0" y="0"/>
-          <a:chExt cx="0" cy="0"/>
-        </a:xfrm>
-      </p:grpSpPr>
-      <p:sp>
-        <p:nvSpPr>
-          <p:cNvPr id="2" name="Title 1">
-            <a:extLst>
-              <a:ext uri="{FF2B5EF4-FFF2-40B4-BE49-F238E27FC236}">
-                <a16:creationId xmlns:a16="http://schemas.microsoft.com/office/drawing/2014/main" xmlns="" id="{49968877-B0DA-9F49-B301-85C8BEF322E1}"/>
-              </a:ext>
-            </a:extLst>
-          </p:cNvPr>
-          <p:cNvSpPr>
-            <a:spLocks noGrp="1"/>
-          </p:cNvSpPr>
-          <p:nvPr>
-            <p:ph type="title"/>
-          </p:nvPr>
-        </p:nvSpPr>
-        <p:spPr/>
-        <p:txBody>
-          <a:bodyPr/>
-          <a:lstStyle/>
-          <a:p>
-            <a:pPr algn="ctr"/>
-            <a:r>
-              <a:rPr lang="en-US" b="1" dirty="0"/>
-              <a:t>SIG HPC Education – The Activities</a:t>
-            </a:r>
-            <a:r>
-              <a:rPr lang="en-US" dirty="0"/>
-              <a:t/>
-            </a:r>
-            <a:br>
-              <a:rPr lang="en-US" dirty="0"/>
-            </a:br>
-            <a:r>
-              <a:rPr lang="en-US" sz="2100" i="1" dirty="0"/>
-              <a:t>Committees are at work on</a:t>
-            </a:r>
-            <a:r>
-              <a:rPr lang="mr-IN" sz="2100" i="1" dirty="0"/>
-              <a:t>…</a:t>
-            </a:r>
-            <a:endParaRPr lang="en-US" sz="2100" i="1" dirty="0"/>
-          </a:p>
-        </p:txBody>
-      </p:sp>
-      <p:sp>
-        <p:nvSpPr>
-          <p:cNvPr id="3" name="Content Placeholder 2">
-            <a:extLst>
-              <a:ext uri="{FF2B5EF4-FFF2-40B4-BE49-F238E27FC236}">
-                <a16:creationId xmlns:a16="http://schemas.microsoft.com/office/drawing/2014/main" xmlns="" id="{F5C65BEA-377B-8B4A-B9CF-1042B586E05C}"/>
-              </a:ext>
-            </a:extLst>
-          </p:cNvPr>
-          <p:cNvSpPr>
-            <a:spLocks noGrp="1"/>
-          </p:cNvSpPr>
-          <p:nvPr>
-            <p:ph idx="1"/>
-          </p:nvPr>
-        </p:nvSpPr>
-        <p:spPr>
-          <a:xfrm>
-            <a:off x="628650" y="1140078"/>
-            <a:ext cx="7521437" cy="3364706"/>
-          </a:xfrm>
-        </p:spPr>
-        <p:txBody>
-          <a:bodyPr>
-            <a:normAutofit/>
-          </a:bodyPr>
-          <a:lstStyle/>
-          <a:p>
-            <a:pPr marL="0" indent="0">
-              <a:buNone/>
-            </a:pPr>
-            <a:r>
-              <a:rPr lang="en-US" dirty="0" smtClean="0"/>
-              <a:t>K-12: </a:t>
-            </a:r>
-            <a:endParaRPr lang="en-US" dirty="0"/>
-          </a:p>
-          <a:p>
-            <a:pPr lvl="1"/>
-            <a:r>
-              <a:rPr lang="en-US" dirty="0" smtClean="0"/>
-              <a:t>Support educators introducing HPC and Data Science in pre-university environments</a:t>
-            </a:r>
-          </a:p>
-          <a:p>
-            <a:pPr marL="0" indent="0">
-              <a:buNone/>
-            </a:pPr>
-            <a:r>
-              <a:rPr lang="en-US" dirty="0" smtClean="0"/>
-              <a:t>Systems Professional Committee: </a:t>
-            </a:r>
-          </a:p>
-          <a:p>
-            <a:pPr lvl="1"/>
-            <a:r>
-              <a:rPr lang="en-US" dirty="0"/>
-              <a:t>curating, recommending and making available material and resources addressing topics of interest to the HPC systems professionals</a:t>
-            </a:r>
-            <a:r>
-              <a:rPr lang="en-US" dirty="0" smtClean="0"/>
-              <a:t>.</a:t>
-            </a:r>
-            <a:endParaRPr lang="en-US" dirty="0"/>
-          </a:p>
-        </p:txBody>
-      </p:sp>
-      <p:sp useBgFill="1">
-        <p:nvSpPr>
-          <p:cNvPr id="4" name="TextBox 3">
-            <a:extLst>
-              <a:ext uri="{FF2B5EF4-FFF2-40B4-BE49-F238E27FC236}">
-                <a16:creationId xmlns:a16="http://schemas.microsoft.com/office/drawing/2014/main" xmlns="" id="{03B49153-30A1-9040-BC7B-9CB1AD735519}"/>
-              </a:ext>
-            </a:extLst>
-          </p:cNvPr>
-          <p:cNvSpPr txBox="1"/>
-          <p:nvPr/>
-        </p:nvSpPr>
-        <p:spPr>
-          <a:xfrm>
-            <a:off x="417443" y="4532244"/>
-            <a:ext cx="3995531" cy="369332"/>
-          </a:xfrm>
-          <a:prstGeom prst="rect">
-            <a:avLst/>
-          </a:prstGeom>
-        </p:spPr>
-        <p:txBody>
-          <a:bodyPr wrap="square" rtlCol="0">
-            <a:spAutoFit/>
-          </a:bodyPr>
-          <a:lstStyle/>
-          <a:p>
-            <a:pPr lvl="1"/>
-            <a:r>
-              <a:rPr lang="en-US" dirty="0">
-                <a:hlinkClick r:id="rId2"/>
-              </a:rPr>
-              <a:t>https://sighpceducation.acm.org</a:t>
-            </a:r>
-            <a:endParaRPr lang="en-US" dirty="0"/>
-          </a:p>
-        </p:txBody>
-      </p:sp>
-    </p:spTree>
-    <p:extLst>
-      <p:ext uri="{BB962C8B-B14F-4D97-AF65-F5344CB8AC3E}">
-        <p14:creationId xmlns:p14="http://schemas.microsoft.com/office/powerpoint/2010/main" val="1741927332"/>
-      </p:ext>
-    </p:extLst>
-  </p:cSld>
-  <p:clrMapOvr>
-    <a:masterClrMapping/>
-  </p:clrMapOvr>
-  <p:timing>
-    <p:tnLst>
-      <p:par>
-        <p:cTn xmlns:p14="http://schemas.microsoft.com/office/powerpoint/2010/main" id="1" dur="indefinite" restart="never" nodeType="tmRoot"/>
-      </p:par>
-    </p:tnLst>
-  </p:timing>
-</p:sld>
-</file>
-
-<file path=ppt/slides/slide4.xml><?xml version="1.0" encoding="utf-8"?>
-<p:sld xmlns:a="http://schemas.openxmlformats.org/drawingml/2006/main" xmlns:r="http://schemas.openxmlformats.org/officeDocument/2006/relationships" xmlns:p="http://schemas.openxmlformats.org/presentationml/2006/main">
-  <p:cSld>
-    <p:spTree>
-      <p:nvGrpSpPr>
-        <p:cNvPr id="1" name=""/>
-        <p:cNvGrpSpPr/>
-        <p:nvPr/>
-      </p:nvGrpSpPr>
-      <p:grpSpPr>
-        <a:xfrm>
-          <a:off x="0" y="0"/>
-          <a:ext cx="0" cy="0"/>
-          <a:chOff x="0" y="0"/>
-          <a:chExt cx="0" cy="0"/>
-        </a:xfrm>
-      </p:grpSpPr>
-      <p:sp>
-        <p:nvSpPr>
-          <p:cNvPr id="2" name="Title 1"/>
-          <p:cNvSpPr>
-            <a:spLocks noGrp="1"/>
-          </p:cNvSpPr>
-          <p:nvPr>
-            <p:ph type="title"/>
-          </p:nvPr>
-        </p:nvSpPr>
-        <p:spPr/>
-        <p:txBody>
-          <a:bodyPr/>
-          <a:lstStyle/>
-          <a:p>
-            <a:pPr algn="ctr"/>
-            <a:r>
-              <a:rPr lang="en-US" b="1" dirty="0" smtClean="0"/>
-              <a:t>Resources on Our Website</a:t>
-            </a:r>
-            <a:endParaRPr lang="en-US" b="1" dirty="0"/>
-          </a:p>
-        </p:txBody>
-      </p:sp>
-      <p:sp>
-        <p:nvSpPr>
-          <p:cNvPr id="3" name="Content Placeholder 2"/>
-          <p:cNvSpPr>
-            <a:spLocks noGrp="1"/>
-          </p:cNvSpPr>
-          <p:nvPr>
-            <p:ph idx="1"/>
-          </p:nvPr>
-        </p:nvSpPr>
-        <p:spPr>
-          <a:xfrm>
-            <a:off x="782914" y="1268016"/>
-            <a:ext cx="7068999" cy="3263504"/>
-          </a:xfrm>
-        </p:spPr>
-        <p:txBody>
-          <a:bodyPr>
-            <a:normAutofit/>
-          </a:bodyPr>
-          <a:lstStyle/>
-          <a:p>
-            <a:r>
-              <a:rPr lang="en-US" dirty="0" smtClean="0"/>
-              <a:t>YouTube </a:t>
-            </a:r>
-            <a:r>
-              <a:rPr lang="en-US" dirty="0"/>
-              <a:t>videos of past events:</a:t>
-            </a:r>
-          </a:p>
-          <a:p>
-            <a:pPr lvl="1"/>
-            <a:r>
-              <a:rPr lang="en-US" dirty="0"/>
-              <a:t>Undergraduate Computational Science Program Development</a:t>
-            </a:r>
-          </a:p>
-          <a:p>
-            <a:pPr lvl="1"/>
-            <a:r>
-              <a:rPr lang="en-US" dirty="0"/>
-              <a:t>HPC Carpentry</a:t>
-            </a:r>
-          </a:p>
-          <a:p>
-            <a:pPr lvl="1"/>
-            <a:r>
-              <a:rPr lang="en-US" dirty="0"/>
-              <a:t>Bringing Computer Science to </a:t>
-            </a:r>
-            <a:r>
-              <a:rPr lang="en-US" dirty="0" smtClean="0"/>
-              <a:t>All</a:t>
-            </a:r>
-          </a:p>
-          <a:p>
-            <a:pPr lvl="1"/>
-            <a:r>
-              <a:rPr lang="en-US" dirty="0"/>
-              <a:t>W</a:t>
-            </a:r>
-            <a:r>
-              <a:rPr lang="en-US" dirty="0" smtClean="0"/>
-              <a:t>ebinars</a:t>
-            </a:r>
-            <a:endParaRPr lang="en-US" dirty="0"/>
-          </a:p>
-          <a:p>
-            <a:r>
-              <a:rPr lang="en-US" dirty="0"/>
-              <a:t>Links to teaching </a:t>
-            </a:r>
-            <a:r>
-              <a:rPr lang="en-US" dirty="0" smtClean="0"/>
-              <a:t>resources</a:t>
-            </a:r>
-          </a:p>
-          <a:p>
-            <a:r>
-              <a:rPr lang="en-US" dirty="0" smtClean="0"/>
-              <a:t>Blog and discussion forum</a:t>
-            </a:r>
-          </a:p>
-          <a:p>
-            <a:r>
-              <a:rPr lang="en-US" dirty="0" smtClean="0"/>
-              <a:t>Connect to our </a:t>
-            </a:r>
-            <a:r>
-              <a:rPr lang="en-US" dirty="0" err="1" smtClean="0"/>
-              <a:t>facebook</a:t>
-            </a:r>
-            <a:r>
-              <a:rPr lang="en-US" dirty="0"/>
-              <a:t> </a:t>
-            </a:r>
-            <a:r>
-              <a:rPr lang="en-US" dirty="0" smtClean="0"/>
-              <a:t>group</a:t>
-            </a:r>
-            <a:endParaRPr lang="en-US" dirty="0"/>
-          </a:p>
-          <a:p>
-            <a:pPr marL="0" indent="0">
-              <a:buNone/>
-            </a:pPr>
-            <a:endParaRPr lang="en-US" dirty="0"/>
-          </a:p>
-          <a:p>
-            <a:endParaRPr lang="en-US" dirty="0"/>
-          </a:p>
-        </p:txBody>
-      </p:sp>
-      <p:sp useBgFill="1">
-        <p:nvSpPr>
-          <p:cNvPr id="4" name="TextBox 3">
-            <a:extLst>
-              <a:ext uri="{FF2B5EF4-FFF2-40B4-BE49-F238E27FC236}">
-                <a16:creationId xmlns:a16="http://schemas.microsoft.com/office/drawing/2014/main" xmlns="" id="{03DFA5E3-5404-3043-9EE2-19280DB20F4B}"/>
-              </a:ext>
-            </a:extLst>
-          </p:cNvPr>
-          <p:cNvSpPr txBox="1"/>
-          <p:nvPr/>
-        </p:nvSpPr>
-        <p:spPr>
-          <a:xfrm>
-            <a:off x="417443" y="4532244"/>
-            <a:ext cx="3995531" cy="369332"/>
-          </a:xfrm>
-          <a:prstGeom prst="rect">
-            <a:avLst/>
-          </a:prstGeom>
-        </p:spPr>
-        <p:txBody>
-          <a:bodyPr wrap="square" rtlCol="0">
-            <a:spAutoFit/>
-          </a:bodyPr>
-          <a:lstStyle/>
-          <a:p>
-            <a:pPr lvl="1"/>
-            <a:r>
-              <a:rPr lang="en-US" dirty="0">
-                <a:hlinkClick r:id="rId2"/>
-              </a:rPr>
-              <a:t>https://sighpceducation.acm.org</a:t>
-            </a:r>
-            <a:endParaRPr lang="en-US" dirty="0"/>
-          </a:p>
-        </p:txBody>
-      </p:sp>
-    </p:spTree>
-    <p:extLst>
-      <p:ext uri="{BB962C8B-B14F-4D97-AF65-F5344CB8AC3E}">
-        <p14:creationId xmlns:p14="http://schemas.microsoft.com/office/powerpoint/2010/main" val="1155506789"/>
-      </p:ext>
-    </p:extLst>
-  </p:cSld>
-  <p:clrMapOvr>
-    <a:masterClrMapping/>
-  </p:clrMapOvr>
-  <p:timing>
-    <p:tnLst>
-      <p:par>
-        <p:cTn xmlns:p14="http://schemas.microsoft.com/office/powerpoint/2010/main" id="1" dur="indefinite" restart="never" nodeType="tmRoot"/>
-      </p:par>
-    </p:tnLst>
-  </p:timing>
-</p:sld>
-</file>
-
-<file path=ppt/slides/slide5.xml><?xml version="1.0" encoding="utf-8"?>
-<p:sld xmlns:a="http://schemas.openxmlformats.org/drawingml/2006/main" xmlns:r="http://schemas.openxmlformats.org/officeDocument/2006/relationships" xmlns:p="http://schemas.openxmlformats.org/presentationml/2006/main">
-  <p:cSld>
-    <p:spTree>
-      <p:nvGrpSpPr>
-        <p:cNvPr id="1" name=""/>
-        <p:cNvGrpSpPr/>
-        <p:nvPr/>
-      </p:nvGrpSpPr>
-      <p:grpSpPr>
-        <a:xfrm>
-          <a:off x="0" y="0"/>
-          <a:ext cx="0" cy="0"/>
-          <a:chOff x="0" y="0"/>
-          <a:chExt cx="0" cy="0"/>
-        </a:xfrm>
-      </p:grpSpPr>
-      <p:sp>
-        <p:nvSpPr>
-          <p:cNvPr id="2" name="Title 1"/>
-          <p:cNvSpPr>
-            <a:spLocks noGrp="1"/>
-          </p:cNvSpPr>
-          <p:nvPr>
-            <p:ph type="title"/>
-          </p:nvPr>
-        </p:nvSpPr>
-        <p:spPr/>
-        <p:txBody>
-          <a:bodyPr>
-            <a:normAutofit fontScale="90000"/>
-          </a:bodyPr>
-          <a:lstStyle/>
-          <a:p>
-            <a:pPr algn="ctr"/>
-            <a:r>
-              <a:rPr lang="en-US" b="1" dirty="0" smtClean="0"/>
-              <a:t>Bringing Communities Together to Build Certification Process </a:t>
-            </a:r>
-            <a:endParaRPr lang="en-US" b="1" dirty="0"/>
-          </a:p>
-        </p:txBody>
-      </p:sp>
-      <p:sp>
-        <p:nvSpPr>
-          <p:cNvPr id="3" name="Content Placeholder 2"/>
-          <p:cNvSpPr>
-            <a:spLocks noGrp="1"/>
-          </p:cNvSpPr>
-          <p:nvPr>
-            <p:ph sz="half" idx="1"/>
-          </p:nvPr>
-        </p:nvSpPr>
-        <p:spPr>
-          <a:xfrm>
-            <a:off x="304800" y="1611075"/>
-            <a:ext cx="4210050" cy="2877661"/>
-          </a:xfrm>
-        </p:spPr>
-        <p:txBody>
-          <a:bodyPr>
-            <a:normAutofit/>
-          </a:bodyPr>
-          <a:lstStyle/>
-          <a:p>
-            <a:r>
-              <a:rPr lang="en-US" dirty="0" smtClean="0"/>
-              <a:t>The Education Content committee is focused on informal learning</a:t>
-            </a:r>
-          </a:p>
-          <a:p>
-            <a:r>
-              <a:rPr lang="en-US" dirty="0" smtClean="0"/>
-              <a:t>We reviewed and gathered resources from HPC centers around the global to make resource discovery easier</a:t>
-            </a:r>
-          </a:p>
-          <a:p>
-            <a:r>
-              <a:rPr lang="en-US" dirty="0" smtClean="0"/>
-              <a:t>We were looking to find a way to crowd source the evaluation and usefulness of resources</a:t>
-            </a:r>
-          </a:p>
-        </p:txBody>
-      </p:sp>
-      <p:sp>
-        <p:nvSpPr>
-          <p:cNvPr id="4" name="Content Placeholder 3"/>
-          <p:cNvSpPr>
-            <a:spLocks noGrp="1"/>
-          </p:cNvSpPr>
-          <p:nvPr>
-            <p:ph sz="half" idx="2"/>
-          </p:nvPr>
-        </p:nvSpPr>
-        <p:spPr>
-          <a:xfrm>
-            <a:off x="4629150" y="1611075"/>
-            <a:ext cx="4271010" cy="3263504"/>
-          </a:xfrm>
-        </p:spPr>
-        <p:txBody>
-          <a:bodyPr>
-            <a:normAutofit/>
-          </a:bodyPr>
-          <a:lstStyle/>
-          <a:p>
-            <a:r>
-              <a:rPr lang="en-US" dirty="0" smtClean="0"/>
-              <a:t>HPC Certification Forum is focused on finding a way to provide HPC training (Informal Learning)</a:t>
-            </a:r>
-          </a:p>
-          <a:p>
-            <a:r>
-              <a:rPr lang="en-US" dirty="0" smtClean="0"/>
-              <a:t>The HPC Certification Forum created a well-defined set of skills necessary for HPC practitioners</a:t>
-            </a:r>
-          </a:p>
-          <a:p>
-            <a:r>
-              <a:rPr lang="en-US" dirty="0" smtClean="0"/>
-              <a:t> They were looking for a way to crowd source the definition of skills and create assessments</a:t>
-            </a:r>
-            <a:endParaRPr lang="en-US" dirty="0"/>
-          </a:p>
-        </p:txBody>
-      </p:sp>
-      <p:sp>
-        <p:nvSpPr>
-          <p:cNvPr id="5" name="TextBox 4"/>
-          <p:cNvSpPr txBox="1"/>
-          <p:nvPr/>
-        </p:nvSpPr>
-        <p:spPr>
-          <a:xfrm>
-            <a:off x="1046480" y="1210370"/>
-            <a:ext cx="2553253" cy="461665"/>
-          </a:xfrm>
-          <a:prstGeom prst="rect">
-            <a:avLst/>
-          </a:prstGeom>
-          <a:noFill/>
-        </p:spPr>
-        <p:txBody>
-          <a:bodyPr wrap="none" rtlCol="0">
-            <a:spAutoFit/>
-          </a:bodyPr>
-          <a:lstStyle/>
-          <a:p>
-            <a:r>
-              <a:rPr lang="en-US" sz="2400" b="1" dirty="0" smtClean="0"/>
-              <a:t>Education Content </a:t>
-            </a:r>
-            <a:endParaRPr lang="en-US" sz="2400" b="1" dirty="0"/>
-          </a:p>
-        </p:txBody>
-      </p:sp>
-      <p:sp>
-        <p:nvSpPr>
-          <p:cNvPr id="6" name="TextBox 5"/>
-          <p:cNvSpPr txBox="1"/>
-          <p:nvPr/>
-        </p:nvSpPr>
-        <p:spPr>
-          <a:xfrm>
-            <a:off x="5201920" y="1210370"/>
-            <a:ext cx="2344662" cy="461665"/>
-          </a:xfrm>
-          <a:prstGeom prst="rect">
-            <a:avLst/>
-          </a:prstGeom>
-          <a:noFill/>
-        </p:spPr>
-        <p:txBody>
-          <a:bodyPr wrap="none" rtlCol="0">
-            <a:spAutoFit/>
-          </a:bodyPr>
-          <a:lstStyle/>
-          <a:p>
-            <a:r>
-              <a:rPr lang="en-US" sz="2400" b="1" dirty="0" smtClean="0"/>
-              <a:t>HPC Certification</a:t>
-            </a:r>
-            <a:endParaRPr lang="en-US" sz="2400" b="1" dirty="0"/>
-          </a:p>
-        </p:txBody>
-      </p:sp>
-    </p:spTree>
-    <p:extLst>
-      <p:ext uri="{BB962C8B-B14F-4D97-AF65-F5344CB8AC3E}">
-        <p14:creationId xmlns:p14="http://schemas.microsoft.com/office/powerpoint/2010/main" val="735247210"/>
-      </p:ext>
-    </p:extLst>
-  </p:cSld>
-  <p:clrMapOvr>
-    <a:masterClrMapping/>
-  </p:clrMapOvr>
-  <p:timing>
-    <p:tnLst>
-      <p:par>
-        <p:cTn xmlns:p14="http://schemas.microsoft.com/office/powerpoint/2010/main" id="1" dur="indefinite" restart="never" nodeType="tmRoot"/>
-      </p:par>
-    </p:tnLst>
-  </p:timing>
-</p:sld>
-</file>
-
-<file path=ppt/slides/slide6.xml><?xml version="1.0" encoding="utf-8"?>
-<p:sld xmlns:a="http://schemas.openxmlformats.org/drawingml/2006/main" xmlns:r="http://schemas.openxmlformats.org/officeDocument/2006/relationships" xmlns:p="http://schemas.openxmlformats.org/presentationml/2006/main">
-  <p:cSld>
-    <p:spTree>
-      <p:nvGrpSpPr>
-        <p:cNvPr id="1" name=""/>
-        <p:cNvGrpSpPr/>
-        <p:nvPr/>
-      </p:nvGrpSpPr>
-      <p:grpSpPr>
-        <a:xfrm>
-          <a:off x="0" y="0"/>
-          <a:ext cx="0" cy="0"/>
-          <a:chOff x="0" y="0"/>
-          <a:chExt cx="0" cy="0"/>
-        </a:xfrm>
-      </p:grpSpPr>
-      <p:sp>
-        <p:nvSpPr>
-          <p:cNvPr id="2" name="Title 1"/>
-          <p:cNvSpPr>
-            <a:spLocks noGrp="1"/>
-          </p:cNvSpPr>
-          <p:nvPr>
-            <p:ph type="title"/>
-          </p:nvPr>
-        </p:nvSpPr>
-        <p:spPr/>
-        <p:txBody>
-          <a:bodyPr>
-            <a:normAutofit fontScale="90000"/>
-          </a:bodyPr>
-          <a:lstStyle/>
-          <a:p>
-            <a:pPr algn="ctr"/>
-            <a:r>
-              <a:rPr lang="en-US" b="1" dirty="0" smtClean="0"/>
-              <a:t>Education Content Committee and HPC Certification Forum</a:t>
-            </a:r>
-            <a:endParaRPr lang="en-US" b="1" dirty="0"/>
-          </a:p>
-        </p:txBody>
-      </p:sp>
-      <p:sp>
-        <p:nvSpPr>
-          <p:cNvPr id="3" name="Content Placeholder 2"/>
-          <p:cNvSpPr>
-            <a:spLocks noGrp="1"/>
-          </p:cNvSpPr>
-          <p:nvPr>
-            <p:ph idx="1"/>
-          </p:nvPr>
-        </p:nvSpPr>
-        <p:spPr/>
-        <p:txBody>
-          <a:bodyPr/>
-          <a:lstStyle/>
-          <a:p>
-            <a:r>
-              <a:rPr lang="en-US" dirty="0" smtClean="0"/>
-              <a:t>Initial Work (Fall 2019):</a:t>
-            </a:r>
-          </a:p>
-          <a:p>
-            <a:pPr lvl="1"/>
-            <a:r>
-              <a:rPr lang="en-US" sz="1900" dirty="0" smtClean="0"/>
-              <a:t>Webinar: Julian Kunkel, Introduced the committee to the work of the Certification Forum</a:t>
-            </a:r>
-          </a:p>
-          <a:p>
-            <a:pPr lvl="1"/>
-            <a:r>
-              <a:rPr lang="en-US" sz="1900" dirty="0" smtClean="0"/>
-              <a:t>November 2019: Meeting at SC19 to discuss ways that the committee could work with the Forum</a:t>
-            </a:r>
-          </a:p>
-          <a:p>
-            <a:r>
-              <a:rPr lang="en-US" dirty="0" smtClean="0"/>
-              <a:t>Recommendation: Select one skill group and build out full process</a:t>
-            </a:r>
-          </a:p>
-          <a:p>
-            <a:pPr lvl="1"/>
-            <a:r>
-              <a:rPr lang="en-US" dirty="0" smtClean="0"/>
-              <a:t>Define high level skill</a:t>
-            </a:r>
-          </a:p>
-          <a:p>
-            <a:pPr lvl="1"/>
-            <a:r>
-              <a:rPr lang="en-US" dirty="0" smtClean="0"/>
-              <a:t>Define sub-level skills</a:t>
-            </a:r>
-          </a:p>
-          <a:p>
-            <a:pPr lvl="1"/>
-            <a:r>
-              <a:rPr lang="en-US" dirty="0" smtClean="0"/>
-              <a:t>Create assessments to test applicants.</a:t>
-            </a:r>
-          </a:p>
-          <a:p>
-            <a:pPr lvl="3"/>
-            <a:endParaRPr lang="en-US" dirty="0" smtClean="0"/>
-          </a:p>
-          <a:p>
-            <a:pPr marL="342900" lvl="1" indent="0">
-              <a:buNone/>
-            </a:pPr>
-            <a:endParaRPr lang="en-US" dirty="0"/>
-          </a:p>
-        </p:txBody>
-      </p:sp>
-    </p:spTree>
-    <p:extLst>
-      <p:ext uri="{BB962C8B-B14F-4D97-AF65-F5344CB8AC3E}">
-        <p14:creationId xmlns:p14="http://schemas.microsoft.com/office/powerpoint/2010/main" val="4249071941"/>
-      </p:ext>
-    </p:extLst>
-  </p:cSld>
-  <p:clrMapOvr>
-    <a:masterClrMapping/>
-  </p:clrMapOvr>
-  <p:timing>
-    <p:tnLst>
-      <p:par>
-        <p:cTn xmlns:p14="http://schemas.microsoft.com/office/powerpoint/2010/main" id="1" dur="indefinite" restart="never" nodeType="tmRoot"/>
-      </p:par>
-    </p:tnLst>
-  </p:timing>
-</p:sld>
-</file>
-
-<file path=ppt/slides/slide7.xml><?xml version="1.0" encoding="utf-8"?>
-<p:sld xmlns:a="http://schemas.openxmlformats.org/drawingml/2006/main" xmlns:r="http://schemas.openxmlformats.org/officeDocument/2006/relationships" xmlns:p="http://schemas.openxmlformats.org/presentationml/2006/main">
-  <p:cSld>
-    <p:spTree>
-      <p:nvGrpSpPr>
-        <p:cNvPr id="1" name=""/>
-        <p:cNvGrpSpPr/>
-        <p:nvPr/>
-      </p:nvGrpSpPr>
-      <p:grpSpPr>
-        <a:xfrm>
-          <a:off x="0" y="0"/>
-          <a:ext cx="0" cy="0"/>
-          <a:chOff x="0" y="0"/>
-          <a:chExt cx="0" cy="0"/>
-        </a:xfrm>
-      </p:grpSpPr>
-      <p:sp>
-        <p:nvSpPr>
-          <p:cNvPr id="2" name="Title 1"/>
-          <p:cNvSpPr>
-            <a:spLocks noGrp="1"/>
-          </p:cNvSpPr>
-          <p:nvPr>
-            <p:ph type="title"/>
-          </p:nvPr>
-        </p:nvSpPr>
-        <p:spPr/>
-        <p:txBody>
-          <a:bodyPr/>
-          <a:lstStyle/>
-          <a:p>
-            <a:pPr algn="ctr"/>
-            <a:r>
-              <a:rPr lang="en-US" b="1" dirty="0" smtClean="0"/>
-              <a:t>Building a Full Example:</a:t>
-            </a:r>
-            <a:endParaRPr lang="en-US" b="1" dirty="0"/>
-          </a:p>
-        </p:txBody>
-      </p:sp>
-      <p:sp>
-        <p:nvSpPr>
-          <p:cNvPr id="3" name="Content Placeholder 2"/>
-          <p:cNvSpPr>
-            <a:spLocks noGrp="1"/>
-          </p:cNvSpPr>
-          <p:nvPr>
-            <p:ph idx="1"/>
-          </p:nvPr>
-        </p:nvSpPr>
-        <p:spPr/>
-        <p:txBody>
-          <a:bodyPr/>
-          <a:lstStyle/>
-          <a:p>
-            <a:r>
-              <a:rPr lang="en-US" dirty="0" smtClean="0"/>
-              <a:t>Selected USE1-B and completed the full descriptions of the skills</a:t>
-            </a:r>
-            <a:endParaRPr lang="en-US" dirty="0"/>
-          </a:p>
-          <a:p>
-            <a:endParaRPr lang="en-US" dirty="0" smtClean="0"/>
-          </a:p>
-          <a:p>
-            <a:endParaRPr lang="en-US" dirty="0" smtClean="0"/>
-          </a:p>
-          <a:p>
-            <a:endParaRPr lang="en-US" dirty="0"/>
-          </a:p>
-          <a:p>
-            <a:endParaRPr lang="en-US" dirty="0"/>
-          </a:p>
-          <a:p>
-            <a:r>
-              <a:rPr lang="en-US" dirty="0" smtClean="0"/>
-              <a:t>Next Step – build a library of exam questions</a:t>
-            </a:r>
-          </a:p>
-          <a:p>
-            <a:pPr lvl="1"/>
-            <a:r>
-              <a:rPr lang="en-US" dirty="0" smtClean="0"/>
-              <a:t>Crowd source</a:t>
-            </a:r>
-          </a:p>
-          <a:p>
-            <a:pPr lvl="1"/>
-            <a:r>
-              <a:rPr lang="en-US" dirty="0" smtClean="0"/>
-              <a:t>SIGHPC Education Chapter </a:t>
-            </a:r>
-          </a:p>
-        </p:txBody>
-      </p:sp>
-      <p:pic>
-        <p:nvPicPr>
-          <p:cNvPr id="4" name="Picture 3" descr="Screen Shot 2020-05-17 at 9.19.32 PM.png"/>
-          <p:cNvPicPr>
-            <a:picLocks noChangeAspect="1"/>
-          </p:cNvPicPr>
-          <p:nvPr/>
         </p:nvPicPr>
         <p:blipFill rotWithShape="1">
           <a:blip r:embed="rId2">
@@ -5346,351 +4220,39 @@
               </a:ext>
             </a:extLst>
           </a:blip>
-          <a:srcRect l="2143"/>
+          <a:srcRect l="10051" t="29109" r="34263" b="665"/>
           <a:stretch/>
         </p:blipFill>
         <p:spPr>
           <a:xfrm>
-            <a:off x="1625600" y="1827007"/>
-            <a:ext cx="5567680" cy="1055480"/>
+            <a:off x="4400175" y="1581750"/>
+            <a:ext cx="4392000" cy="1980000"/>
           </a:xfrm>
-          <a:prstGeom prst="rect">
-            <a:avLst/>
-          </a:prstGeom>
+          <a:ln w="12700" cmpd="sng">
+            <a:solidFill>
+              <a:schemeClr val="bg2">
+                <a:lumMod val="25000"/>
+              </a:schemeClr>
+            </a:solidFill>
+          </a:ln>
+          <a:effectLst>
+            <a:outerShdw blurRad="50800" dist="38100" dir="2700000" algn="tl" rotWithShape="0">
+              <a:prstClr val="black">
+                <a:alpha val="40000"/>
+              </a:prstClr>
+            </a:outerShdw>
+          </a:effectLst>
         </p:spPr>
       </p:pic>
-    </p:spTree>
-    <p:extLst>
-      <p:ext uri="{BB962C8B-B14F-4D97-AF65-F5344CB8AC3E}">
-        <p14:creationId xmlns:p14="http://schemas.microsoft.com/office/powerpoint/2010/main" val="270689507"/>
-      </p:ext>
-    </p:extLst>
-  </p:cSld>
-  <p:clrMapOvr>
-    <a:masterClrMapping/>
-  </p:clrMapOvr>
-  <p:timing>
-    <p:tnLst>
-      <p:par>
-        <p:cTn xmlns:p14="http://schemas.microsoft.com/office/powerpoint/2010/main" id="1" dur="indefinite" restart="never" nodeType="tmRoot"/>
-      </p:par>
-    </p:tnLst>
-  </p:timing>
-</p:sld>
-</file>
-
-<file path=ppt/slides/slide8.xml><?xml version="1.0" encoding="utf-8"?>
-<p:sld xmlns:a="http://schemas.openxmlformats.org/drawingml/2006/main" xmlns:r="http://schemas.openxmlformats.org/officeDocument/2006/relationships" xmlns:p="http://schemas.openxmlformats.org/presentationml/2006/main">
-  <p:cSld>
-    <p:spTree>
-      <p:nvGrpSpPr>
-        <p:cNvPr id="1" name=""/>
-        <p:cNvGrpSpPr/>
-        <p:nvPr/>
-      </p:nvGrpSpPr>
-      <p:grpSpPr>
-        <a:xfrm>
-          <a:off x="0" y="0"/>
-          <a:ext cx="0" cy="0"/>
-          <a:chOff x="0" y="0"/>
-          <a:chExt cx="0" cy="0"/>
-        </a:xfrm>
-      </p:grpSpPr>
-      <p:sp>
-        <p:nvSpPr>
-          <p:cNvPr id="2" name="Title 1"/>
-          <p:cNvSpPr>
-            <a:spLocks noGrp="1"/>
-          </p:cNvSpPr>
-          <p:nvPr>
-            <p:ph type="title"/>
-          </p:nvPr>
-        </p:nvSpPr>
-        <p:spPr/>
-        <p:txBody>
-          <a:bodyPr/>
-          <a:lstStyle/>
-          <a:p>
-            <a:pPr algn="ctr"/>
-            <a:r>
-              <a:rPr lang="en-US" b="1" dirty="0" smtClean="0"/>
-              <a:t>Building a Library of Exam </a:t>
-            </a:r>
-            <a:r>
-              <a:rPr lang="en-US" b="1" dirty="0"/>
-              <a:t>Q</a:t>
-            </a:r>
-            <a:r>
-              <a:rPr lang="en-US" b="1" dirty="0" smtClean="0"/>
-              <a:t>uestions</a:t>
-            </a:r>
-            <a:endParaRPr lang="en-US" b="1" dirty="0"/>
-          </a:p>
-        </p:txBody>
-      </p:sp>
-      <p:sp>
-        <p:nvSpPr>
-          <p:cNvPr id="3" name="Content Placeholder 2"/>
-          <p:cNvSpPr>
-            <a:spLocks noGrp="1"/>
-          </p:cNvSpPr>
-          <p:nvPr>
-            <p:ph idx="1"/>
-          </p:nvPr>
-        </p:nvSpPr>
-        <p:spPr>
-          <a:xfrm>
-            <a:off x="628650" y="1369219"/>
-            <a:ext cx="3779361" cy="3263504"/>
-          </a:xfrm>
-        </p:spPr>
-        <p:txBody>
-          <a:bodyPr>
-            <a:normAutofit lnSpcReduction="10000"/>
-          </a:bodyPr>
-          <a:lstStyle/>
-          <a:p>
-            <a:r>
-              <a:rPr lang="en-US" dirty="0" smtClean="0"/>
-              <a:t>Our Experience:</a:t>
-            </a:r>
-          </a:p>
-          <a:p>
-            <a:pPr lvl="1"/>
-            <a:r>
-              <a:rPr lang="en-US" dirty="0" smtClean="0"/>
-              <a:t>We tried it and got at Thank You!</a:t>
-            </a:r>
-          </a:p>
-          <a:p>
-            <a:r>
-              <a:rPr lang="en-US" dirty="0" smtClean="0"/>
-              <a:t>Our concerns</a:t>
-            </a:r>
-          </a:p>
-          <a:p>
-            <a:pPr lvl="1"/>
-            <a:r>
-              <a:rPr lang="en-US" dirty="0" smtClean="0"/>
-              <a:t>Not clear what questions already exist</a:t>
-            </a:r>
-          </a:p>
-          <a:p>
-            <a:pPr lvl="1"/>
-            <a:r>
-              <a:rPr lang="en-US" dirty="0" smtClean="0"/>
-              <a:t>Not clear what types of questions can be added</a:t>
-            </a:r>
-          </a:p>
-          <a:p>
-            <a:pPr lvl="1"/>
-            <a:r>
-              <a:rPr lang="en-US" dirty="0" smtClean="0"/>
-              <a:t>Not clear what the question will look like to the student</a:t>
-            </a:r>
-          </a:p>
-          <a:p>
-            <a:pPr lvl="1"/>
-            <a:r>
-              <a:rPr lang="en-US" dirty="0" smtClean="0"/>
-              <a:t>It’s really not clear why were are allowed to submit the question</a:t>
-            </a:r>
-          </a:p>
-          <a:p>
-            <a:pPr marL="342900" lvl="1" indent="0">
-              <a:buNone/>
-            </a:pPr>
-            <a:r>
-              <a:rPr lang="en-US" dirty="0" smtClean="0"/>
-              <a:t> </a:t>
-            </a:r>
-          </a:p>
-          <a:p>
-            <a:pPr lvl="1"/>
-            <a:endParaRPr lang="en-US" dirty="0"/>
-          </a:p>
-        </p:txBody>
-      </p:sp>
-      <p:grpSp>
-        <p:nvGrpSpPr>
-          <p:cNvPr id="6" name="Group 5"/>
-          <p:cNvGrpSpPr/>
-          <p:nvPr/>
-        </p:nvGrpSpPr>
-        <p:grpSpPr>
-          <a:xfrm>
-            <a:off x="4290060" y="1369219"/>
-            <a:ext cx="4704383" cy="3038358"/>
-            <a:chOff x="4290060" y="1041517"/>
-            <a:chExt cx="4704383" cy="3038358"/>
-          </a:xfrm>
-        </p:grpSpPr>
-        <p:pic>
-          <p:nvPicPr>
-            <p:cNvPr id="5" name="Picture 4" descr="Screen Shot 2020-05-17 at 9.25.52 PM.png"/>
-            <p:cNvPicPr>
-              <a:picLocks noChangeAspect="1"/>
-            </p:cNvPicPr>
-            <p:nvPr/>
-          </p:nvPicPr>
-          <p:blipFill>
-            <a:blip r:embed="rId2">
-              <a:extLst>
-                <a:ext uri="{28A0092B-C50C-407E-A947-70E740481C1C}">
-                  <a14:useLocalDpi xmlns:a14="http://schemas.microsoft.com/office/drawing/2010/main" val="0"/>
-                </a:ext>
-              </a:extLst>
-            </a:blip>
-            <a:stretch>
-              <a:fillRect/>
-            </a:stretch>
-          </p:blipFill>
-          <p:spPr>
-            <a:xfrm>
-              <a:off x="4290060" y="1041517"/>
-              <a:ext cx="4554307" cy="2894835"/>
-            </a:xfrm>
-            <a:prstGeom prst="rect">
-              <a:avLst/>
-            </a:prstGeom>
-            <a:effectLst>
-              <a:outerShdw blurRad="50800" dist="38100" dir="5400000" algn="t" rotWithShape="0">
-                <a:prstClr val="black">
-                  <a:alpha val="40000"/>
-                </a:prstClr>
-              </a:outerShdw>
-            </a:effectLst>
-          </p:spPr>
-        </p:pic>
-        <p:pic>
-          <p:nvPicPr>
-            <p:cNvPr id="4" name="Picture 3" descr="Screen Shot 2020-05-17 at 9.26.04 PM.png"/>
-            <p:cNvPicPr>
-              <a:picLocks noChangeAspect="1"/>
-            </p:cNvPicPr>
-            <p:nvPr/>
-          </p:nvPicPr>
-          <p:blipFill rotWithShape="1">
-            <a:blip r:embed="rId3">
-              <a:extLst>
-                <a:ext uri="{28A0092B-C50C-407E-A947-70E740481C1C}">
-                  <a14:useLocalDpi xmlns:a14="http://schemas.microsoft.com/office/drawing/2010/main" val="0"/>
-                </a:ext>
-              </a:extLst>
-            </a:blip>
-            <a:srcRect l="3484" r="3515" b="70418"/>
-            <a:stretch/>
-          </p:blipFill>
-          <p:spPr>
-            <a:xfrm>
-              <a:off x="5037727" y="3259339"/>
-              <a:ext cx="3956716" cy="820536"/>
-            </a:xfrm>
-            <a:prstGeom prst="rect">
-              <a:avLst/>
-            </a:prstGeom>
-            <a:effectLst>
-              <a:outerShdw blurRad="50800" dist="38100" dir="5400000" algn="t" rotWithShape="0">
-                <a:prstClr val="black">
-                  <a:alpha val="40000"/>
-                </a:prstClr>
-              </a:outerShdw>
-            </a:effectLst>
-          </p:spPr>
-        </p:pic>
-      </p:grpSp>
-    </p:spTree>
-    <p:extLst>
-      <p:ext uri="{BB962C8B-B14F-4D97-AF65-F5344CB8AC3E}">
-        <p14:creationId xmlns:p14="http://schemas.microsoft.com/office/powerpoint/2010/main" val="1209110301"/>
-      </p:ext>
-    </p:extLst>
-  </p:cSld>
-  <p:clrMapOvr>
-    <a:masterClrMapping/>
-  </p:clrMapOvr>
-  <p:timing>
-    <p:tnLst>
-      <p:par>
-        <p:cTn xmlns:p14="http://schemas.microsoft.com/office/powerpoint/2010/main" id="1" dur="indefinite" restart="never" nodeType="tmRoot"/>
-      </p:par>
-    </p:tnLst>
-  </p:timing>
-</p:sld>
-</file>
-
-<file path=ppt/slides/slide9.xml><?xml version="1.0" encoding="utf-8"?>
-<p:sld xmlns:a="http://schemas.openxmlformats.org/drawingml/2006/main" xmlns:r="http://schemas.openxmlformats.org/officeDocument/2006/relationships" xmlns:p="http://schemas.openxmlformats.org/presentationml/2006/main">
-  <p:cSld>
-    <p:spTree>
-      <p:nvGrpSpPr>
-        <p:cNvPr id="1" name=""/>
-        <p:cNvGrpSpPr/>
-        <p:nvPr/>
-      </p:nvGrpSpPr>
-      <p:grpSpPr>
-        <a:xfrm>
-          <a:off x="0" y="0"/>
-          <a:ext cx="0" cy="0"/>
-          <a:chOff x="0" y="0"/>
-          <a:chExt cx="0" cy="0"/>
-        </a:xfrm>
-      </p:grpSpPr>
-      <p:sp>
-        <p:nvSpPr>
-          <p:cNvPr id="2" name="Title 1"/>
-          <p:cNvSpPr>
-            <a:spLocks noGrp="1"/>
-          </p:cNvSpPr>
-          <p:nvPr>
-            <p:ph type="title"/>
-          </p:nvPr>
-        </p:nvSpPr>
-        <p:spPr/>
-        <p:txBody>
-          <a:bodyPr/>
-          <a:lstStyle/>
-          <a:p>
-            <a:pPr algn="ctr"/>
-            <a:r>
-              <a:rPr lang="en-US" b="1" dirty="0" smtClean="0"/>
-              <a:t>Common Auto-graded Question Formats</a:t>
-            </a:r>
-            <a:endParaRPr lang="en-US" b="1" dirty="0"/>
-          </a:p>
-        </p:txBody>
-      </p:sp>
-      <p:pic>
-        <p:nvPicPr>
-          <p:cNvPr id="4" name="Content Placeholder 3" descr="Screen Shot 2020-05-17 at 9.33.44 PM.png"/>
-          <p:cNvPicPr>
-            <a:picLocks noGrp="1" noChangeAspect="1"/>
-          </p:cNvPicPr>
-          <p:nvPr>
-            <p:ph idx="1"/>
-          </p:nvPr>
-        </p:nvPicPr>
-        <p:blipFill rotWithShape="1">
-          <a:blip r:embed="rId2">
+      <p:sp>
+        <p:nvSpPr>
+          <p:cNvPr id="6" name="Content Placeholder 2">
             <a:extLst>
-              <a:ext uri="{28A0092B-C50C-407E-A947-70E740481C1C}">
-                <a14:useLocalDpi xmlns:a14="http://schemas.microsoft.com/office/drawing/2010/main" val="0"/>
+              <a:ext uri="{FF2B5EF4-FFF2-40B4-BE49-F238E27FC236}">
+                <a16:creationId xmlns:a16="http://schemas.microsoft.com/office/drawing/2014/main" xmlns="" id="{0732DAF2-290A-4AC8-8217-2ECFCBB7A17D}"/>
               </a:ext>
             </a:extLst>
-          </a:blip>
-          <a:srcRect l="-158" r="1792"/>
-          <a:stretch/>
-        </p:blipFill>
-        <p:spPr>
-          <a:xfrm>
-            <a:off x="4086348" y="1362917"/>
-            <a:ext cx="4429002" cy="2786833"/>
-          </a:xfrm>
-        </p:spPr>
-      </p:pic>
-      <p:sp>
-        <p:nvSpPr>
-          <p:cNvPr id="5" name="Content Placeholder 2"/>
+          </p:cNvPr>
           <p:cNvSpPr txBox="1">
             <a:spLocks/>
           </p:cNvSpPr>
@@ -5875,6 +4437,2977 @@
           </a:lstStyle>
           <a:p>
             <a:r>
+              <a:rPr lang="en-US" dirty="0"/>
+              <a:t>Displayed after the answers have been entered</a:t>
+            </a:r>
+          </a:p>
+          <a:p>
+            <a:pPr lvl="1"/>
+            <a:endParaRPr lang="en-US" dirty="0"/>
+          </a:p>
+          <a:p>
+            <a:pPr lvl="1"/>
+            <a:r>
+              <a:rPr lang="en-US" dirty="0"/>
+              <a:t>generic text, not specific to a particular answer</a:t>
+            </a:r>
+          </a:p>
+        </p:txBody>
+      </p:sp>
+      <p:pic>
+        <p:nvPicPr>
+          <p:cNvPr id="7" name="Picture 6" descr="socrativeLogo.png"/>
+          <p:cNvPicPr>
+            <a:picLocks noChangeAspect="1"/>
+          </p:cNvPicPr>
+          <p:nvPr/>
+        </p:nvPicPr>
+        <p:blipFill>
+          <a:blip r:embed="rId3">
+            <a:extLst>
+              <a:ext uri="{28A0092B-C50C-407E-A947-70E740481C1C}">
+                <a14:useLocalDpi xmlns:a14="http://schemas.microsoft.com/office/drawing/2010/main" val="0"/>
+              </a:ext>
+            </a:extLst>
+          </a:blip>
+          <a:stretch>
+            <a:fillRect/>
+          </a:stretch>
+        </p:blipFill>
+        <p:spPr>
+          <a:xfrm>
+            <a:off x="5689600" y="3399502"/>
+            <a:ext cx="1525270" cy="972064"/>
+          </a:xfrm>
+          <a:prstGeom prst="rect">
+            <a:avLst/>
+          </a:prstGeom>
+          <a:ln w="12700" cmpd="sng">
+            <a:solidFill>
+              <a:schemeClr val="bg2">
+                <a:lumMod val="50000"/>
+              </a:schemeClr>
+            </a:solidFill>
+          </a:ln>
+        </p:spPr>
+      </p:pic>
+    </p:spTree>
+    <p:extLst>
+      <p:ext uri="{BB962C8B-B14F-4D97-AF65-F5344CB8AC3E}">
+        <p14:creationId xmlns:p14="http://schemas.microsoft.com/office/powerpoint/2010/main" val="1007446618"/>
+      </p:ext>
+    </p:extLst>
+  </p:cSld>
+  <p:clrMapOvr>
+    <a:masterClrMapping/>
+  </p:clrMapOvr>
+  <p:timing>
+    <p:tnLst>
+      <p:par>
+        <p:cTn xmlns:p14="http://schemas.microsoft.com/office/powerpoint/2010/main" id="1" dur="indefinite" restart="never" nodeType="tmRoot"/>
+      </p:par>
+    </p:tnLst>
+  </p:timing>
+</p:sld>
+</file>
+
+<file path=ppt/slides/slide12.xml><?xml version="1.0" encoding="utf-8"?>
+<p:sld xmlns:a="http://schemas.openxmlformats.org/drawingml/2006/main" xmlns:r="http://schemas.openxmlformats.org/officeDocument/2006/relationships" xmlns:p="http://schemas.openxmlformats.org/presentationml/2006/main">
+  <p:cSld>
+    <p:spTree>
+      <p:nvGrpSpPr>
+        <p:cNvPr id="1" name=""/>
+        <p:cNvGrpSpPr/>
+        <p:nvPr/>
+      </p:nvGrpSpPr>
+      <p:grpSpPr>
+        <a:xfrm>
+          <a:off x="0" y="0"/>
+          <a:ext cx="0" cy="0"/>
+          <a:chOff x="0" y="0"/>
+          <a:chExt cx="0" cy="0"/>
+        </a:xfrm>
+      </p:grpSpPr>
+      <p:sp>
+        <p:nvSpPr>
+          <p:cNvPr id="2" name="Title 1">
+            <a:extLst>
+              <a:ext uri="{FF2B5EF4-FFF2-40B4-BE49-F238E27FC236}">
+                <a16:creationId xmlns:a16="http://schemas.microsoft.com/office/drawing/2014/main" xmlns="" id="{56FDD9BF-7C48-4785-9956-C738ACF5438F}"/>
+              </a:ext>
+            </a:extLst>
+          </p:cNvPr>
+          <p:cNvSpPr>
+            <a:spLocks noGrp="1"/>
+          </p:cNvSpPr>
+          <p:nvPr>
+            <p:ph type="title"/>
+          </p:nvPr>
+        </p:nvSpPr>
+        <p:spPr/>
+        <p:txBody>
+          <a:bodyPr>
+            <a:normAutofit fontScale="90000"/>
+          </a:bodyPr>
+          <a:lstStyle/>
+          <a:p>
+            <a:pPr algn="ctr"/>
+            <a:r>
+              <a:rPr lang="en-US" b="1" dirty="0"/>
+              <a:t>Common Auto-graded Question Formats: </a:t>
+            </a:r>
+            <a:br>
+              <a:rPr lang="en-US" b="1" dirty="0"/>
+            </a:br>
+            <a:r>
+              <a:rPr lang="en-US" b="1" dirty="0"/>
+              <a:t>Example </a:t>
+            </a:r>
+            <a:r>
+              <a:rPr lang="en-US" b="1" dirty="0" smtClean="0"/>
+              <a:t>3: </a:t>
+            </a:r>
+            <a:r>
+              <a:rPr lang="en-US" b="1" dirty="0" err="1" smtClean="0"/>
+              <a:t>FutureLearn</a:t>
+            </a:r>
+            <a:endParaRPr lang="en-GB" dirty="0"/>
+          </a:p>
+        </p:txBody>
+      </p:sp>
+      <p:sp>
+        <p:nvSpPr>
+          <p:cNvPr id="3" name="Content Placeholder 2">
+            <a:extLst>
+              <a:ext uri="{FF2B5EF4-FFF2-40B4-BE49-F238E27FC236}">
+                <a16:creationId xmlns:a16="http://schemas.microsoft.com/office/drawing/2014/main" xmlns="" id="{65302A26-CAC7-4A07-A234-8D00AE974479}"/>
+              </a:ext>
+            </a:extLst>
+          </p:cNvPr>
+          <p:cNvSpPr>
+            <a:spLocks noGrp="1"/>
+          </p:cNvSpPr>
+          <p:nvPr>
+            <p:ph idx="1"/>
+          </p:nvPr>
+        </p:nvSpPr>
+        <p:spPr>
+          <a:xfrm>
+            <a:off x="628650" y="1369219"/>
+            <a:ext cx="3211830" cy="3263504"/>
+          </a:xfrm>
+        </p:spPr>
+        <p:txBody>
+          <a:bodyPr/>
+          <a:lstStyle/>
+          <a:p>
+            <a:r>
+              <a:rPr lang="en-GB" dirty="0"/>
+              <a:t>futurelearn.com/courses/supercomputing/</a:t>
+            </a:r>
+          </a:p>
+          <a:p>
+            <a:r>
+              <a:rPr lang="en-GB" dirty="0"/>
+              <a:t>Successful completion of “tests” leads to a certificate</a:t>
+            </a:r>
+          </a:p>
+          <a:p>
+            <a:pPr lvl="1"/>
+            <a:r>
+              <a:rPr lang="en-GB" dirty="0"/>
+              <a:t>material is free but tests cost money</a:t>
+            </a:r>
+          </a:p>
+          <a:p>
+            <a:r>
+              <a:rPr lang="en-GB" dirty="0"/>
+              <a:t>Detailed per-question feedback</a:t>
+            </a:r>
+          </a:p>
+        </p:txBody>
+      </p:sp>
+      <p:pic>
+        <p:nvPicPr>
+          <p:cNvPr id="5" name="Picture 4" descr="A screenshot of a computer&#10;&#10;Description automatically generated">
+            <a:extLst>
+              <a:ext uri="{FF2B5EF4-FFF2-40B4-BE49-F238E27FC236}">
+                <a16:creationId xmlns:a16="http://schemas.microsoft.com/office/drawing/2014/main" xmlns="" id="{58D28CC9-AAA0-42E5-AE95-FE41525A494C}"/>
+              </a:ext>
+            </a:extLst>
+          </p:cNvPr>
+          <p:cNvPicPr>
+            <a:picLocks noChangeAspect="1"/>
+          </p:cNvPicPr>
+          <p:nvPr/>
+        </p:nvPicPr>
+        <p:blipFill rotWithShape="1">
+          <a:blip r:embed="rId2">
+            <a:extLst>
+              <a:ext uri="{28A0092B-C50C-407E-A947-70E740481C1C}">
+                <a14:useLocalDpi xmlns:a14="http://schemas.microsoft.com/office/drawing/2010/main" val="0"/>
+              </a:ext>
+            </a:extLst>
+          </a:blip>
+          <a:srcRect t="55123" r="5482" b="3652"/>
+          <a:stretch/>
+        </p:blipFill>
+        <p:spPr>
+          <a:xfrm>
+            <a:off x="5864433" y="2376676"/>
+            <a:ext cx="2823637" cy="1945640"/>
+          </a:xfrm>
+          <a:prstGeom prst="rect">
+            <a:avLst/>
+          </a:prstGeom>
+          <a:ln>
+            <a:solidFill>
+              <a:schemeClr val="tx1">
+                <a:lumMod val="85000"/>
+                <a:lumOff val="15000"/>
+              </a:schemeClr>
+            </a:solidFill>
+          </a:ln>
+          <a:effectLst>
+            <a:outerShdw blurRad="50800" dist="38100" dir="5400000" algn="t" rotWithShape="0">
+              <a:prstClr val="black">
+                <a:alpha val="40000"/>
+              </a:prstClr>
+            </a:outerShdw>
+          </a:effectLst>
+        </p:spPr>
+      </p:pic>
+      <p:pic>
+        <p:nvPicPr>
+          <p:cNvPr id="4" name="Picture 3" descr="FutureLearnLogo.png"/>
+          <p:cNvPicPr>
+            <a:picLocks noChangeAspect="1"/>
+          </p:cNvPicPr>
+          <p:nvPr/>
+        </p:nvPicPr>
+        <p:blipFill>
+          <a:blip r:embed="rId3">
+            <a:extLst>
+              <a:ext uri="{28A0092B-C50C-407E-A947-70E740481C1C}">
+                <a14:useLocalDpi xmlns:a14="http://schemas.microsoft.com/office/drawing/2010/main" val="0"/>
+              </a:ext>
+            </a:extLst>
+          </a:blip>
+          <a:stretch>
+            <a:fillRect/>
+          </a:stretch>
+        </p:blipFill>
+        <p:spPr>
+          <a:xfrm>
+            <a:off x="4163480" y="3349496"/>
+            <a:ext cx="1987978" cy="699474"/>
+          </a:xfrm>
+          <a:prstGeom prst="rect">
+            <a:avLst/>
+          </a:prstGeom>
+          <a:ln w="12700" cmpd="sng">
+            <a:solidFill>
+              <a:schemeClr val="bg2">
+                <a:lumMod val="50000"/>
+              </a:schemeClr>
+            </a:solidFill>
+          </a:ln>
+        </p:spPr>
+      </p:pic>
+      <p:pic>
+        <p:nvPicPr>
+          <p:cNvPr id="6" name="Picture 5" descr="A screenshot of a computer&#10;&#10;Description automatically generated">
+            <a:extLst>
+              <a:ext uri="{FF2B5EF4-FFF2-40B4-BE49-F238E27FC236}">
+                <a16:creationId xmlns:a16="http://schemas.microsoft.com/office/drawing/2014/main" xmlns="" id="{58D28CC9-AAA0-42E5-AE95-FE41525A494C}"/>
+              </a:ext>
+            </a:extLst>
+          </p:cNvPr>
+          <p:cNvPicPr>
+            <a:picLocks noChangeAspect="1"/>
+          </p:cNvPicPr>
+          <p:nvPr/>
+        </p:nvPicPr>
+        <p:blipFill rotWithShape="1">
+          <a:blip r:embed="rId2">
+            <a:extLst>
+              <a:ext uri="{28A0092B-C50C-407E-A947-70E740481C1C}">
+                <a14:useLocalDpi xmlns:a14="http://schemas.microsoft.com/office/drawing/2010/main" val="0"/>
+              </a:ext>
+            </a:extLst>
+          </a:blip>
+          <a:srcRect t="12904" r="5482" b="48510"/>
+          <a:stretch/>
+        </p:blipFill>
+        <p:spPr>
+          <a:xfrm>
+            <a:off x="4163480" y="1268016"/>
+            <a:ext cx="2823637" cy="1821100"/>
+          </a:xfrm>
+          <a:prstGeom prst="rect">
+            <a:avLst/>
+          </a:prstGeom>
+          <a:ln>
+            <a:solidFill>
+              <a:schemeClr val="tx1">
+                <a:lumMod val="85000"/>
+                <a:lumOff val="15000"/>
+              </a:schemeClr>
+            </a:solidFill>
+          </a:ln>
+          <a:effectLst>
+            <a:outerShdw blurRad="50800" dist="38100" dir="5400000" algn="t" rotWithShape="0">
+              <a:prstClr val="black">
+                <a:alpha val="40000"/>
+              </a:prstClr>
+            </a:outerShdw>
+          </a:effectLst>
+        </p:spPr>
+      </p:pic>
+    </p:spTree>
+    <p:extLst>
+      <p:ext uri="{BB962C8B-B14F-4D97-AF65-F5344CB8AC3E}">
+        <p14:creationId xmlns:p14="http://schemas.microsoft.com/office/powerpoint/2010/main" val="2691295250"/>
+      </p:ext>
+    </p:extLst>
+  </p:cSld>
+  <p:clrMapOvr>
+    <a:masterClrMapping/>
+  </p:clrMapOvr>
+  <p:timing>
+    <p:tnLst>
+      <p:par>
+        <p:cTn xmlns:p14="http://schemas.microsoft.com/office/powerpoint/2010/main" id="1" dur="indefinite" restart="never" nodeType="tmRoot"/>
+      </p:par>
+    </p:tnLst>
+  </p:timing>
+</p:sld>
+</file>
+
+<file path=ppt/slides/slide13.xml><?xml version="1.0" encoding="utf-8"?>
+<p:sld xmlns:a="http://schemas.openxmlformats.org/drawingml/2006/main" xmlns:r="http://schemas.openxmlformats.org/officeDocument/2006/relationships" xmlns:p="http://schemas.openxmlformats.org/presentationml/2006/main">
+  <p:cSld>
+    <p:spTree>
+      <p:nvGrpSpPr>
+        <p:cNvPr id="1" name=""/>
+        <p:cNvGrpSpPr/>
+        <p:nvPr/>
+      </p:nvGrpSpPr>
+      <p:grpSpPr>
+        <a:xfrm>
+          <a:off x="0" y="0"/>
+          <a:ext cx="0" cy="0"/>
+          <a:chOff x="0" y="0"/>
+          <a:chExt cx="0" cy="0"/>
+        </a:xfrm>
+      </p:grpSpPr>
+      <p:sp>
+        <p:nvSpPr>
+          <p:cNvPr id="2" name="Title 1">
+            <a:extLst>
+              <a:ext uri="{FF2B5EF4-FFF2-40B4-BE49-F238E27FC236}">
+                <a16:creationId xmlns:a16="http://schemas.microsoft.com/office/drawing/2014/main" xmlns="" id="{910587A2-87C8-45E1-A96B-1EB03EC6C4D5}"/>
+              </a:ext>
+            </a:extLst>
+          </p:cNvPr>
+          <p:cNvSpPr>
+            <a:spLocks noGrp="1"/>
+          </p:cNvSpPr>
+          <p:nvPr>
+            <p:ph type="title"/>
+          </p:nvPr>
+        </p:nvSpPr>
+        <p:spPr/>
+        <p:txBody>
+          <a:bodyPr>
+            <a:normAutofit fontScale="90000"/>
+          </a:bodyPr>
+          <a:lstStyle/>
+          <a:p>
+            <a:pPr algn="ctr"/>
+            <a:r>
+              <a:rPr lang="en-US" b="1" dirty="0"/>
+              <a:t>Common Auto-graded Question Formats: </a:t>
+            </a:r>
+            <a:br>
+              <a:rPr lang="en-US" b="1" dirty="0"/>
+            </a:br>
+            <a:r>
+              <a:rPr lang="en-US" b="1" dirty="0"/>
+              <a:t>Example </a:t>
+            </a:r>
+            <a:r>
+              <a:rPr lang="en-US" b="1" dirty="0" smtClean="0"/>
+              <a:t>4: </a:t>
+            </a:r>
+            <a:r>
+              <a:rPr lang="en-GB" dirty="0" err="1" smtClean="0"/>
+              <a:t>Quia</a:t>
+            </a:r>
+            <a:endParaRPr lang="en-GB" dirty="0"/>
+          </a:p>
+        </p:txBody>
+      </p:sp>
+      <p:sp>
+        <p:nvSpPr>
+          <p:cNvPr id="3" name="Content Placeholder 2">
+            <a:extLst>
+              <a:ext uri="{FF2B5EF4-FFF2-40B4-BE49-F238E27FC236}">
+                <a16:creationId xmlns:a16="http://schemas.microsoft.com/office/drawing/2014/main" xmlns="" id="{F8926CE9-A2A3-4291-9F78-37DF2096F066}"/>
+              </a:ext>
+            </a:extLst>
+          </p:cNvPr>
+          <p:cNvSpPr>
+            <a:spLocks noGrp="1"/>
+          </p:cNvSpPr>
+          <p:nvPr>
+            <p:ph idx="1"/>
+          </p:nvPr>
+        </p:nvSpPr>
+        <p:spPr>
+          <a:xfrm>
+            <a:off x="628650" y="1135380"/>
+            <a:ext cx="4027170" cy="3863339"/>
+          </a:xfrm>
+        </p:spPr>
+        <p:txBody>
+          <a:bodyPr>
+            <a:normAutofit lnSpcReduction="10000"/>
+          </a:bodyPr>
+          <a:lstStyle/>
+          <a:p>
+            <a:r>
+              <a:rPr lang="en-GB" dirty="0"/>
+              <a:t>Used at EPCC for online “ARCHER Driving test”</a:t>
+            </a:r>
+          </a:p>
+          <a:p>
+            <a:pPr lvl="1"/>
+            <a:r>
+              <a:rPr lang="en-GB" dirty="0"/>
+              <a:t>success gives new users access to supercomputer</a:t>
+            </a:r>
+          </a:p>
+          <a:p>
+            <a:pPr lvl="6"/>
+            <a:endParaRPr lang="en-GB" dirty="0"/>
+          </a:p>
+          <a:p>
+            <a:r>
+              <a:rPr lang="en-GB" dirty="0"/>
+              <a:t>Large bank of questions</a:t>
+            </a:r>
+          </a:p>
+          <a:p>
+            <a:pPr lvl="1"/>
+            <a:r>
+              <a:rPr lang="en-GB" dirty="0"/>
+              <a:t>classified by area, e.g. Compiling, Filesystem, Data, ...</a:t>
+            </a:r>
+          </a:p>
+          <a:p>
+            <a:pPr lvl="1"/>
+            <a:endParaRPr lang="en-GB" dirty="0"/>
+          </a:p>
+          <a:p>
+            <a:r>
+              <a:rPr lang="en-GB" dirty="0"/>
+              <a:t>Each test selects random questions</a:t>
+            </a:r>
+          </a:p>
+          <a:p>
+            <a:pPr lvl="1"/>
+            <a:r>
+              <a:rPr lang="en-GB" dirty="0" err="1"/>
+              <a:t>e.g</a:t>
+            </a:r>
+            <a:r>
+              <a:rPr lang="en-GB" dirty="0"/>
+              <a:t> 30% Compiling, 50% Filesystem, 20% Data</a:t>
+            </a:r>
+          </a:p>
+          <a:p>
+            <a:endParaRPr lang="en-GB" dirty="0"/>
+          </a:p>
+        </p:txBody>
+      </p:sp>
+      <p:pic>
+        <p:nvPicPr>
+          <p:cNvPr id="5" name="Picture 4" descr="A screenshot of a social media post&#10;&#10;Description automatically generated">
+            <a:extLst>
+              <a:ext uri="{FF2B5EF4-FFF2-40B4-BE49-F238E27FC236}">
+                <a16:creationId xmlns:a16="http://schemas.microsoft.com/office/drawing/2014/main" xmlns="" id="{3A87A9D9-9222-48A5-9397-262D79575FBF}"/>
+              </a:ext>
+            </a:extLst>
+          </p:cNvPr>
+          <p:cNvPicPr>
+            <a:picLocks noChangeAspect="1"/>
+          </p:cNvPicPr>
+          <p:nvPr/>
+        </p:nvPicPr>
+        <p:blipFill rotWithShape="1">
+          <a:blip r:embed="rId2">
+            <a:extLst>
+              <a:ext uri="{28A0092B-C50C-407E-A947-70E740481C1C}">
+                <a14:useLocalDpi xmlns:a14="http://schemas.microsoft.com/office/drawing/2010/main" val="0"/>
+              </a:ext>
+            </a:extLst>
+          </a:blip>
+          <a:srcRect l="2" t="11200" r="20983" b="-785"/>
+          <a:stretch/>
+        </p:blipFill>
+        <p:spPr>
+          <a:xfrm>
+            <a:off x="5083291" y="1340541"/>
+            <a:ext cx="3298709" cy="2833790"/>
+          </a:xfrm>
+          <a:prstGeom prst="rect">
+            <a:avLst/>
+          </a:prstGeom>
+          <a:ln>
+            <a:solidFill>
+              <a:srgbClr val="262626"/>
+            </a:solidFill>
+          </a:ln>
+          <a:effectLst>
+            <a:outerShdw blurRad="50800" dist="38100" dir="2700000" algn="tl" rotWithShape="0">
+              <a:prstClr val="black">
+                <a:alpha val="40000"/>
+              </a:prstClr>
+            </a:outerShdw>
+          </a:effectLst>
+        </p:spPr>
+      </p:pic>
+      <p:pic>
+        <p:nvPicPr>
+          <p:cNvPr id="4" name="Picture 3" descr="quiaLogo.jpeg"/>
+          <p:cNvPicPr>
+            <a:picLocks noChangeAspect="1"/>
+          </p:cNvPicPr>
+          <p:nvPr/>
+        </p:nvPicPr>
+        <p:blipFill>
+          <a:blip r:embed="rId3">
+            <a:extLst>
+              <a:ext uri="{28A0092B-C50C-407E-A947-70E740481C1C}">
+                <a14:useLocalDpi xmlns:a14="http://schemas.microsoft.com/office/drawing/2010/main" val="0"/>
+              </a:ext>
+            </a:extLst>
+          </a:blip>
+          <a:stretch>
+            <a:fillRect/>
+          </a:stretch>
+        </p:blipFill>
+        <p:spPr>
+          <a:xfrm>
+            <a:off x="6130712" y="4054435"/>
+            <a:ext cx="1367367" cy="785313"/>
+          </a:xfrm>
+          <a:prstGeom prst="rect">
+            <a:avLst/>
+          </a:prstGeom>
+          <a:ln w="12700" cmpd="sng">
+            <a:solidFill>
+              <a:schemeClr val="tx1"/>
+            </a:solidFill>
+          </a:ln>
+        </p:spPr>
+      </p:pic>
+    </p:spTree>
+    <p:extLst>
+      <p:ext uri="{BB962C8B-B14F-4D97-AF65-F5344CB8AC3E}">
+        <p14:creationId xmlns:p14="http://schemas.microsoft.com/office/powerpoint/2010/main" val="2595966824"/>
+      </p:ext>
+    </p:extLst>
+  </p:cSld>
+  <p:clrMapOvr>
+    <a:masterClrMapping/>
+  </p:clrMapOvr>
+  <p:timing>
+    <p:tnLst>
+      <p:par>
+        <p:cTn xmlns:p14="http://schemas.microsoft.com/office/powerpoint/2010/main" id="1" dur="indefinite" restart="never" nodeType="tmRoot"/>
+      </p:par>
+    </p:tnLst>
+  </p:timing>
+</p:sld>
+</file>
+
+<file path=ppt/slides/slide14.xml><?xml version="1.0" encoding="utf-8"?>
+<p:sld xmlns:a="http://schemas.openxmlformats.org/drawingml/2006/main" xmlns:r="http://schemas.openxmlformats.org/officeDocument/2006/relationships" xmlns:p="http://schemas.openxmlformats.org/presentationml/2006/main">
+  <p:cSld>
+    <p:spTree>
+      <p:nvGrpSpPr>
+        <p:cNvPr id="1" name=""/>
+        <p:cNvGrpSpPr/>
+        <p:nvPr/>
+      </p:nvGrpSpPr>
+      <p:grpSpPr>
+        <a:xfrm>
+          <a:off x="0" y="0"/>
+          <a:ext cx="0" cy="0"/>
+          <a:chOff x="0" y="0"/>
+          <a:chExt cx="0" cy="0"/>
+        </a:xfrm>
+      </p:grpSpPr>
+      <p:sp>
+        <p:nvSpPr>
+          <p:cNvPr id="2" name="Title 1"/>
+          <p:cNvSpPr>
+            <a:spLocks noGrp="1"/>
+          </p:cNvSpPr>
+          <p:nvPr>
+            <p:ph type="title"/>
+          </p:nvPr>
+        </p:nvSpPr>
+        <p:spPr/>
+        <p:txBody>
+          <a:bodyPr>
+            <a:normAutofit fontScale="90000"/>
+          </a:bodyPr>
+          <a:lstStyle/>
+          <a:p>
+            <a:pPr algn="ctr"/>
+            <a:r>
+              <a:rPr lang="en-US" b="1" dirty="0" smtClean="0"/>
+              <a:t>How do we ask the student more detailed questions?</a:t>
+            </a:r>
+            <a:endParaRPr lang="en-US" b="1" dirty="0"/>
+          </a:p>
+        </p:txBody>
+      </p:sp>
+      <p:sp>
+        <p:nvSpPr>
+          <p:cNvPr id="3" name="Content Placeholder 2"/>
+          <p:cNvSpPr>
+            <a:spLocks noGrp="1"/>
+          </p:cNvSpPr>
+          <p:nvPr>
+            <p:ph idx="1"/>
+          </p:nvPr>
+        </p:nvSpPr>
+        <p:spPr/>
+        <p:txBody>
+          <a:bodyPr>
+            <a:normAutofit/>
+          </a:bodyPr>
+          <a:lstStyle/>
+          <a:p>
+            <a:r>
+              <a:rPr lang="en-US" dirty="0" smtClean="0"/>
+              <a:t>Given: I have a directory with hundreds of files.  I need</a:t>
+            </a:r>
+          </a:p>
+          <a:p>
+            <a:pPr lvl="1"/>
+            <a:r>
+              <a:rPr lang="en-US" dirty="0" smtClean="0"/>
+              <a:t>A single file, </a:t>
+            </a:r>
+            <a:r>
+              <a:rPr lang="en-US" dirty="0" err="1" smtClean="0"/>
+              <a:t>files_to_process</a:t>
+            </a:r>
+            <a:r>
+              <a:rPr lang="en-US" dirty="0" smtClean="0"/>
+              <a:t>,  that includes all of the file names</a:t>
+            </a:r>
+          </a:p>
+          <a:p>
+            <a:pPr lvl="1"/>
+            <a:r>
+              <a:rPr lang="en-US" dirty="0" smtClean="0"/>
+              <a:t>N = number of filenames in </a:t>
+            </a:r>
+            <a:r>
+              <a:rPr lang="en-US" dirty="0" err="1" smtClean="0"/>
+              <a:t>files_to_process</a:t>
+            </a:r>
+            <a:endParaRPr lang="en-US" dirty="0" smtClean="0"/>
+          </a:p>
+          <a:p>
+            <a:r>
+              <a:rPr lang="en-US" dirty="0" smtClean="0"/>
+              <a:t>This is a standard operation that Data Scientists need to do on our system in order to process their data concurrently, taking advantage of the parallel system</a:t>
+            </a:r>
+          </a:p>
+          <a:p>
+            <a:r>
+              <a:rPr lang="en-US" dirty="0" smtClean="0"/>
+              <a:t>One solution is to use </a:t>
+            </a:r>
+            <a:r>
+              <a:rPr lang="en-US" dirty="0" err="1" smtClean="0"/>
+              <a:t>egrep</a:t>
+            </a:r>
+            <a:r>
+              <a:rPr lang="en-US" dirty="0"/>
+              <a:t> </a:t>
+            </a:r>
+            <a:r>
+              <a:rPr lang="en-US" dirty="0" smtClean="0"/>
+              <a:t>and </a:t>
+            </a:r>
+            <a:r>
+              <a:rPr lang="en-US" dirty="0" err="1" smtClean="0"/>
+              <a:t>wc</a:t>
+            </a:r>
+            <a:r>
+              <a:rPr lang="en-US" dirty="0" smtClean="0"/>
+              <a:t>, with some piping</a:t>
+            </a:r>
+          </a:p>
+          <a:p>
+            <a:r>
+              <a:rPr lang="en-US" dirty="0" smtClean="0"/>
+              <a:t>How do I craft a problem that accepts and auto-grades an expression?</a:t>
+            </a:r>
+          </a:p>
+        </p:txBody>
+      </p:sp>
+    </p:spTree>
+    <p:extLst>
+      <p:ext uri="{BB962C8B-B14F-4D97-AF65-F5344CB8AC3E}">
+        <p14:creationId xmlns:p14="http://schemas.microsoft.com/office/powerpoint/2010/main" val="1790193766"/>
+      </p:ext>
+    </p:extLst>
+  </p:cSld>
+  <p:clrMapOvr>
+    <a:masterClrMapping/>
+  </p:clrMapOvr>
+  <p:timing>
+    <p:tnLst>
+      <p:par>
+        <p:cTn xmlns:p14="http://schemas.microsoft.com/office/powerpoint/2010/main" id="1" dur="indefinite" restart="never" nodeType="tmRoot"/>
+      </p:par>
+    </p:tnLst>
+  </p:timing>
+</p:sld>
+</file>
+
+<file path=ppt/slides/slide15.xml><?xml version="1.0" encoding="utf-8"?>
+<p:sld xmlns:a="http://schemas.openxmlformats.org/drawingml/2006/main" xmlns:r="http://schemas.openxmlformats.org/officeDocument/2006/relationships" xmlns:p="http://schemas.openxmlformats.org/presentationml/2006/main">
+  <p:cSld>
+    <p:spTree>
+      <p:nvGrpSpPr>
+        <p:cNvPr id="1" name=""/>
+        <p:cNvGrpSpPr/>
+        <p:nvPr/>
+      </p:nvGrpSpPr>
+      <p:grpSpPr>
+        <a:xfrm>
+          <a:off x="0" y="0"/>
+          <a:ext cx="0" cy="0"/>
+          <a:chOff x="0" y="0"/>
+          <a:chExt cx="0" cy="0"/>
+        </a:xfrm>
+      </p:grpSpPr>
+      <p:sp>
+        <p:nvSpPr>
+          <p:cNvPr id="2" name="Title 1"/>
+          <p:cNvSpPr>
+            <a:spLocks noGrp="1"/>
+          </p:cNvSpPr>
+          <p:nvPr>
+            <p:ph type="title"/>
+          </p:nvPr>
+        </p:nvSpPr>
+        <p:spPr/>
+        <p:txBody>
+          <a:bodyPr/>
+          <a:lstStyle/>
+          <a:p>
+            <a:pPr algn="ctr"/>
+            <a:r>
+              <a:rPr lang="en-US" b="1" dirty="0" smtClean="0"/>
+              <a:t>Discussion</a:t>
+            </a:r>
+            <a:endParaRPr lang="en-US" b="1" dirty="0"/>
+          </a:p>
+        </p:txBody>
+      </p:sp>
+      <p:sp>
+        <p:nvSpPr>
+          <p:cNvPr id="3" name="Content Placeholder 2"/>
+          <p:cNvSpPr>
+            <a:spLocks noGrp="1"/>
+          </p:cNvSpPr>
+          <p:nvPr>
+            <p:ph idx="1"/>
+          </p:nvPr>
+        </p:nvSpPr>
+        <p:spPr/>
+        <p:txBody>
+          <a:bodyPr>
+            <a:normAutofit lnSpcReduction="10000"/>
+          </a:bodyPr>
+          <a:lstStyle/>
+          <a:p>
+            <a:r>
+              <a:rPr lang="en-US" dirty="0" smtClean="0"/>
+              <a:t>What forms of problems need to be included in order for students to show mastery?  </a:t>
+            </a:r>
+          </a:p>
+          <a:p>
+            <a:r>
+              <a:rPr lang="en-US" dirty="0" smtClean="0"/>
+              <a:t>What types of questions are Hiring Managers concerned about?</a:t>
+            </a:r>
+            <a:endParaRPr lang="en-US" dirty="0"/>
+          </a:p>
+          <a:p>
+            <a:r>
+              <a:rPr lang="en-US" dirty="0" smtClean="0"/>
+              <a:t>Where do these questions and problems live?</a:t>
+            </a:r>
+          </a:p>
+          <a:p>
+            <a:r>
+              <a:rPr lang="en-US" dirty="0" smtClean="0"/>
+              <a:t>What is the process for getting permission to submit questions?</a:t>
+            </a:r>
+          </a:p>
+          <a:p>
+            <a:r>
+              <a:rPr lang="en-US" dirty="0" smtClean="0"/>
+              <a:t>How do we find out what questions already exist in the Library?</a:t>
+            </a:r>
+          </a:p>
+          <a:p>
+            <a:r>
+              <a:rPr lang="en-US" dirty="0" smtClean="0"/>
+              <a:t>How do we find out what the final question looks like for a student?</a:t>
+            </a:r>
+          </a:p>
+          <a:p>
+            <a:r>
+              <a:rPr lang="en-US" dirty="0" smtClean="0"/>
+              <a:t>Is there a solution that explains the correct answer?</a:t>
+            </a:r>
+          </a:p>
+          <a:p>
+            <a:r>
+              <a:rPr lang="en-US" dirty="0" smtClean="0"/>
+              <a:t>What is the process for reviewing and testing the Test Library?</a:t>
+            </a:r>
+          </a:p>
+          <a:p>
+            <a:endParaRPr lang="en-US" dirty="0" smtClean="0"/>
+          </a:p>
+          <a:p>
+            <a:endParaRPr lang="en-US" dirty="0" smtClean="0"/>
+          </a:p>
+          <a:p>
+            <a:endParaRPr lang="en-US" dirty="0" smtClean="0"/>
+          </a:p>
+        </p:txBody>
+      </p:sp>
+    </p:spTree>
+    <p:extLst>
+      <p:ext uri="{BB962C8B-B14F-4D97-AF65-F5344CB8AC3E}">
+        <p14:creationId xmlns:p14="http://schemas.microsoft.com/office/powerpoint/2010/main" val="2664606688"/>
+      </p:ext>
+    </p:extLst>
+  </p:cSld>
+  <p:clrMapOvr>
+    <a:masterClrMapping/>
+  </p:clrMapOvr>
+  <p:timing>
+    <p:tnLst>
+      <p:par>
+        <p:cTn xmlns:p14="http://schemas.microsoft.com/office/powerpoint/2010/main" id="1" dur="indefinite" restart="never" nodeType="tmRoot"/>
+      </p:par>
+    </p:tnLst>
+  </p:timing>
+</p:sld>
+</file>
+
+<file path=ppt/slides/slide16.xml><?xml version="1.0" encoding="utf-8"?>
+<p:sld xmlns:a="http://schemas.openxmlformats.org/drawingml/2006/main" xmlns:r="http://schemas.openxmlformats.org/officeDocument/2006/relationships" xmlns:p="http://schemas.openxmlformats.org/presentationml/2006/main">
+  <p:cSld>
+    <p:spTree>
+      <p:nvGrpSpPr>
+        <p:cNvPr id="1" name=""/>
+        <p:cNvGrpSpPr/>
+        <p:nvPr/>
+      </p:nvGrpSpPr>
+      <p:grpSpPr>
+        <a:xfrm>
+          <a:off x="0" y="0"/>
+          <a:ext cx="0" cy="0"/>
+          <a:chOff x="0" y="0"/>
+          <a:chExt cx="0" cy="0"/>
+        </a:xfrm>
+      </p:grpSpPr>
+      <p:sp>
+        <p:nvSpPr>
+          <p:cNvPr id="2" name="Title 1"/>
+          <p:cNvSpPr>
+            <a:spLocks noGrp="1"/>
+          </p:cNvSpPr>
+          <p:nvPr>
+            <p:ph type="title"/>
+          </p:nvPr>
+        </p:nvSpPr>
+        <p:spPr/>
+        <p:txBody>
+          <a:bodyPr/>
+          <a:lstStyle/>
+          <a:p>
+            <a:pPr algn="ctr"/>
+            <a:r>
+              <a:rPr lang="en-US" b="1" dirty="0" smtClean="0"/>
+              <a:t>Backup</a:t>
+            </a:r>
+            <a:endParaRPr lang="en-US" b="1" dirty="0"/>
+          </a:p>
+        </p:txBody>
+      </p:sp>
+      <p:sp>
+        <p:nvSpPr>
+          <p:cNvPr id="3" name="Content Placeholder 2"/>
+          <p:cNvSpPr>
+            <a:spLocks noGrp="1"/>
+          </p:cNvSpPr>
+          <p:nvPr>
+            <p:ph idx="1"/>
+          </p:nvPr>
+        </p:nvSpPr>
+        <p:spPr/>
+        <p:txBody>
+          <a:bodyPr/>
+          <a:lstStyle/>
+          <a:p>
+            <a:endParaRPr lang="en-US" dirty="0"/>
+          </a:p>
+        </p:txBody>
+      </p:sp>
+    </p:spTree>
+    <p:extLst>
+      <p:ext uri="{BB962C8B-B14F-4D97-AF65-F5344CB8AC3E}">
+        <p14:creationId xmlns:p14="http://schemas.microsoft.com/office/powerpoint/2010/main" val="4042131347"/>
+      </p:ext>
+    </p:extLst>
+  </p:cSld>
+  <p:clrMapOvr>
+    <a:masterClrMapping/>
+  </p:clrMapOvr>
+  <p:timing>
+    <p:tnLst>
+      <p:par>
+        <p:cTn xmlns:p14="http://schemas.microsoft.com/office/powerpoint/2010/main" id="1" dur="indefinite" restart="never" nodeType="tmRoot"/>
+      </p:par>
+    </p:tnLst>
+  </p:timing>
+</p:sld>
+</file>
+
+<file path=ppt/slides/slide17.xml><?xml version="1.0" encoding="utf-8"?>
+<p:sld xmlns:a="http://schemas.openxmlformats.org/drawingml/2006/main" xmlns:r="http://schemas.openxmlformats.org/officeDocument/2006/relationships" xmlns:p="http://schemas.openxmlformats.org/presentationml/2006/main">
+  <p:cSld>
+    <p:spTree>
+      <p:nvGrpSpPr>
+        <p:cNvPr id="1" name=""/>
+        <p:cNvGrpSpPr/>
+        <p:nvPr/>
+      </p:nvGrpSpPr>
+      <p:grpSpPr>
+        <a:xfrm>
+          <a:off x="0" y="0"/>
+          <a:ext cx="0" cy="0"/>
+          <a:chOff x="0" y="0"/>
+          <a:chExt cx="0" cy="0"/>
+        </a:xfrm>
+      </p:grpSpPr>
+      <p:sp>
+        <p:nvSpPr>
+          <p:cNvPr id="2" name="Title 1">
+            <a:extLst>
+              <a:ext uri="{FF2B5EF4-FFF2-40B4-BE49-F238E27FC236}">
+                <a16:creationId xmlns="" xmlns:a16="http://schemas.microsoft.com/office/drawing/2014/main" id="{79686D71-73FB-D94A-B32A-9BE3DB9BB42C}"/>
+              </a:ext>
+            </a:extLst>
+          </p:cNvPr>
+          <p:cNvSpPr>
+            <a:spLocks noGrp="1"/>
+          </p:cNvSpPr>
+          <p:nvPr>
+            <p:ph type="title"/>
+          </p:nvPr>
+        </p:nvSpPr>
+        <p:spPr/>
+        <p:txBody>
+          <a:bodyPr>
+            <a:normAutofit fontScale="90000"/>
+          </a:bodyPr>
+          <a:lstStyle/>
+          <a:p>
+            <a:pPr algn="ctr"/>
+            <a:r>
+              <a:rPr lang="en-US" b="1" dirty="0"/>
+              <a:t>How Can You </a:t>
+            </a:r>
+            <a:r>
+              <a:rPr lang="en-US" b="1" dirty="0" smtClean="0"/>
+              <a:t>Get Involved in ACM SIGHPC Education Chapter</a:t>
+            </a:r>
+            <a:r>
+              <a:rPr lang="en-US" b="1" dirty="0" smtClean="0"/>
+              <a:t>?</a:t>
+            </a:r>
+            <a:endParaRPr lang="en-US" b="1" dirty="0"/>
+          </a:p>
+        </p:txBody>
+      </p:sp>
+      <p:sp>
+        <p:nvSpPr>
+          <p:cNvPr id="3" name="Content Placeholder 2">
+            <a:extLst>
+              <a:ext uri="{FF2B5EF4-FFF2-40B4-BE49-F238E27FC236}">
+                <a16:creationId xmlns="" xmlns:a16="http://schemas.microsoft.com/office/drawing/2014/main" id="{521C9C55-DA00-744C-A728-8BCD3148DB49}"/>
+              </a:ext>
+            </a:extLst>
+          </p:cNvPr>
+          <p:cNvSpPr>
+            <a:spLocks noGrp="1"/>
+          </p:cNvSpPr>
+          <p:nvPr>
+            <p:ph idx="1"/>
+          </p:nvPr>
+        </p:nvSpPr>
+        <p:spPr>
+          <a:xfrm>
+            <a:off x="628650" y="1148878"/>
+            <a:ext cx="7700341" cy="3263504"/>
+          </a:xfrm>
+        </p:spPr>
+        <p:txBody>
+          <a:bodyPr>
+            <a:normAutofit/>
+          </a:bodyPr>
+          <a:lstStyle/>
+          <a:p>
+            <a:r>
+              <a:rPr lang="en-US" sz="2400" dirty="0"/>
+              <a:t>Be a leader </a:t>
+            </a:r>
+          </a:p>
+          <a:p>
+            <a:pPr lvl="1"/>
+            <a:r>
+              <a:rPr lang="en-US" sz="2000" dirty="0"/>
+              <a:t>Join one of the committees and share your expertise.</a:t>
+            </a:r>
+          </a:p>
+          <a:p>
+            <a:pPr lvl="1"/>
+            <a:r>
+              <a:rPr lang="en-US" sz="2000" dirty="0"/>
+              <a:t>Submit your name for one of the officer positions.</a:t>
+            </a:r>
+          </a:p>
+          <a:p>
+            <a:r>
+              <a:rPr lang="en-US" sz="2400" dirty="0"/>
+              <a:t>Be a contributor</a:t>
+            </a:r>
+          </a:p>
+          <a:p>
+            <a:pPr lvl="1"/>
+            <a:r>
+              <a:rPr lang="en-US" sz="2000" dirty="0"/>
+              <a:t>You have important ideas, techniques, and approaches that need publicity – write a blog post.</a:t>
+            </a:r>
+          </a:p>
+          <a:p>
+            <a:pPr lvl="1"/>
+            <a:r>
+              <a:rPr lang="en-US" sz="2000" dirty="0"/>
+              <a:t>You have great training materials - send us the links.</a:t>
+            </a:r>
+          </a:p>
+          <a:p>
+            <a:pPr lvl="1"/>
+            <a:r>
+              <a:rPr lang="en-US" sz="2000" dirty="0"/>
+              <a:t>Got an important announcement related to HPC education or training? Send email and the officers will disseminate if approved.</a:t>
+            </a:r>
+          </a:p>
+        </p:txBody>
+      </p:sp>
+      <p:sp useBgFill="1">
+        <p:nvSpPr>
+          <p:cNvPr id="5" name="TextBox 4">
+            <a:extLst>
+              <a:ext uri="{FF2B5EF4-FFF2-40B4-BE49-F238E27FC236}">
+                <a16:creationId xmlns="" xmlns:a16="http://schemas.microsoft.com/office/drawing/2014/main" id="{FC3499E5-DA34-0241-A433-D075F1A60F53}"/>
+              </a:ext>
+            </a:extLst>
+          </p:cNvPr>
+          <p:cNvSpPr txBox="1"/>
+          <p:nvPr/>
+        </p:nvSpPr>
+        <p:spPr>
+          <a:xfrm>
+            <a:off x="417443" y="4532244"/>
+            <a:ext cx="3995531" cy="369332"/>
+          </a:xfrm>
+          <a:prstGeom prst="rect">
+            <a:avLst/>
+          </a:prstGeom>
+        </p:spPr>
+        <p:txBody>
+          <a:bodyPr wrap="square" rtlCol="0">
+            <a:spAutoFit/>
+          </a:bodyPr>
+          <a:lstStyle/>
+          <a:p>
+            <a:pPr lvl="1"/>
+            <a:r>
+              <a:rPr lang="en-US" dirty="0">
+                <a:hlinkClick r:id="rId2"/>
+              </a:rPr>
+              <a:t>https://sighpceducation.acm.org</a:t>
+            </a:r>
+            <a:endParaRPr lang="en-US" dirty="0"/>
+          </a:p>
+        </p:txBody>
+      </p:sp>
+    </p:spTree>
+    <p:extLst>
+      <p:ext uri="{BB962C8B-B14F-4D97-AF65-F5344CB8AC3E}">
+        <p14:creationId xmlns:p14="http://schemas.microsoft.com/office/powerpoint/2010/main" val="1466455472"/>
+      </p:ext>
+    </p:extLst>
+  </p:cSld>
+  <p:clrMapOvr>
+    <a:masterClrMapping/>
+  </p:clrMapOvr>
+  <p:timing>
+    <p:tnLst>
+      <p:par>
+        <p:cTn xmlns:p14="http://schemas.microsoft.com/office/powerpoint/2010/main" id="1" dur="indefinite" restart="never" nodeType="tmRoot"/>
+      </p:par>
+    </p:tnLst>
+  </p:timing>
+</p:sld>
+</file>
+
+<file path=ppt/slides/slide18.xml><?xml version="1.0" encoding="utf-8"?>
+<p:sld xmlns:a="http://schemas.openxmlformats.org/drawingml/2006/main" xmlns:r="http://schemas.openxmlformats.org/officeDocument/2006/relationships" xmlns:p="http://schemas.openxmlformats.org/presentationml/2006/main">
+  <p:cSld>
+    <p:spTree>
+      <p:nvGrpSpPr>
+        <p:cNvPr id="1" name=""/>
+        <p:cNvGrpSpPr/>
+        <p:nvPr/>
+      </p:nvGrpSpPr>
+      <p:grpSpPr>
+        <a:xfrm>
+          <a:off x="0" y="0"/>
+          <a:ext cx="0" cy="0"/>
+          <a:chOff x="0" y="0"/>
+          <a:chExt cx="0" cy="0"/>
+        </a:xfrm>
+      </p:grpSpPr>
+      <p:sp>
+        <p:nvSpPr>
+          <p:cNvPr id="2" name="Title 1">
+            <a:extLst>
+              <a:ext uri="{FF2B5EF4-FFF2-40B4-BE49-F238E27FC236}">
+                <a16:creationId xmlns="" xmlns:a16="http://schemas.microsoft.com/office/drawing/2014/main" id="{79686D71-73FB-D94A-B32A-9BE3DB9BB42C}"/>
+              </a:ext>
+            </a:extLst>
+          </p:cNvPr>
+          <p:cNvSpPr>
+            <a:spLocks noGrp="1"/>
+          </p:cNvSpPr>
+          <p:nvPr>
+            <p:ph type="title"/>
+          </p:nvPr>
+        </p:nvSpPr>
+        <p:spPr/>
+        <p:txBody>
+          <a:bodyPr/>
+          <a:lstStyle/>
+          <a:p>
+            <a:pPr algn="ctr"/>
+            <a:r>
+              <a:rPr lang="en-US" b="1" dirty="0"/>
+              <a:t>Journal of Computational Science Education</a:t>
+            </a:r>
+          </a:p>
+        </p:txBody>
+      </p:sp>
+      <p:sp>
+        <p:nvSpPr>
+          <p:cNvPr id="3" name="Content Placeholder 2">
+            <a:extLst>
+              <a:ext uri="{FF2B5EF4-FFF2-40B4-BE49-F238E27FC236}">
+                <a16:creationId xmlns="" xmlns:a16="http://schemas.microsoft.com/office/drawing/2014/main" id="{521C9C55-DA00-744C-A728-8BCD3148DB49}"/>
+              </a:ext>
+            </a:extLst>
+          </p:cNvPr>
+          <p:cNvSpPr>
+            <a:spLocks noGrp="1"/>
+          </p:cNvSpPr>
+          <p:nvPr>
+            <p:ph idx="1"/>
+          </p:nvPr>
+        </p:nvSpPr>
+        <p:spPr>
+          <a:xfrm>
+            <a:off x="628650" y="1148878"/>
+            <a:ext cx="7700341" cy="3263504"/>
+          </a:xfrm>
+        </p:spPr>
+        <p:txBody>
+          <a:bodyPr>
+            <a:normAutofit/>
+          </a:bodyPr>
+          <a:lstStyle/>
+          <a:p>
+            <a:r>
+              <a:rPr lang="en-US" dirty="0" smtClean="0"/>
+              <a:t>Open</a:t>
+            </a:r>
+            <a:r>
+              <a:rPr lang="en-US" dirty="0"/>
+              <a:t>, online journal</a:t>
+            </a:r>
+          </a:p>
+          <a:p>
+            <a:r>
+              <a:rPr lang="en-US" dirty="0"/>
+              <a:t>Refereed articles on broad set of computational science education topics</a:t>
+            </a:r>
+          </a:p>
+          <a:p>
+            <a:pPr lvl="1"/>
+            <a:r>
+              <a:rPr lang="en-US" dirty="0"/>
+              <a:t>Articles on computational science instructional materials and projects and research on the efficacy of instruction with computational science</a:t>
+            </a:r>
+          </a:p>
+          <a:p>
+            <a:pPr lvl="1"/>
+            <a:r>
+              <a:rPr lang="en-US" dirty="0"/>
+              <a:t>Student articles detailing their experiences in computational science internships and research experiences</a:t>
+            </a:r>
+          </a:p>
+          <a:p>
+            <a:r>
+              <a:rPr lang="en-US" dirty="0"/>
+              <a:t>Become a reviewer! Sign up on our </a:t>
+            </a:r>
+            <a:r>
+              <a:rPr lang="en-US" dirty="0" smtClean="0"/>
+              <a:t>website: </a:t>
+            </a:r>
+            <a:r>
+              <a:rPr lang="en-US" dirty="0" err="1" smtClean="0"/>
+              <a:t>www.jocse.org</a:t>
+            </a:r>
+            <a:endParaRPr lang="en-US" dirty="0"/>
+          </a:p>
+        </p:txBody>
+      </p:sp>
+      <p:sp useBgFill="1">
+        <p:nvSpPr>
+          <p:cNvPr id="5" name="TextBox 4">
+            <a:extLst>
+              <a:ext uri="{FF2B5EF4-FFF2-40B4-BE49-F238E27FC236}">
+                <a16:creationId xmlns="" xmlns:a16="http://schemas.microsoft.com/office/drawing/2014/main" id="{FC3499E5-DA34-0241-A433-D075F1A60F53}"/>
+              </a:ext>
+            </a:extLst>
+          </p:cNvPr>
+          <p:cNvSpPr txBox="1"/>
+          <p:nvPr/>
+        </p:nvSpPr>
+        <p:spPr>
+          <a:xfrm>
+            <a:off x="417443" y="4532244"/>
+            <a:ext cx="3995531" cy="369332"/>
+          </a:xfrm>
+          <a:prstGeom prst="rect">
+            <a:avLst/>
+          </a:prstGeom>
+        </p:spPr>
+        <p:txBody>
+          <a:bodyPr wrap="square" rtlCol="0">
+            <a:spAutoFit/>
+          </a:bodyPr>
+          <a:lstStyle/>
+          <a:p>
+            <a:pPr lvl="1"/>
+            <a:r>
+              <a:rPr lang="en-US" dirty="0">
+                <a:hlinkClick r:id="rId2"/>
+              </a:rPr>
+              <a:t>https://sighpceducation.acm.org</a:t>
+            </a:r>
+            <a:endParaRPr lang="en-US" dirty="0"/>
+          </a:p>
+        </p:txBody>
+      </p:sp>
+    </p:spTree>
+    <p:extLst>
+      <p:ext uri="{BB962C8B-B14F-4D97-AF65-F5344CB8AC3E}">
+        <p14:creationId xmlns:p14="http://schemas.microsoft.com/office/powerpoint/2010/main" val="907982902"/>
+      </p:ext>
+    </p:extLst>
+  </p:cSld>
+  <p:clrMapOvr>
+    <a:masterClrMapping/>
+  </p:clrMapOvr>
+</p:sld>
+</file>
+
+<file path=ppt/slides/slide2.xml><?xml version="1.0" encoding="utf-8"?>
+<p:sld xmlns:a="http://schemas.openxmlformats.org/drawingml/2006/main" xmlns:r="http://schemas.openxmlformats.org/officeDocument/2006/relationships" xmlns:p="http://schemas.openxmlformats.org/presentationml/2006/main">
+  <p:cSld>
+    <p:spTree>
+      <p:nvGrpSpPr>
+        <p:cNvPr id="1" name=""/>
+        <p:cNvGrpSpPr/>
+        <p:nvPr/>
+      </p:nvGrpSpPr>
+      <p:grpSpPr>
+        <a:xfrm>
+          <a:off x="0" y="0"/>
+          <a:ext cx="0" cy="0"/>
+          <a:chOff x="0" y="0"/>
+          <a:chExt cx="0" cy="0"/>
+        </a:xfrm>
+      </p:grpSpPr>
+      <p:sp>
+        <p:nvSpPr>
+          <p:cNvPr id="2" name="Title 1">
+            <a:extLst>
+              <a:ext uri="{FF2B5EF4-FFF2-40B4-BE49-F238E27FC236}">
+                <a16:creationId xmlns="" xmlns:a16="http://schemas.microsoft.com/office/drawing/2014/main" id="{49968877-B0DA-9F49-B301-85C8BEF322E1}"/>
+              </a:ext>
+            </a:extLst>
+          </p:cNvPr>
+          <p:cNvSpPr>
+            <a:spLocks noGrp="1"/>
+          </p:cNvSpPr>
+          <p:nvPr>
+            <p:ph type="title"/>
+          </p:nvPr>
+        </p:nvSpPr>
+        <p:spPr/>
+        <p:txBody>
+          <a:bodyPr/>
+          <a:lstStyle/>
+          <a:p>
+            <a:pPr algn="ctr"/>
+            <a:r>
+              <a:rPr lang="en-US" b="1" dirty="0"/>
+              <a:t>SIG HPC Education – The Activities</a:t>
+            </a:r>
+            <a:r>
+              <a:rPr lang="en-US" dirty="0"/>
+              <a:t/>
+            </a:r>
+            <a:br>
+              <a:rPr lang="en-US" dirty="0"/>
+            </a:br>
+            <a:r>
+              <a:rPr lang="en-US" sz="2100" i="1" dirty="0"/>
+              <a:t>Committees are at work on</a:t>
+            </a:r>
+            <a:r>
+              <a:rPr lang="mr-IN" sz="2100" i="1" dirty="0"/>
+              <a:t>…</a:t>
+            </a:r>
+            <a:endParaRPr lang="en-US" sz="2100" i="1" dirty="0"/>
+          </a:p>
+        </p:txBody>
+      </p:sp>
+      <p:sp>
+        <p:nvSpPr>
+          <p:cNvPr id="3" name="Content Placeholder 2">
+            <a:extLst>
+              <a:ext uri="{FF2B5EF4-FFF2-40B4-BE49-F238E27FC236}">
+                <a16:creationId xmlns="" xmlns:a16="http://schemas.microsoft.com/office/drawing/2014/main" id="{F5C65BEA-377B-8B4A-B9CF-1042B586E05C}"/>
+              </a:ext>
+            </a:extLst>
+          </p:cNvPr>
+          <p:cNvSpPr>
+            <a:spLocks noGrp="1"/>
+          </p:cNvSpPr>
+          <p:nvPr>
+            <p:ph idx="1"/>
+          </p:nvPr>
+        </p:nvSpPr>
+        <p:spPr>
+          <a:xfrm>
+            <a:off x="628650" y="1140078"/>
+            <a:ext cx="7521437" cy="3364706"/>
+          </a:xfrm>
+        </p:spPr>
+        <p:txBody>
+          <a:bodyPr>
+            <a:normAutofit fontScale="92500" lnSpcReduction="10000"/>
+          </a:bodyPr>
+          <a:lstStyle/>
+          <a:p>
+            <a:pPr marL="0" indent="0">
+              <a:buNone/>
+            </a:pPr>
+            <a:r>
+              <a:rPr lang="en-US" dirty="0"/>
+              <a:t>Workshops: </a:t>
+            </a:r>
+          </a:p>
+          <a:p>
+            <a:pPr lvl="1"/>
+            <a:r>
+              <a:rPr lang="en-US" dirty="0"/>
+              <a:t>coordinating and managing in-person and virtual events to bring together the community to discuss topics of interest</a:t>
+            </a:r>
+          </a:p>
+          <a:p>
+            <a:pPr marL="0" indent="0">
+              <a:buNone/>
+            </a:pPr>
+            <a:r>
+              <a:rPr lang="en-US" dirty="0"/>
+              <a:t>Computational Science Education: </a:t>
+            </a:r>
+          </a:p>
+          <a:p>
+            <a:pPr lvl="1"/>
+            <a:r>
+              <a:rPr lang="en-US" dirty="0"/>
+              <a:t>developing strategies to incorporate and/or enhance computational science education at all levels of education </a:t>
+            </a:r>
+          </a:p>
+          <a:p>
+            <a:pPr marL="0" indent="0">
+              <a:buNone/>
+            </a:pPr>
+            <a:r>
+              <a:rPr lang="en-US" dirty="0" smtClean="0"/>
+              <a:t>Education Content:</a:t>
+            </a:r>
+            <a:endParaRPr lang="en-US" dirty="0"/>
+          </a:p>
+          <a:p>
+            <a:pPr lvl="1"/>
+            <a:r>
+              <a:rPr lang="en-US" dirty="0"/>
+              <a:t>curating lists of available education and training materials for HPC and computational science skills.</a:t>
+            </a:r>
+          </a:p>
+          <a:p>
+            <a:pPr marL="0" indent="0">
+              <a:buNone/>
+            </a:pPr>
+            <a:r>
+              <a:rPr lang="en-US" dirty="0"/>
+              <a:t>Outreach: </a:t>
+            </a:r>
+          </a:p>
+          <a:p>
+            <a:pPr lvl="1"/>
+            <a:r>
+              <a:rPr lang="en-US" dirty="0"/>
+              <a:t>distributing information about the activities of the chapter, including advertising workshops, recruiting webinar speakers and blog entries.</a:t>
+            </a:r>
+          </a:p>
+        </p:txBody>
+      </p:sp>
+      <p:sp useBgFill="1">
+        <p:nvSpPr>
+          <p:cNvPr id="4" name="TextBox 3">
+            <a:extLst>
+              <a:ext uri="{FF2B5EF4-FFF2-40B4-BE49-F238E27FC236}">
+                <a16:creationId xmlns="" xmlns:a16="http://schemas.microsoft.com/office/drawing/2014/main" id="{03B49153-30A1-9040-BC7B-9CB1AD735519}"/>
+              </a:ext>
+            </a:extLst>
+          </p:cNvPr>
+          <p:cNvSpPr txBox="1"/>
+          <p:nvPr/>
+        </p:nvSpPr>
+        <p:spPr>
+          <a:xfrm>
+            <a:off x="417443" y="4532244"/>
+            <a:ext cx="3995531" cy="369332"/>
+          </a:xfrm>
+          <a:prstGeom prst="rect">
+            <a:avLst/>
+          </a:prstGeom>
+        </p:spPr>
+        <p:txBody>
+          <a:bodyPr wrap="square" rtlCol="0">
+            <a:spAutoFit/>
+          </a:bodyPr>
+          <a:lstStyle/>
+          <a:p>
+            <a:pPr lvl="1"/>
+            <a:r>
+              <a:rPr lang="en-US" dirty="0">
+                <a:hlinkClick r:id="rId2"/>
+              </a:rPr>
+              <a:t>https://sighpceducation.acm.org</a:t>
+            </a:r>
+            <a:endParaRPr lang="en-US" dirty="0"/>
+          </a:p>
+        </p:txBody>
+      </p:sp>
+    </p:spTree>
+    <p:extLst>
+      <p:ext uri="{BB962C8B-B14F-4D97-AF65-F5344CB8AC3E}">
+        <p14:creationId xmlns:p14="http://schemas.microsoft.com/office/powerpoint/2010/main" val="2139085900"/>
+      </p:ext>
+    </p:extLst>
+  </p:cSld>
+  <p:clrMapOvr>
+    <a:masterClrMapping/>
+  </p:clrMapOvr>
+  <p:timing>
+    <p:tnLst>
+      <p:par>
+        <p:cTn xmlns:p14="http://schemas.microsoft.com/office/powerpoint/2010/main" id="1" dur="indefinite" restart="never" nodeType="tmRoot"/>
+      </p:par>
+    </p:tnLst>
+  </p:timing>
+</p:sld>
+</file>
+
+<file path=ppt/slides/slide3.xml><?xml version="1.0" encoding="utf-8"?>
+<p:sld xmlns:a="http://schemas.openxmlformats.org/drawingml/2006/main" xmlns:r="http://schemas.openxmlformats.org/officeDocument/2006/relationships" xmlns:p="http://schemas.openxmlformats.org/presentationml/2006/main">
+  <p:cSld>
+    <p:spTree>
+      <p:nvGrpSpPr>
+        <p:cNvPr id="1" name=""/>
+        <p:cNvGrpSpPr/>
+        <p:nvPr/>
+      </p:nvGrpSpPr>
+      <p:grpSpPr>
+        <a:xfrm>
+          <a:off x="0" y="0"/>
+          <a:ext cx="0" cy="0"/>
+          <a:chOff x="0" y="0"/>
+          <a:chExt cx="0" cy="0"/>
+        </a:xfrm>
+      </p:grpSpPr>
+      <p:sp>
+        <p:nvSpPr>
+          <p:cNvPr id="2" name="Title 1">
+            <a:extLst>
+              <a:ext uri="{FF2B5EF4-FFF2-40B4-BE49-F238E27FC236}">
+                <a16:creationId xmlns="" xmlns:a16="http://schemas.microsoft.com/office/drawing/2014/main" id="{49968877-B0DA-9F49-B301-85C8BEF322E1}"/>
+              </a:ext>
+            </a:extLst>
+          </p:cNvPr>
+          <p:cNvSpPr>
+            <a:spLocks noGrp="1"/>
+          </p:cNvSpPr>
+          <p:nvPr>
+            <p:ph type="title"/>
+          </p:nvPr>
+        </p:nvSpPr>
+        <p:spPr/>
+        <p:txBody>
+          <a:bodyPr/>
+          <a:lstStyle/>
+          <a:p>
+            <a:pPr algn="ctr"/>
+            <a:r>
+              <a:rPr lang="en-US" b="1" dirty="0"/>
+              <a:t>SIG HPC Education – The Activities</a:t>
+            </a:r>
+            <a:r>
+              <a:rPr lang="en-US" dirty="0"/>
+              <a:t/>
+            </a:r>
+            <a:br>
+              <a:rPr lang="en-US" dirty="0"/>
+            </a:br>
+            <a:r>
+              <a:rPr lang="en-US" sz="2100" i="1" dirty="0"/>
+              <a:t>Committees are at work on</a:t>
+            </a:r>
+            <a:r>
+              <a:rPr lang="mr-IN" sz="2100" i="1" dirty="0"/>
+              <a:t>…</a:t>
+            </a:r>
+            <a:endParaRPr lang="en-US" sz="2100" i="1" dirty="0"/>
+          </a:p>
+        </p:txBody>
+      </p:sp>
+      <p:sp>
+        <p:nvSpPr>
+          <p:cNvPr id="3" name="Content Placeholder 2">
+            <a:extLst>
+              <a:ext uri="{FF2B5EF4-FFF2-40B4-BE49-F238E27FC236}">
+                <a16:creationId xmlns="" xmlns:a16="http://schemas.microsoft.com/office/drawing/2014/main" id="{F5C65BEA-377B-8B4A-B9CF-1042B586E05C}"/>
+              </a:ext>
+            </a:extLst>
+          </p:cNvPr>
+          <p:cNvSpPr>
+            <a:spLocks noGrp="1"/>
+          </p:cNvSpPr>
+          <p:nvPr>
+            <p:ph idx="1"/>
+          </p:nvPr>
+        </p:nvSpPr>
+        <p:spPr>
+          <a:xfrm>
+            <a:off x="628650" y="1140078"/>
+            <a:ext cx="7521437" cy="3364706"/>
+          </a:xfrm>
+        </p:spPr>
+        <p:txBody>
+          <a:bodyPr>
+            <a:normAutofit/>
+          </a:bodyPr>
+          <a:lstStyle/>
+          <a:p>
+            <a:pPr marL="0" indent="0">
+              <a:buNone/>
+            </a:pPr>
+            <a:r>
+              <a:rPr lang="en-US" dirty="0" smtClean="0"/>
+              <a:t>K-12: </a:t>
+            </a:r>
+            <a:endParaRPr lang="en-US" dirty="0"/>
+          </a:p>
+          <a:p>
+            <a:pPr lvl="1"/>
+            <a:r>
+              <a:rPr lang="en-US" dirty="0" smtClean="0"/>
+              <a:t>Support educators introducing HPC and Data Science in pre-university environments</a:t>
+            </a:r>
+          </a:p>
+          <a:p>
+            <a:pPr marL="0" indent="0">
+              <a:buNone/>
+            </a:pPr>
+            <a:r>
+              <a:rPr lang="en-US" dirty="0" smtClean="0"/>
+              <a:t>Systems Professional Committee: </a:t>
+            </a:r>
+          </a:p>
+          <a:p>
+            <a:pPr lvl="1"/>
+            <a:r>
+              <a:rPr lang="en-US" dirty="0"/>
+              <a:t>curating, recommending and making available material and resources addressing topics of interest to the HPC systems professionals</a:t>
+            </a:r>
+            <a:r>
+              <a:rPr lang="en-US" dirty="0" smtClean="0"/>
+              <a:t>.</a:t>
+            </a:r>
+            <a:endParaRPr lang="en-US" dirty="0"/>
+          </a:p>
+        </p:txBody>
+      </p:sp>
+      <p:sp useBgFill="1">
+        <p:nvSpPr>
+          <p:cNvPr id="4" name="TextBox 3">
+            <a:extLst>
+              <a:ext uri="{FF2B5EF4-FFF2-40B4-BE49-F238E27FC236}">
+                <a16:creationId xmlns="" xmlns:a16="http://schemas.microsoft.com/office/drawing/2014/main" id="{03B49153-30A1-9040-BC7B-9CB1AD735519}"/>
+              </a:ext>
+            </a:extLst>
+          </p:cNvPr>
+          <p:cNvSpPr txBox="1"/>
+          <p:nvPr/>
+        </p:nvSpPr>
+        <p:spPr>
+          <a:xfrm>
+            <a:off x="417443" y="4532244"/>
+            <a:ext cx="3995531" cy="369332"/>
+          </a:xfrm>
+          <a:prstGeom prst="rect">
+            <a:avLst/>
+          </a:prstGeom>
+        </p:spPr>
+        <p:txBody>
+          <a:bodyPr wrap="square" rtlCol="0">
+            <a:spAutoFit/>
+          </a:bodyPr>
+          <a:lstStyle/>
+          <a:p>
+            <a:pPr lvl="1"/>
+            <a:r>
+              <a:rPr lang="en-US" dirty="0">
+                <a:hlinkClick r:id="rId2"/>
+              </a:rPr>
+              <a:t>https://sighpceducation.acm.org</a:t>
+            </a:r>
+            <a:endParaRPr lang="en-US" dirty="0"/>
+          </a:p>
+        </p:txBody>
+      </p:sp>
+    </p:spTree>
+    <p:extLst>
+      <p:ext uri="{BB962C8B-B14F-4D97-AF65-F5344CB8AC3E}">
+        <p14:creationId xmlns:p14="http://schemas.microsoft.com/office/powerpoint/2010/main" val="1741927332"/>
+      </p:ext>
+    </p:extLst>
+  </p:cSld>
+  <p:clrMapOvr>
+    <a:masterClrMapping/>
+  </p:clrMapOvr>
+  <p:timing>
+    <p:tnLst>
+      <p:par>
+        <p:cTn xmlns:p14="http://schemas.microsoft.com/office/powerpoint/2010/main" id="1" dur="indefinite" restart="never" nodeType="tmRoot"/>
+      </p:par>
+    </p:tnLst>
+  </p:timing>
+</p:sld>
+</file>
+
+<file path=ppt/slides/slide4.xml><?xml version="1.0" encoding="utf-8"?>
+<p:sld xmlns:a="http://schemas.openxmlformats.org/drawingml/2006/main" xmlns:r="http://schemas.openxmlformats.org/officeDocument/2006/relationships" xmlns:p="http://schemas.openxmlformats.org/presentationml/2006/main">
+  <p:cSld>
+    <p:spTree>
+      <p:nvGrpSpPr>
+        <p:cNvPr id="1" name=""/>
+        <p:cNvGrpSpPr/>
+        <p:nvPr/>
+      </p:nvGrpSpPr>
+      <p:grpSpPr>
+        <a:xfrm>
+          <a:off x="0" y="0"/>
+          <a:ext cx="0" cy="0"/>
+          <a:chOff x="0" y="0"/>
+          <a:chExt cx="0" cy="0"/>
+        </a:xfrm>
+      </p:grpSpPr>
+      <p:sp>
+        <p:nvSpPr>
+          <p:cNvPr id="2" name="Title 1"/>
+          <p:cNvSpPr>
+            <a:spLocks noGrp="1"/>
+          </p:cNvSpPr>
+          <p:nvPr>
+            <p:ph type="title"/>
+          </p:nvPr>
+        </p:nvSpPr>
+        <p:spPr/>
+        <p:txBody>
+          <a:bodyPr/>
+          <a:lstStyle/>
+          <a:p>
+            <a:pPr algn="ctr"/>
+            <a:r>
+              <a:rPr lang="en-US" b="1" dirty="0" smtClean="0"/>
+              <a:t>Resources on Our Website</a:t>
+            </a:r>
+            <a:endParaRPr lang="en-US" b="1" dirty="0"/>
+          </a:p>
+        </p:txBody>
+      </p:sp>
+      <p:sp>
+        <p:nvSpPr>
+          <p:cNvPr id="3" name="Content Placeholder 2"/>
+          <p:cNvSpPr>
+            <a:spLocks noGrp="1"/>
+          </p:cNvSpPr>
+          <p:nvPr>
+            <p:ph idx="1"/>
+          </p:nvPr>
+        </p:nvSpPr>
+        <p:spPr>
+          <a:xfrm>
+            <a:off x="782914" y="1268016"/>
+            <a:ext cx="7068999" cy="3263504"/>
+          </a:xfrm>
+        </p:spPr>
+        <p:txBody>
+          <a:bodyPr>
+            <a:normAutofit/>
+          </a:bodyPr>
+          <a:lstStyle/>
+          <a:p>
+            <a:r>
+              <a:rPr lang="en-US" dirty="0" smtClean="0"/>
+              <a:t>YouTube </a:t>
+            </a:r>
+            <a:r>
+              <a:rPr lang="en-US" dirty="0"/>
+              <a:t>videos of past events:</a:t>
+            </a:r>
+          </a:p>
+          <a:p>
+            <a:pPr lvl="1"/>
+            <a:r>
+              <a:rPr lang="en-US" dirty="0"/>
+              <a:t>Undergraduate Computational Science Program Development</a:t>
+            </a:r>
+          </a:p>
+          <a:p>
+            <a:pPr lvl="1"/>
+            <a:r>
+              <a:rPr lang="en-US" dirty="0"/>
+              <a:t>HPC Carpentry</a:t>
+            </a:r>
+          </a:p>
+          <a:p>
+            <a:pPr lvl="1"/>
+            <a:r>
+              <a:rPr lang="en-US" dirty="0"/>
+              <a:t>Bringing Computer Science to </a:t>
+            </a:r>
+            <a:r>
+              <a:rPr lang="en-US" dirty="0" smtClean="0"/>
+              <a:t>All</a:t>
+            </a:r>
+          </a:p>
+          <a:p>
+            <a:pPr lvl="1"/>
+            <a:r>
+              <a:rPr lang="en-US" dirty="0"/>
+              <a:t>W</a:t>
+            </a:r>
+            <a:r>
+              <a:rPr lang="en-US" dirty="0" smtClean="0"/>
+              <a:t>ebinars</a:t>
+            </a:r>
+            <a:endParaRPr lang="en-US" dirty="0"/>
+          </a:p>
+          <a:p>
+            <a:r>
+              <a:rPr lang="en-US" dirty="0"/>
+              <a:t>Links to </a:t>
+            </a:r>
+            <a:r>
+              <a:rPr lang="en-US" dirty="0" smtClean="0"/>
+              <a:t>education and training resources</a:t>
+            </a:r>
+            <a:endParaRPr lang="en-US" dirty="0" smtClean="0"/>
+          </a:p>
+          <a:p>
+            <a:r>
+              <a:rPr lang="en-US" dirty="0" smtClean="0"/>
+              <a:t>Blog and discussion </a:t>
+            </a:r>
+            <a:r>
+              <a:rPr lang="en-US" dirty="0" smtClean="0"/>
+              <a:t>forum</a:t>
+            </a:r>
+          </a:p>
+          <a:p>
+            <a:r>
+              <a:rPr lang="en-US" dirty="0" smtClean="0"/>
+              <a:t>Announcements of our workshops and events</a:t>
+            </a:r>
+            <a:endParaRPr lang="en-US" dirty="0" smtClean="0"/>
+          </a:p>
+          <a:p>
+            <a:r>
+              <a:rPr lang="en-US" dirty="0" smtClean="0"/>
+              <a:t>Connect to our </a:t>
+            </a:r>
+            <a:r>
+              <a:rPr lang="en-US" dirty="0" err="1" smtClean="0"/>
+              <a:t>facebook</a:t>
+            </a:r>
+            <a:r>
+              <a:rPr lang="en-US" dirty="0"/>
+              <a:t> </a:t>
+            </a:r>
+            <a:r>
+              <a:rPr lang="en-US" dirty="0" smtClean="0"/>
+              <a:t>group</a:t>
+            </a:r>
+            <a:endParaRPr lang="en-US" dirty="0"/>
+          </a:p>
+          <a:p>
+            <a:pPr marL="0" indent="0">
+              <a:buNone/>
+            </a:pPr>
+            <a:endParaRPr lang="en-US" dirty="0"/>
+          </a:p>
+          <a:p>
+            <a:endParaRPr lang="en-US" dirty="0"/>
+          </a:p>
+        </p:txBody>
+      </p:sp>
+      <p:sp useBgFill="1">
+        <p:nvSpPr>
+          <p:cNvPr id="4" name="TextBox 3">
+            <a:extLst>
+              <a:ext uri="{FF2B5EF4-FFF2-40B4-BE49-F238E27FC236}">
+                <a16:creationId xmlns="" xmlns:a16="http://schemas.microsoft.com/office/drawing/2014/main" id="{03DFA5E3-5404-3043-9EE2-19280DB20F4B}"/>
+              </a:ext>
+            </a:extLst>
+          </p:cNvPr>
+          <p:cNvSpPr txBox="1"/>
+          <p:nvPr/>
+        </p:nvSpPr>
+        <p:spPr>
+          <a:xfrm>
+            <a:off x="417443" y="4532244"/>
+            <a:ext cx="3995531" cy="369332"/>
+          </a:xfrm>
+          <a:prstGeom prst="rect">
+            <a:avLst/>
+          </a:prstGeom>
+        </p:spPr>
+        <p:txBody>
+          <a:bodyPr wrap="square" rtlCol="0">
+            <a:spAutoFit/>
+          </a:bodyPr>
+          <a:lstStyle/>
+          <a:p>
+            <a:pPr lvl="1"/>
+            <a:r>
+              <a:rPr lang="en-US" dirty="0">
+                <a:hlinkClick r:id="rId2"/>
+              </a:rPr>
+              <a:t>https://sighpceducation.acm.org</a:t>
+            </a:r>
+            <a:endParaRPr lang="en-US" dirty="0"/>
+          </a:p>
+        </p:txBody>
+      </p:sp>
+    </p:spTree>
+    <p:extLst>
+      <p:ext uri="{BB962C8B-B14F-4D97-AF65-F5344CB8AC3E}">
+        <p14:creationId xmlns:p14="http://schemas.microsoft.com/office/powerpoint/2010/main" val="1155506789"/>
+      </p:ext>
+    </p:extLst>
+  </p:cSld>
+  <p:clrMapOvr>
+    <a:masterClrMapping/>
+  </p:clrMapOvr>
+  <p:timing>
+    <p:tnLst>
+      <p:par>
+        <p:cTn xmlns:p14="http://schemas.microsoft.com/office/powerpoint/2010/main" id="1" dur="indefinite" restart="never" nodeType="tmRoot"/>
+      </p:par>
+    </p:tnLst>
+  </p:timing>
+</p:sld>
+</file>
+
+<file path=ppt/slides/slide5.xml><?xml version="1.0" encoding="utf-8"?>
+<p:sld xmlns:a="http://schemas.openxmlformats.org/drawingml/2006/main" xmlns:r="http://schemas.openxmlformats.org/officeDocument/2006/relationships" xmlns:p="http://schemas.openxmlformats.org/presentationml/2006/main">
+  <p:cSld>
+    <p:spTree>
+      <p:nvGrpSpPr>
+        <p:cNvPr id="1" name=""/>
+        <p:cNvGrpSpPr/>
+        <p:nvPr/>
+      </p:nvGrpSpPr>
+      <p:grpSpPr>
+        <a:xfrm>
+          <a:off x="0" y="0"/>
+          <a:ext cx="0" cy="0"/>
+          <a:chOff x="0" y="0"/>
+          <a:chExt cx="0" cy="0"/>
+        </a:xfrm>
+      </p:grpSpPr>
+      <p:sp>
+        <p:nvSpPr>
+          <p:cNvPr id="2" name="Title 1"/>
+          <p:cNvSpPr>
+            <a:spLocks noGrp="1"/>
+          </p:cNvSpPr>
+          <p:nvPr>
+            <p:ph type="title"/>
+          </p:nvPr>
+        </p:nvSpPr>
+        <p:spPr/>
+        <p:txBody>
+          <a:bodyPr>
+            <a:normAutofit/>
+          </a:bodyPr>
+          <a:lstStyle/>
+          <a:p>
+            <a:pPr algn="ctr"/>
+            <a:r>
+              <a:rPr lang="en-US" b="1" dirty="0" smtClean="0"/>
+              <a:t>Bringing Communities </a:t>
+            </a:r>
+            <a:r>
+              <a:rPr lang="en-US" b="1" dirty="0" smtClean="0"/>
+              <a:t>Together</a:t>
+            </a:r>
+            <a:endParaRPr lang="en-US" b="1" dirty="0"/>
+          </a:p>
+        </p:txBody>
+      </p:sp>
+      <p:sp>
+        <p:nvSpPr>
+          <p:cNvPr id="3" name="Content Placeholder 2"/>
+          <p:cNvSpPr>
+            <a:spLocks noGrp="1"/>
+          </p:cNvSpPr>
+          <p:nvPr>
+            <p:ph sz="half" idx="1"/>
+          </p:nvPr>
+        </p:nvSpPr>
+        <p:spPr>
+          <a:xfrm>
+            <a:off x="304800" y="1611075"/>
+            <a:ext cx="4210050" cy="2877661"/>
+          </a:xfrm>
+        </p:spPr>
+        <p:txBody>
+          <a:bodyPr>
+            <a:normAutofit/>
+          </a:bodyPr>
+          <a:lstStyle/>
+          <a:p>
+            <a:r>
+              <a:rPr lang="en-US" dirty="0" smtClean="0"/>
+              <a:t>The Education Content committee is focused on informal learning</a:t>
+            </a:r>
+          </a:p>
+          <a:p>
+            <a:r>
+              <a:rPr lang="en-US" dirty="0" smtClean="0"/>
+              <a:t>We reviewed and gathered resources from HPC centers around the global to make resource discovery easier</a:t>
+            </a:r>
+          </a:p>
+          <a:p>
+            <a:r>
+              <a:rPr lang="en-US" dirty="0" smtClean="0"/>
+              <a:t>We were looking to find a way to crowd source the evaluation and usefulness of resources</a:t>
+            </a:r>
+          </a:p>
+        </p:txBody>
+      </p:sp>
+      <p:sp>
+        <p:nvSpPr>
+          <p:cNvPr id="4" name="Content Placeholder 3"/>
+          <p:cNvSpPr>
+            <a:spLocks noGrp="1"/>
+          </p:cNvSpPr>
+          <p:nvPr>
+            <p:ph sz="half" idx="2"/>
+          </p:nvPr>
+        </p:nvSpPr>
+        <p:spPr>
+          <a:xfrm>
+            <a:off x="4629150" y="1611075"/>
+            <a:ext cx="4271010" cy="3263504"/>
+          </a:xfrm>
+        </p:spPr>
+        <p:txBody>
+          <a:bodyPr>
+            <a:normAutofit/>
+          </a:bodyPr>
+          <a:lstStyle/>
+          <a:p>
+            <a:r>
+              <a:rPr lang="en-US" dirty="0" smtClean="0"/>
+              <a:t>HPC Certification Forum is focused on finding a way to provide HPC training (Informal Learning)</a:t>
+            </a:r>
+          </a:p>
+          <a:p>
+            <a:r>
+              <a:rPr lang="en-US" dirty="0" smtClean="0"/>
+              <a:t>The HPC Certification Forum created a well-defined set of skills necessary for HPC practitioners</a:t>
+            </a:r>
+          </a:p>
+          <a:p>
+            <a:r>
+              <a:rPr lang="en-US" dirty="0" smtClean="0"/>
+              <a:t> They were looking for a way to crowd source the definition of skills and create assessments</a:t>
+            </a:r>
+            <a:endParaRPr lang="en-US" dirty="0"/>
+          </a:p>
+        </p:txBody>
+      </p:sp>
+      <p:sp>
+        <p:nvSpPr>
+          <p:cNvPr id="5" name="TextBox 4"/>
+          <p:cNvSpPr txBox="1"/>
+          <p:nvPr/>
+        </p:nvSpPr>
+        <p:spPr>
+          <a:xfrm>
+            <a:off x="1046480" y="1210370"/>
+            <a:ext cx="2553253" cy="461665"/>
+          </a:xfrm>
+          <a:prstGeom prst="rect">
+            <a:avLst/>
+          </a:prstGeom>
+          <a:noFill/>
+        </p:spPr>
+        <p:txBody>
+          <a:bodyPr wrap="none" rtlCol="0">
+            <a:spAutoFit/>
+          </a:bodyPr>
+          <a:lstStyle/>
+          <a:p>
+            <a:r>
+              <a:rPr lang="en-US" sz="2400" b="1" dirty="0" smtClean="0"/>
+              <a:t>Education Content </a:t>
+            </a:r>
+            <a:endParaRPr lang="en-US" sz="2400" b="1" dirty="0"/>
+          </a:p>
+        </p:txBody>
+      </p:sp>
+      <p:sp>
+        <p:nvSpPr>
+          <p:cNvPr id="6" name="TextBox 5"/>
+          <p:cNvSpPr txBox="1"/>
+          <p:nvPr/>
+        </p:nvSpPr>
+        <p:spPr>
+          <a:xfrm>
+            <a:off x="5201920" y="1210370"/>
+            <a:ext cx="2344662" cy="461665"/>
+          </a:xfrm>
+          <a:prstGeom prst="rect">
+            <a:avLst/>
+          </a:prstGeom>
+          <a:noFill/>
+        </p:spPr>
+        <p:txBody>
+          <a:bodyPr wrap="none" rtlCol="0">
+            <a:spAutoFit/>
+          </a:bodyPr>
+          <a:lstStyle/>
+          <a:p>
+            <a:r>
+              <a:rPr lang="en-US" sz="2400" b="1" dirty="0" smtClean="0"/>
+              <a:t>HPC Certification</a:t>
+            </a:r>
+            <a:endParaRPr lang="en-US" sz="2400" b="1" dirty="0"/>
+          </a:p>
+        </p:txBody>
+      </p:sp>
+    </p:spTree>
+    <p:extLst>
+      <p:ext uri="{BB962C8B-B14F-4D97-AF65-F5344CB8AC3E}">
+        <p14:creationId xmlns:p14="http://schemas.microsoft.com/office/powerpoint/2010/main" val="735247210"/>
+      </p:ext>
+    </p:extLst>
+  </p:cSld>
+  <p:clrMapOvr>
+    <a:masterClrMapping/>
+  </p:clrMapOvr>
+  <p:timing>
+    <p:tnLst>
+      <p:par>
+        <p:cTn xmlns:p14="http://schemas.microsoft.com/office/powerpoint/2010/main" id="1" dur="indefinite" restart="never" nodeType="tmRoot"/>
+      </p:par>
+    </p:tnLst>
+  </p:timing>
+</p:sld>
+</file>
+
+<file path=ppt/slides/slide6.xml><?xml version="1.0" encoding="utf-8"?>
+<p:sld xmlns:a="http://schemas.openxmlformats.org/drawingml/2006/main" xmlns:r="http://schemas.openxmlformats.org/officeDocument/2006/relationships" xmlns:p="http://schemas.openxmlformats.org/presentationml/2006/main">
+  <p:cSld>
+    <p:spTree>
+      <p:nvGrpSpPr>
+        <p:cNvPr id="1" name=""/>
+        <p:cNvGrpSpPr/>
+        <p:nvPr/>
+      </p:nvGrpSpPr>
+      <p:grpSpPr>
+        <a:xfrm>
+          <a:off x="0" y="0"/>
+          <a:ext cx="0" cy="0"/>
+          <a:chOff x="0" y="0"/>
+          <a:chExt cx="0" cy="0"/>
+        </a:xfrm>
+      </p:grpSpPr>
+      <p:sp>
+        <p:nvSpPr>
+          <p:cNvPr id="2" name="Title 1"/>
+          <p:cNvSpPr>
+            <a:spLocks noGrp="1"/>
+          </p:cNvSpPr>
+          <p:nvPr>
+            <p:ph type="title"/>
+          </p:nvPr>
+        </p:nvSpPr>
+        <p:spPr/>
+        <p:txBody>
+          <a:bodyPr>
+            <a:normAutofit fontScale="90000"/>
+          </a:bodyPr>
+          <a:lstStyle/>
+          <a:p>
+            <a:pPr algn="ctr"/>
+            <a:r>
+              <a:rPr lang="en-US" b="1" dirty="0" smtClean="0"/>
+              <a:t>Education Content Committee and HPC Certification Forum</a:t>
+            </a:r>
+            <a:endParaRPr lang="en-US" b="1" dirty="0"/>
+          </a:p>
+        </p:txBody>
+      </p:sp>
+      <p:sp>
+        <p:nvSpPr>
+          <p:cNvPr id="3" name="Content Placeholder 2"/>
+          <p:cNvSpPr>
+            <a:spLocks noGrp="1"/>
+          </p:cNvSpPr>
+          <p:nvPr>
+            <p:ph idx="1"/>
+          </p:nvPr>
+        </p:nvSpPr>
+        <p:spPr/>
+        <p:txBody>
+          <a:bodyPr/>
+          <a:lstStyle/>
+          <a:p>
+            <a:r>
+              <a:rPr lang="en-US" dirty="0" smtClean="0"/>
+              <a:t>Initial Work (Fall 2019):</a:t>
+            </a:r>
+          </a:p>
+          <a:p>
+            <a:pPr lvl="1"/>
+            <a:r>
+              <a:rPr lang="en-US" sz="1900" dirty="0" smtClean="0"/>
+              <a:t>Webinar: Julian Kunkel, Introduced the committee to the work of the Certification Forum</a:t>
+            </a:r>
+          </a:p>
+          <a:p>
+            <a:pPr lvl="1"/>
+            <a:r>
+              <a:rPr lang="en-US" sz="1900" dirty="0" smtClean="0"/>
+              <a:t>November 2019: Meeting at SC19 to discuss ways that the committee could work with the Forum</a:t>
+            </a:r>
+          </a:p>
+          <a:p>
+            <a:r>
+              <a:rPr lang="en-US" dirty="0" smtClean="0"/>
+              <a:t>Recommendation: Select one skill group and build out full process</a:t>
+            </a:r>
+          </a:p>
+          <a:p>
+            <a:pPr lvl="1"/>
+            <a:r>
+              <a:rPr lang="en-US" dirty="0" smtClean="0"/>
+              <a:t>Define high level skill</a:t>
+            </a:r>
+          </a:p>
+          <a:p>
+            <a:pPr lvl="1"/>
+            <a:r>
+              <a:rPr lang="en-US" dirty="0" smtClean="0"/>
+              <a:t>Define sub-level skills</a:t>
+            </a:r>
+          </a:p>
+          <a:p>
+            <a:pPr lvl="1"/>
+            <a:r>
+              <a:rPr lang="en-US" dirty="0" smtClean="0"/>
+              <a:t>Create assessments to test applicants.</a:t>
+            </a:r>
+          </a:p>
+          <a:p>
+            <a:pPr lvl="3"/>
+            <a:endParaRPr lang="en-US" dirty="0" smtClean="0"/>
+          </a:p>
+          <a:p>
+            <a:pPr marL="342900" lvl="1" indent="0">
+              <a:buNone/>
+            </a:pPr>
+            <a:endParaRPr lang="en-US" dirty="0"/>
+          </a:p>
+        </p:txBody>
+      </p:sp>
+    </p:spTree>
+    <p:extLst>
+      <p:ext uri="{BB962C8B-B14F-4D97-AF65-F5344CB8AC3E}">
+        <p14:creationId xmlns:p14="http://schemas.microsoft.com/office/powerpoint/2010/main" val="4249071941"/>
+      </p:ext>
+    </p:extLst>
+  </p:cSld>
+  <p:clrMapOvr>
+    <a:masterClrMapping/>
+  </p:clrMapOvr>
+  <p:timing>
+    <p:tnLst>
+      <p:par>
+        <p:cTn xmlns:p14="http://schemas.microsoft.com/office/powerpoint/2010/main" id="1" dur="indefinite" restart="never" nodeType="tmRoot"/>
+      </p:par>
+    </p:tnLst>
+  </p:timing>
+</p:sld>
+</file>
+
+<file path=ppt/slides/slide7.xml><?xml version="1.0" encoding="utf-8"?>
+<p:sld xmlns:a="http://schemas.openxmlformats.org/drawingml/2006/main" xmlns:r="http://schemas.openxmlformats.org/officeDocument/2006/relationships" xmlns:p="http://schemas.openxmlformats.org/presentationml/2006/main">
+  <p:cSld>
+    <p:spTree>
+      <p:nvGrpSpPr>
+        <p:cNvPr id="1" name=""/>
+        <p:cNvGrpSpPr/>
+        <p:nvPr/>
+      </p:nvGrpSpPr>
+      <p:grpSpPr>
+        <a:xfrm>
+          <a:off x="0" y="0"/>
+          <a:ext cx="0" cy="0"/>
+          <a:chOff x="0" y="0"/>
+          <a:chExt cx="0" cy="0"/>
+        </a:xfrm>
+      </p:grpSpPr>
+      <p:sp>
+        <p:nvSpPr>
+          <p:cNvPr id="2" name="Title 1"/>
+          <p:cNvSpPr>
+            <a:spLocks noGrp="1"/>
+          </p:cNvSpPr>
+          <p:nvPr>
+            <p:ph type="title"/>
+          </p:nvPr>
+        </p:nvSpPr>
+        <p:spPr/>
+        <p:txBody>
+          <a:bodyPr/>
+          <a:lstStyle/>
+          <a:p>
+            <a:pPr algn="ctr"/>
+            <a:r>
+              <a:rPr lang="en-US" b="1" dirty="0" smtClean="0"/>
+              <a:t>Building a Full Example:</a:t>
+            </a:r>
+            <a:endParaRPr lang="en-US" b="1" dirty="0"/>
+          </a:p>
+        </p:txBody>
+      </p:sp>
+      <p:sp>
+        <p:nvSpPr>
+          <p:cNvPr id="3" name="Content Placeholder 2"/>
+          <p:cNvSpPr>
+            <a:spLocks noGrp="1"/>
+          </p:cNvSpPr>
+          <p:nvPr>
+            <p:ph idx="1"/>
+          </p:nvPr>
+        </p:nvSpPr>
+        <p:spPr/>
+        <p:txBody>
+          <a:bodyPr/>
+          <a:lstStyle/>
+          <a:p>
+            <a:r>
+              <a:rPr lang="en-US" dirty="0" smtClean="0"/>
+              <a:t>Selected USE1-B and completed the full descriptions of the skills</a:t>
+            </a:r>
+            <a:endParaRPr lang="en-US" dirty="0"/>
+          </a:p>
+          <a:p>
+            <a:endParaRPr lang="en-US" dirty="0" smtClean="0"/>
+          </a:p>
+          <a:p>
+            <a:endParaRPr lang="en-US" dirty="0" smtClean="0"/>
+          </a:p>
+          <a:p>
+            <a:endParaRPr lang="en-US" dirty="0"/>
+          </a:p>
+          <a:p>
+            <a:endParaRPr lang="en-US" dirty="0"/>
+          </a:p>
+          <a:p>
+            <a:r>
+              <a:rPr lang="en-US" dirty="0" smtClean="0"/>
+              <a:t>Next Step – build a library of exam questions</a:t>
+            </a:r>
+          </a:p>
+          <a:p>
+            <a:pPr lvl="1"/>
+            <a:r>
+              <a:rPr lang="en-US" dirty="0" smtClean="0"/>
+              <a:t>Crowd source</a:t>
+            </a:r>
+          </a:p>
+          <a:p>
+            <a:pPr lvl="1"/>
+            <a:r>
+              <a:rPr lang="en-US" dirty="0" smtClean="0"/>
+              <a:t>SIGHPC Education Chapter </a:t>
+            </a:r>
+          </a:p>
+        </p:txBody>
+      </p:sp>
+      <p:pic>
+        <p:nvPicPr>
+          <p:cNvPr id="4" name="Picture 3" descr="Screen Shot 2020-05-17 at 9.19.32 PM.png"/>
+          <p:cNvPicPr>
+            <a:picLocks noChangeAspect="1"/>
+          </p:cNvPicPr>
+          <p:nvPr/>
+        </p:nvPicPr>
+        <p:blipFill rotWithShape="1">
+          <a:blip r:embed="rId2">
+            <a:extLst>
+              <a:ext uri="{28A0092B-C50C-407E-A947-70E740481C1C}">
+                <a14:useLocalDpi xmlns:a14="http://schemas.microsoft.com/office/drawing/2010/main" val="0"/>
+              </a:ext>
+            </a:extLst>
+          </a:blip>
+          <a:srcRect l="2143"/>
+          <a:stretch/>
+        </p:blipFill>
+        <p:spPr>
+          <a:xfrm>
+            <a:off x="1625600" y="1827007"/>
+            <a:ext cx="5567680" cy="1055480"/>
+          </a:xfrm>
+          <a:prstGeom prst="rect">
+            <a:avLst/>
+          </a:prstGeom>
+        </p:spPr>
+      </p:pic>
+    </p:spTree>
+    <p:extLst>
+      <p:ext uri="{BB962C8B-B14F-4D97-AF65-F5344CB8AC3E}">
+        <p14:creationId xmlns:p14="http://schemas.microsoft.com/office/powerpoint/2010/main" val="270689507"/>
+      </p:ext>
+    </p:extLst>
+  </p:cSld>
+  <p:clrMapOvr>
+    <a:masterClrMapping/>
+  </p:clrMapOvr>
+  <p:timing>
+    <p:tnLst>
+      <p:par>
+        <p:cTn xmlns:p14="http://schemas.microsoft.com/office/powerpoint/2010/main" id="1" dur="indefinite" restart="never" nodeType="tmRoot"/>
+      </p:par>
+    </p:tnLst>
+  </p:timing>
+</p:sld>
+</file>
+
+<file path=ppt/slides/slide8.xml><?xml version="1.0" encoding="utf-8"?>
+<p:sld xmlns:a="http://schemas.openxmlformats.org/drawingml/2006/main" xmlns:r="http://schemas.openxmlformats.org/officeDocument/2006/relationships" xmlns:p="http://schemas.openxmlformats.org/presentationml/2006/main">
+  <p:cSld>
+    <p:spTree>
+      <p:nvGrpSpPr>
+        <p:cNvPr id="1" name=""/>
+        <p:cNvGrpSpPr/>
+        <p:nvPr/>
+      </p:nvGrpSpPr>
+      <p:grpSpPr>
+        <a:xfrm>
+          <a:off x="0" y="0"/>
+          <a:ext cx="0" cy="0"/>
+          <a:chOff x="0" y="0"/>
+          <a:chExt cx="0" cy="0"/>
+        </a:xfrm>
+      </p:grpSpPr>
+      <p:sp>
+        <p:nvSpPr>
+          <p:cNvPr id="2" name="Title 1"/>
+          <p:cNvSpPr>
+            <a:spLocks noGrp="1"/>
+          </p:cNvSpPr>
+          <p:nvPr>
+            <p:ph type="title"/>
+          </p:nvPr>
+        </p:nvSpPr>
+        <p:spPr/>
+        <p:txBody>
+          <a:bodyPr/>
+          <a:lstStyle/>
+          <a:p>
+            <a:pPr algn="ctr"/>
+            <a:r>
+              <a:rPr lang="en-US" b="1" dirty="0" smtClean="0"/>
+              <a:t>Building a Library of </a:t>
+            </a:r>
+            <a:r>
+              <a:rPr lang="en-US" b="1" smtClean="0"/>
+              <a:t>Exam </a:t>
+            </a:r>
+            <a:r>
+              <a:rPr lang="en-US" b="1" smtClean="0"/>
+              <a:t>Questions</a:t>
+            </a:r>
+            <a:endParaRPr lang="en-US" b="1" dirty="0"/>
+          </a:p>
+        </p:txBody>
+      </p:sp>
+      <p:sp>
+        <p:nvSpPr>
+          <p:cNvPr id="3" name="Content Placeholder 2"/>
+          <p:cNvSpPr>
+            <a:spLocks noGrp="1"/>
+          </p:cNvSpPr>
+          <p:nvPr>
+            <p:ph idx="1"/>
+          </p:nvPr>
+        </p:nvSpPr>
+        <p:spPr>
+          <a:xfrm>
+            <a:off x="628650" y="1369219"/>
+            <a:ext cx="3779361" cy="3263504"/>
+          </a:xfrm>
+        </p:spPr>
+        <p:txBody>
+          <a:bodyPr>
+            <a:normAutofit lnSpcReduction="10000"/>
+          </a:bodyPr>
+          <a:lstStyle/>
+          <a:p>
+            <a:r>
+              <a:rPr lang="en-US" dirty="0" smtClean="0"/>
+              <a:t>Our Experience:</a:t>
+            </a:r>
+          </a:p>
+          <a:p>
+            <a:pPr lvl="1"/>
+            <a:r>
+              <a:rPr lang="en-US" dirty="0" smtClean="0"/>
+              <a:t>We tried it and got at Thank You!</a:t>
+            </a:r>
+          </a:p>
+          <a:p>
+            <a:r>
+              <a:rPr lang="en-US" dirty="0" smtClean="0"/>
+              <a:t>Our concerns</a:t>
+            </a:r>
+          </a:p>
+          <a:p>
+            <a:pPr lvl="1"/>
+            <a:r>
+              <a:rPr lang="en-US" dirty="0" smtClean="0"/>
+              <a:t>Not clear what questions already exist</a:t>
+            </a:r>
+          </a:p>
+          <a:p>
+            <a:pPr lvl="1"/>
+            <a:r>
+              <a:rPr lang="en-US" dirty="0" smtClean="0"/>
+              <a:t>Not clear what types of questions can be added</a:t>
+            </a:r>
+          </a:p>
+          <a:p>
+            <a:pPr lvl="1"/>
+            <a:r>
+              <a:rPr lang="en-US" dirty="0" smtClean="0"/>
+              <a:t>Not clear what the question will look like to the student</a:t>
+            </a:r>
+          </a:p>
+          <a:p>
+            <a:pPr lvl="1"/>
+            <a:r>
+              <a:rPr lang="en-US" dirty="0" smtClean="0"/>
+              <a:t>It’s really not clear why were are allowed to submit the question</a:t>
+            </a:r>
+          </a:p>
+          <a:p>
+            <a:pPr marL="342900" lvl="1" indent="0">
+              <a:buNone/>
+            </a:pPr>
+            <a:r>
+              <a:rPr lang="en-US" dirty="0" smtClean="0"/>
+              <a:t> </a:t>
+            </a:r>
+          </a:p>
+          <a:p>
+            <a:pPr lvl="1"/>
+            <a:endParaRPr lang="en-US" dirty="0"/>
+          </a:p>
+        </p:txBody>
+      </p:sp>
+      <p:grpSp>
+        <p:nvGrpSpPr>
+          <p:cNvPr id="6" name="Group 5"/>
+          <p:cNvGrpSpPr/>
+          <p:nvPr/>
+        </p:nvGrpSpPr>
+        <p:grpSpPr>
+          <a:xfrm>
+            <a:off x="4290060" y="1369219"/>
+            <a:ext cx="4704383" cy="3038358"/>
+            <a:chOff x="4290060" y="1041517"/>
+            <a:chExt cx="4704383" cy="3038358"/>
+          </a:xfrm>
+        </p:grpSpPr>
+        <p:pic>
+          <p:nvPicPr>
+            <p:cNvPr id="5" name="Picture 4" descr="Screen Shot 2020-05-17 at 9.25.52 PM.png"/>
+            <p:cNvPicPr>
+              <a:picLocks noChangeAspect="1"/>
+            </p:cNvPicPr>
+            <p:nvPr/>
+          </p:nvPicPr>
+          <p:blipFill>
+            <a:blip r:embed="rId2">
+              <a:extLst>
+                <a:ext uri="{28A0092B-C50C-407E-A947-70E740481C1C}">
+                  <a14:useLocalDpi xmlns:a14="http://schemas.microsoft.com/office/drawing/2010/main" val="0"/>
+                </a:ext>
+              </a:extLst>
+            </a:blip>
+            <a:stretch>
+              <a:fillRect/>
+            </a:stretch>
+          </p:blipFill>
+          <p:spPr>
+            <a:xfrm>
+              <a:off x="4290060" y="1041517"/>
+              <a:ext cx="4554307" cy="2894835"/>
+            </a:xfrm>
+            <a:prstGeom prst="rect">
+              <a:avLst/>
+            </a:prstGeom>
+            <a:effectLst>
+              <a:outerShdw blurRad="50800" dist="38100" dir="5400000" algn="t" rotWithShape="0">
+                <a:prstClr val="black">
+                  <a:alpha val="40000"/>
+                </a:prstClr>
+              </a:outerShdw>
+            </a:effectLst>
+          </p:spPr>
+        </p:pic>
+        <p:pic>
+          <p:nvPicPr>
+            <p:cNvPr id="4" name="Picture 3" descr="Screen Shot 2020-05-17 at 9.26.04 PM.png"/>
+            <p:cNvPicPr>
+              <a:picLocks noChangeAspect="1"/>
+            </p:cNvPicPr>
+            <p:nvPr/>
+          </p:nvPicPr>
+          <p:blipFill rotWithShape="1">
+            <a:blip r:embed="rId3">
+              <a:extLst>
+                <a:ext uri="{28A0092B-C50C-407E-A947-70E740481C1C}">
+                  <a14:useLocalDpi xmlns:a14="http://schemas.microsoft.com/office/drawing/2010/main" val="0"/>
+                </a:ext>
+              </a:extLst>
+            </a:blip>
+            <a:srcRect l="3484" r="3515" b="70418"/>
+            <a:stretch/>
+          </p:blipFill>
+          <p:spPr>
+            <a:xfrm>
+              <a:off x="5037727" y="3259339"/>
+              <a:ext cx="3956716" cy="820536"/>
+            </a:xfrm>
+            <a:prstGeom prst="rect">
+              <a:avLst/>
+            </a:prstGeom>
+            <a:effectLst>
+              <a:outerShdw blurRad="50800" dist="38100" dir="5400000" algn="t" rotWithShape="0">
+                <a:prstClr val="black">
+                  <a:alpha val="40000"/>
+                </a:prstClr>
+              </a:outerShdw>
+            </a:effectLst>
+          </p:spPr>
+        </p:pic>
+      </p:grpSp>
+    </p:spTree>
+    <p:extLst>
+      <p:ext uri="{BB962C8B-B14F-4D97-AF65-F5344CB8AC3E}">
+        <p14:creationId xmlns:p14="http://schemas.microsoft.com/office/powerpoint/2010/main" val="1209110301"/>
+      </p:ext>
+    </p:extLst>
+  </p:cSld>
+  <p:clrMapOvr>
+    <a:masterClrMapping/>
+  </p:clrMapOvr>
+  <p:timing>
+    <p:tnLst>
+      <p:par>
+        <p:cTn xmlns:p14="http://schemas.microsoft.com/office/powerpoint/2010/main" id="1" dur="indefinite" restart="never" nodeType="tmRoot"/>
+      </p:par>
+    </p:tnLst>
+  </p:timing>
+</p:sld>
+</file>
+
+<file path=ppt/slides/slide9.xml><?xml version="1.0" encoding="utf-8"?>
+<p:sld xmlns:a="http://schemas.openxmlformats.org/drawingml/2006/main" xmlns:r="http://schemas.openxmlformats.org/officeDocument/2006/relationships" xmlns:p="http://schemas.openxmlformats.org/presentationml/2006/main">
+  <p:cSld>
+    <p:spTree>
+      <p:nvGrpSpPr>
+        <p:cNvPr id="1" name=""/>
+        <p:cNvGrpSpPr/>
+        <p:nvPr/>
+      </p:nvGrpSpPr>
+      <p:grpSpPr>
+        <a:xfrm>
+          <a:off x="0" y="0"/>
+          <a:ext cx="0" cy="0"/>
+          <a:chOff x="0" y="0"/>
+          <a:chExt cx="0" cy="0"/>
+        </a:xfrm>
+      </p:grpSpPr>
+      <p:sp>
+        <p:nvSpPr>
+          <p:cNvPr id="2" name="Title 1"/>
+          <p:cNvSpPr>
+            <a:spLocks noGrp="1"/>
+          </p:cNvSpPr>
+          <p:nvPr>
+            <p:ph type="title"/>
+          </p:nvPr>
+        </p:nvSpPr>
+        <p:spPr/>
+        <p:txBody>
+          <a:bodyPr>
+            <a:normAutofit fontScale="90000"/>
+          </a:bodyPr>
+          <a:lstStyle/>
+          <a:p>
+            <a:pPr algn="ctr"/>
+            <a:r>
+              <a:rPr lang="en-US" b="1" dirty="0" smtClean="0"/>
+              <a:t>Common Auto-graded Question </a:t>
+            </a:r>
+            <a:r>
+              <a:rPr lang="en-US" b="1" dirty="0" smtClean="0"/>
+              <a:t>Formats: </a:t>
+            </a:r>
+            <a:br>
+              <a:rPr lang="en-US" b="1" dirty="0" smtClean="0"/>
+            </a:br>
+            <a:r>
+              <a:rPr lang="en-US" b="1" dirty="0" smtClean="0"/>
+              <a:t>Example 1: Open </a:t>
+            </a:r>
+            <a:r>
+              <a:rPr lang="en-US" b="1" dirty="0" err="1" smtClean="0"/>
+              <a:t>edX</a:t>
+            </a:r>
+            <a:endParaRPr lang="en-US" b="1" dirty="0"/>
+          </a:p>
+        </p:txBody>
+      </p:sp>
+      <p:pic>
+        <p:nvPicPr>
+          <p:cNvPr id="4" name="Content Placeholder 3" descr="Screen Shot 2020-05-17 at 9.33.44 PM.png"/>
+          <p:cNvPicPr>
+            <a:picLocks noGrp="1" noChangeAspect="1"/>
+          </p:cNvPicPr>
+          <p:nvPr>
+            <p:ph idx="1"/>
+          </p:nvPr>
+        </p:nvPicPr>
+        <p:blipFill rotWithShape="1">
+          <a:blip r:embed="rId2">
+            <a:extLst>
+              <a:ext uri="{28A0092B-C50C-407E-A947-70E740481C1C}">
+                <a14:useLocalDpi xmlns:a14="http://schemas.microsoft.com/office/drawing/2010/main" val="0"/>
+              </a:ext>
+            </a:extLst>
+          </a:blip>
+          <a:srcRect l="-158" r="1792"/>
+          <a:stretch/>
+        </p:blipFill>
+        <p:spPr>
+          <a:xfrm>
+            <a:off x="4086348" y="1362917"/>
+            <a:ext cx="4429002" cy="2786833"/>
+          </a:xfrm>
+          <a:ln w="12700" cmpd="sng">
+            <a:solidFill>
+              <a:schemeClr val="bg2">
+                <a:lumMod val="25000"/>
+              </a:schemeClr>
+            </a:solidFill>
+          </a:ln>
+          <a:effectLst>
+            <a:outerShdw blurRad="50800" dist="38100" dir="2700000" algn="tl" rotWithShape="0">
+              <a:prstClr val="black">
+                <a:alpha val="40000"/>
+              </a:prstClr>
+            </a:outerShdw>
+          </a:effectLst>
+        </p:spPr>
+      </p:pic>
+      <p:sp>
+        <p:nvSpPr>
+          <p:cNvPr id="5" name="Content Placeholder 2"/>
+          <p:cNvSpPr txBox="1">
+            <a:spLocks/>
+          </p:cNvSpPr>
+          <p:nvPr/>
+        </p:nvSpPr>
+        <p:spPr>
+          <a:xfrm>
+            <a:off x="628651" y="1369219"/>
+            <a:ext cx="3457698" cy="3263504"/>
+          </a:xfrm>
+          <a:prstGeom prst="rect">
+            <a:avLst/>
+          </a:prstGeom>
+        </p:spPr>
+        <p:txBody>
+          <a:bodyPr vert="horz" lIns="91440" tIns="45720" rIns="91440" bIns="45720" rtlCol="0">
+            <a:normAutofit/>
+          </a:bodyPr>
+          <a:lstStyle>
+            <a:lvl1pPr marL="171450" indent="-171450" algn="l" defTabSz="685800" rtl="0" eaLnBrk="1" latinLnBrk="0" hangingPunct="1">
+              <a:lnSpc>
+                <a:spcPct val="90000"/>
+              </a:lnSpc>
+              <a:spcBef>
+                <a:spcPts val="750"/>
+              </a:spcBef>
+              <a:buFont typeface="Arial" panose="020B0604020202020204" pitchFamily="34" charset="0"/>
+              <a:buChar char="•"/>
+              <a:defRPr sz="2100" kern="1200">
+                <a:solidFill>
+                  <a:schemeClr val="tx1"/>
+                </a:solidFill>
+                <a:latin typeface="+mn-lt"/>
+                <a:ea typeface="+mn-ea"/>
+                <a:cs typeface="+mn-cs"/>
+              </a:defRPr>
+            </a:lvl1pPr>
+            <a:lvl2pPr marL="514350" indent="-171450" algn="l" defTabSz="685800" rtl="0" eaLnBrk="1" latinLnBrk="0" hangingPunct="1">
+              <a:lnSpc>
+                <a:spcPct val="90000"/>
+              </a:lnSpc>
+              <a:spcBef>
+                <a:spcPts val="375"/>
+              </a:spcBef>
+              <a:buFont typeface="Arial" panose="020B0604020202020204" pitchFamily="34" charset="0"/>
+              <a:buChar char="•"/>
+              <a:defRPr sz="1800" kern="1200">
+                <a:solidFill>
+                  <a:schemeClr val="tx1"/>
+                </a:solidFill>
+                <a:latin typeface="+mn-lt"/>
+                <a:ea typeface="+mn-ea"/>
+                <a:cs typeface="+mn-cs"/>
+              </a:defRPr>
+            </a:lvl2pPr>
+            <a:lvl3pPr marL="857250" indent="-171450" algn="l" defTabSz="685800" rtl="0" eaLnBrk="1" latinLnBrk="0" hangingPunct="1">
+              <a:lnSpc>
+                <a:spcPct val="90000"/>
+              </a:lnSpc>
+              <a:spcBef>
+                <a:spcPts val="375"/>
+              </a:spcBef>
+              <a:buFont typeface="Arial" panose="020B0604020202020204" pitchFamily="34" charset="0"/>
+              <a:buChar char="•"/>
+              <a:defRPr sz="1500" kern="1200">
+                <a:solidFill>
+                  <a:schemeClr val="tx1"/>
+                </a:solidFill>
+                <a:latin typeface="+mn-lt"/>
+                <a:ea typeface="+mn-ea"/>
+                <a:cs typeface="+mn-cs"/>
+              </a:defRPr>
+            </a:lvl3pPr>
+            <a:lvl4pPr marL="1200150" indent="-171450" algn="l" defTabSz="685800" rtl="0" eaLnBrk="1" latinLnBrk="0" hangingPunct="1">
+              <a:lnSpc>
+                <a:spcPct val="90000"/>
+              </a:lnSpc>
+              <a:spcBef>
+                <a:spcPts val="375"/>
+              </a:spcBef>
+              <a:buFont typeface="Arial" panose="020B0604020202020204" pitchFamily="34" charset="0"/>
+              <a:buChar char="•"/>
+              <a:defRPr sz="1350" kern="1200">
+                <a:solidFill>
+                  <a:schemeClr val="tx1"/>
+                </a:solidFill>
+                <a:latin typeface="+mn-lt"/>
+                <a:ea typeface="+mn-ea"/>
+                <a:cs typeface="+mn-cs"/>
+              </a:defRPr>
+            </a:lvl4pPr>
+            <a:lvl5pPr marL="1543050" indent="-171450" algn="l" defTabSz="685800" rtl="0" eaLnBrk="1" latinLnBrk="0" hangingPunct="1">
+              <a:lnSpc>
+                <a:spcPct val="90000"/>
+              </a:lnSpc>
+              <a:spcBef>
+                <a:spcPts val="375"/>
+              </a:spcBef>
+              <a:buFont typeface="Arial" panose="020B0604020202020204" pitchFamily="34" charset="0"/>
+              <a:buChar char="•"/>
+              <a:defRPr sz="1350" kern="1200">
+                <a:solidFill>
+                  <a:schemeClr val="tx1"/>
+                </a:solidFill>
+                <a:latin typeface="+mn-lt"/>
+                <a:ea typeface="+mn-ea"/>
+                <a:cs typeface="+mn-cs"/>
+              </a:defRPr>
+            </a:lvl5pPr>
+            <a:lvl6pPr marL="1885950" indent="-171450" algn="l" defTabSz="685800" rtl="0" eaLnBrk="1" latinLnBrk="0" hangingPunct="1">
+              <a:lnSpc>
+                <a:spcPct val="90000"/>
+              </a:lnSpc>
+              <a:spcBef>
+                <a:spcPts val="375"/>
+              </a:spcBef>
+              <a:buFont typeface="Arial" panose="020B0604020202020204" pitchFamily="34" charset="0"/>
+              <a:buChar char="•"/>
+              <a:defRPr sz="1350" kern="1200">
+                <a:solidFill>
+                  <a:schemeClr val="tx1"/>
+                </a:solidFill>
+                <a:latin typeface="+mn-lt"/>
+                <a:ea typeface="+mn-ea"/>
+                <a:cs typeface="+mn-cs"/>
+              </a:defRPr>
+            </a:lvl6pPr>
+            <a:lvl7pPr marL="2228850" indent="-171450" algn="l" defTabSz="685800" rtl="0" eaLnBrk="1" latinLnBrk="0" hangingPunct="1">
+              <a:lnSpc>
+                <a:spcPct val="90000"/>
+              </a:lnSpc>
+              <a:spcBef>
+                <a:spcPts val="375"/>
+              </a:spcBef>
+              <a:buFont typeface="Arial" panose="020B0604020202020204" pitchFamily="34" charset="0"/>
+              <a:buChar char="•"/>
+              <a:defRPr sz="1350" kern="1200">
+                <a:solidFill>
+                  <a:schemeClr val="tx1"/>
+                </a:solidFill>
+                <a:latin typeface="+mn-lt"/>
+                <a:ea typeface="+mn-ea"/>
+                <a:cs typeface="+mn-cs"/>
+              </a:defRPr>
+            </a:lvl7pPr>
+            <a:lvl8pPr marL="2571750" indent="-171450" algn="l" defTabSz="685800" rtl="0" eaLnBrk="1" latinLnBrk="0" hangingPunct="1">
+              <a:lnSpc>
+                <a:spcPct val="90000"/>
+              </a:lnSpc>
+              <a:spcBef>
+                <a:spcPts val="375"/>
+              </a:spcBef>
+              <a:buFont typeface="Arial" panose="020B0604020202020204" pitchFamily="34" charset="0"/>
+              <a:buChar char="•"/>
+              <a:defRPr sz="1350" kern="1200">
+                <a:solidFill>
+                  <a:schemeClr val="tx1"/>
+                </a:solidFill>
+                <a:latin typeface="+mn-lt"/>
+                <a:ea typeface="+mn-ea"/>
+                <a:cs typeface="+mn-cs"/>
+              </a:defRPr>
+            </a:lvl8pPr>
+            <a:lvl9pPr marL="2914650" indent="-171450" algn="l" defTabSz="685800" rtl="0" eaLnBrk="1" latinLnBrk="0" hangingPunct="1">
+              <a:lnSpc>
+                <a:spcPct val="90000"/>
+              </a:lnSpc>
+              <a:spcBef>
+                <a:spcPts val="375"/>
+              </a:spcBef>
+              <a:buFont typeface="Arial" panose="020B0604020202020204" pitchFamily="34" charset="0"/>
+              <a:buChar char="•"/>
+              <a:defRPr sz="1350" kern="1200">
+                <a:solidFill>
+                  <a:schemeClr val="tx1"/>
+                </a:solidFill>
+                <a:latin typeface="+mn-lt"/>
+                <a:ea typeface="+mn-ea"/>
+                <a:cs typeface="+mn-cs"/>
+              </a:defRPr>
+            </a:lvl9pPr>
+          </a:lstStyle>
+          <a:p>
+            <a:r>
               <a:rPr lang="en-US" dirty="0" smtClean="0"/>
               <a:t>Test Problem Formats</a:t>
             </a:r>
@@ -5929,6 +7462,41 @@
           </a:p>
         </p:txBody>
       </p:sp>
+      <p:pic>
+        <p:nvPicPr>
+          <p:cNvPr id="3" name="Picture 2" descr="download.png"/>
+          <p:cNvPicPr>
+            <a:picLocks noChangeAspect="1"/>
+          </p:cNvPicPr>
+          <p:nvPr/>
+        </p:nvPicPr>
+        <p:blipFill>
+          <a:blip r:embed="rId3">
+            <a:extLst>
+              <a:ext uri="{28A0092B-C50C-407E-A947-70E740481C1C}">
+                <a14:useLocalDpi xmlns:a14="http://schemas.microsoft.com/office/drawing/2010/main" val="0"/>
+              </a:ext>
+            </a:extLst>
+          </a:blip>
+          <a:stretch>
+            <a:fillRect/>
+          </a:stretch>
+        </p:blipFill>
+        <p:spPr>
+          <a:xfrm>
+            <a:off x="5144876" y="3778618"/>
+            <a:ext cx="2424324" cy="742263"/>
+          </a:xfrm>
+          <a:prstGeom prst="rect">
+            <a:avLst/>
+          </a:prstGeom>
+          <a:ln w="12700" cmpd="sng">
+            <a:solidFill>
+              <a:schemeClr val="tx2"/>
+            </a:solidFill>
+          </a:ln>
+        </p:spPr>
+      </p:pic>
     </p:spTree>
     <p:extLst>
       <p:ext uri="{BB962C8B-B14F-4D97-AF65-F5344CB8AC3E}">
@@ -6204,7 +7772,7 @@
   <a:extraClrSchemeLst/>
   <a:extLst>
     <a:ext uri="{05A4C25C-085E-4340-85A3-A5531E510DB2}">
-      <thm15:themeFamily xmlns:thm15="http://schemas.microsoft.com/office/thememl/2012/main" xmlns="" name="Office Theme" id="{62F939B6-93AF-4DB8-9C6B-D6C7DFDC589F}" vid="{4A3C46E8-61CC-4603-A589-7422A47A8E4A}"/>
+      <thm15:themeFamily xmlns="" xmlns:thm15="http://schemas.microsoft.com/office/thememl/2012/main" name="Office Theme" id="{62F939B6-93AF-4DB8-9C6B-D6C7DFDC589F}" vid="{4A3C46E8-61CC-4603-A589-7422A47A8E4A}"/>
     </a:ext>
   </a:extLst>
 </a:theme>
@@ -6465,7 +8033,7 @@
   <a:extraClrSchemeLst/>
   <a:extLst>
     <a:ext uri="{05A4C25C-085E-4340-85A3-A5531E510DB2}">
-      <thm15:themeFamily xmlns:thm15="http://schemas.microsoft.com/office/thememl/2012/main" xmlns="" name="Office Theme" id="{62F939B6-93AF-4DB8-9C6B-D6C7DFDC589F}" vid="{4A3C46E8-61CC-4603-A589-7422A47A8E4A}"/>
+      <thm15:themeFamily xmlns="" xmlns:thm15="http://schemas.microsoft.com/office/thememl/2012/main" name="Office Theme" id="{62F939B6-93AF-4DB8-9C6B-D6C7DFDC589F}" vid="{4A3C46E8-61CC-4603-A589-7422A47A8E4A}"/>
     </a:ext>
   </a:extLst>
 </a:theme>
